--- a/E-Genetics/presentations/SRS (2).pptx
+++ b/E-Genetics/presentations/SRS (2).pptx
@@ -3,36 +3,36 @@
 <p:presentation xmlns:a="http://schemas.openxmlformats.org/drawingml/2006/main" xmlns:r="http://schemas.openxmlformats.org/officeDocument/2006/relationships" xmlns:p="http://schemas.openxmlformats.org/presentationml/2006/main">
   <p:sldMasterIdLst>
     <p:sldMasterId id="2147483648" r:id="rId1"/>
-    <p:sldMasterId id="2147483661" r:id="rId3"/>
-    <p:sldMasterId id="2147483674" r:id="rId4"/>
-    <p:sldMasterId id="2147483687" r:id="rId5"/>
-    <p:sldMasterId id="2147483700" r:id="rId6"/>
-    <p:sldMasterId id="2147483713" r:id="rId7"/>
+    <p:sldMasterId id="2147483661" r:id="rId2"/>
+    <p:sldMasterId id="2147483674" r:id="rId3"/>
+    <p:sldMasterId id="2147483687" r:id="rId4"/>
+    <p:sldMasterId id="2147483700" r:id="rId5"/>
+    <p:sldMasterId id="2147483713" r:id="rId6"/>
   </p:sldMasterIdLst>
   <p:sldIdLst>
-    <p:sldId id="256" r:id="rId8"/>
-    <p:sldId id="257" r:id="rId9"/>
-    <p:sldId id="258" r:id="rId10"/>
-    <p:sldId id="260" r:id="rId11"/>
-    <p:sldId id="261" r:id="rId12"/>
-    <p:sldId id="262" r:id="rId13"/>
-    <p:sldId id="263" r:id="rId14"/>
-    <p:sldId id="264" r:id="rId15"/>
-    <p:sldId id="266" r:id="rId16"/>
-    <p:sldId id="278" r:id="rId17"/>
-    <p:sldId id="279" r:id="rId18"/>
-    <p:sldId id="280" r:id="rId19"/>
-    <p:sldId id="281" r:id="rId20"/>
-    <p:sldId id="282" r:id="rId21"/>
-    <p:sldId id="283" r:id="rId22"/>
-    <p:sldId id="269" r:id="rId23"/>
-    <p:sldId id="270" r:id="rId24"/>
-    <p:sldId id="271" r:id="rId25"/>
-    <p:sldId id="275" r:id="rId26"/>
-    <p:sldId id="276" r:id="rId27"/>
-    <p:sldId id="277" r:id="rId28"/>
+    <p:sldId id="256" r:id="rId7"/>
+    <p:sldId id="257" r:id="rId8"/>
+    <p:sldId id="258" r:id="rId9"/>
+    <p:sldId id="260" r:id="rId10"/>
+    <p:sldId id="261" r:id="rId11"/>
+    <p:sldId id="262" r:id="rId12"/>
+    <p:sldId id="263" r:id="rId13"/>
+    <p:sldId id="264" r:id="rId14"/>
+    <p:sldId id="266" r:id="rId15"/>
+    <p:sldId id="278" r:id="rId16"/>
+    <p:sldId id="279" r:id="rId17"/>
+    <p:sldId id="280" r:id="rId18"/>
+    <p:sldId id="281" r:id="rId19"/>
+    <p:sldId id="282" r:id="rId20"/>
+    <p:sldId id="283" r:id="rId21"/>
+    <p:sldId id="269" r:id="rId22"/>
+    <p:sldId id="270" r:id="rId23"/>
+    <p:sldId id="271" r:id="rId24"/>
+    <p:sldId id="275" r:id="rId25"/>
+    <p:sldId id="276" r:id="rId26"/>
+    <p:sldId id="277" r:id="rId27"/>
   </p:sldIdLst>
-  <p:sldSz cx="9144000" cy="5143500"/>
+  <p:sldSz cx="9144000" cy="5143500" type="screen16x9"/>
   <p:notesSz cx="7772400" cy="10058400"/>
   <p:defaultTextStyle>
     <a:lvl1pPr marL="0" algn="l" defTabSz="914400" rtl="0" eaLnBrk="1" latinLnBrk="0" hangingPunct="1">
@@ -194,6 +194,7 @@
           <a:bodyPr lIns="0" tIns="0" rIns="0" bIns="0" anchor="ctr">
             <a:noAutofit/>
           </a:bodyPr>
+          <a:lstStyle/>
           <a:p>
             <a:pPr algn="ctr"/>
             <a:endParaRPr lang="en-US" sz="4400" b="0" strike="noStrike" spc="-1">
@@ -225,6 +226,7 @@
           <a:bodyPr lIns="0" tIns="0" rIns="0" bIns="0">
             <a:normAutofit/>
           </a:bodyPr>
+          <a:lstStyle/>
           <a:p>
             <a:endParaRPr lang="en-US" sz="3200" b="0" strike="noStrike" spc="-1">
               <a:latin typeface="Arial" panose="020B0604020202020204"/>
@@ -255,6 +257,7 @@
           <a:bodyPr lIns="0" tIns="0" rIns="0" bIns="0">
             <a:normAutofit/>
           </a:bodyPr>
+          <a:lstStyle/>
           <a:p>
             <a:endParaRPr lang="en-US" sz="3200" b="0" strike="noStrike" spc="-1">
               <a:latin typeface="Arial" panose="020B0604020202020204"/>
@@ -310,6 +313,7 @@
           <a:bodyPr lIns="0" tIns="0" rIns="0" bIns="0" anchor="ctr">
             <a:noAutofit/>
           </a:bodyPr>
+          <a:lstStyle/>
           <a:p>
             <a:pPr algn="ctr"/>
             <a:endParaRPr lang="en-US" sz="4400" b="0" strike="noStrike" spc="-1">
@@ -341,6 +345,7 @@
           <a:bodyPr lIns="0" tIns="0" rIns="0" bIns="0">
             <a:normAutofit/>
           </a:bodyPr>
+          <a:lstStyle/>
           <a:p>
             <a:endParaRPr lang="en-US" sz="3200" b="0" strike="noStrike" spc="-1">
               <a:latin typeface="Arial" panose="020B0604020202020204"/>
@@ -371,6 +376,7 @@
           <a:bodyPr lIns="0" tIns="0" rIns="0" bIns="0">
             <a:normAutofit/>
           </a:bodyPr>
+          <a:lstStyle/>
           <a:p>
             <a:endParaRPr lang="en-US" sz="3200" b="0" strike="noStrike" spc="-1">
               <a:latin typeface="Arial" panose="020B0604020202020204"/>
@@ -401,6 +407,7 @@
           <a:bodyPr lIns="0" tIns="0" rIns="0" bIns="0">
             <a:normAutofit/>
           </a:bodyPr>
+          <a:lstStyle/>
           <a:p>
             <a:endParaRPr lang="en-US" sz="3200" b="0" strike="noStrike" spc="-1">
               <a:latin typeface="Arial" panose="020B0604020202020204"/>
@@ -431,6 +438,7 @@
           <a:bodyPr lIns="0" tIns="0" rIns="0" bIns="0">
             <a:normAutofit/>
           </a:bodyPr>
+          <a:lstStyle/>
           <a:p>
             <a:endParaRPr lang="en-US" sz="3200" b="0" strike="noStrike" spc="-1">
               <a:latin typeface="Arial" panose="020B0604020202020204"/>
@@ -486,6 +494,7 @@
           <a:bodyPr lIns="0" tIns="0" rIns="0" bIns="0" anchor="ctr">
             <a:noAutofit/>
           </a:bodyPr>
+          <a:lstStyle/>
           <a:p>
             <a:pPr algn="ctr"/>
             <a:endParaRPr lang="en-US" sz="4400" b="0" strike="noStrike" spc="-1">
@@ -517,6 +526,7 @@
           <a:bodyPr lIns="0" tIns="0" rIns="0" bIns="0">
             <a:normAutofit/>
           </a:bodyPr>
+          <a:lstStyle/>
           <a:p>
             <a:endParaRPr lang="en-US" sz="3200" b="0" strike="noStrike" spc="-1">
               <a:latin typeface="Arial" panose="020B0604020202020204"/>
@@ -547,6 +557,7 @@
           <a:bodyPr lIns="0" tIns="0" rIns="0" bIns="0">
             <a:normAutofit/>
           </a:bodyPr>
+          <a:lstStyle/>
           <a:p>
             <a:endParaRPr lang="en-US" sz="3200" b="0" strike="noStrike" spc="-1">
               <a:latin typeface="Arial" panose="020B0604020202020204"/>
@@ -577,6 +588,7 @@
           <a:bodyPr lIns="0" tIns="0" rIns="0" bIns="0">
             <a:normAutofit/>
           </a:bodyPr>
+          <a:lstStyle/>
           <a:p>
             <a:endParaRPr lang="en-US" sz="3200" b="0" strike="noStrike" spc="-1">
               <a:latin typeface="Arial" panose="020B0604020202020204"/>
@@ -607,6 +619,7 @@
           <a:bodyPr lIns="0" tIns="0" rIns="0" bIns="0">
             <a:normAutofit/>
           </a:bodyPr>
+          <a:lstStyle/>
           <a:p>
             <a:endParaRPr lang="en-US" sz="3200" b="0" strike="noStrike" spc="-1">
               <a:latin typeface="Arial" panose="020B0604020202020204"/>
@@ -637,6 +650,7 @@
           <a:bodyPr lIns="0" tIns="0" rIns="0" bIns="0">
             <a:normAutofit/>
           </a:bodyPr>
+          <a:lstStyle/>
           <a:p>
             <a:endParaRPr lang="en-US" sz="3200" b="0" strike="noStrike" spc="-1">
               <a:latin typeface="Arial" panose="020B0604020202020204"/>
@@ -667,6 +681,7 @@
           <a:bodyPr lIns="0" tIns="0" rIns="0" bIns="0">
             <a:normAutofit/>
           </a:bodyPr>
+          <a:lstStyle/>
           <a:p>
             <a:endParaRPr lang="en-US" sz="3200" b="0" strike="noStrike" spc="-1">
               <a:latin typeface="Arial" panose="020B0604020202020204"/>
@@ -747,6 +762,7 @@
           <a:bodyPr lIns="0" tIns="0" rIns="0" bIns="0" anchor="ctr">
             <a:noAutofit/>
           </a:bodyPr>
+          <a:lstStyle/>
           <a:p>
             <a:pPr algn="ctr"/>
             <a:endParaRPr lang="en-US" sz="4400" b="0" strike="noStrike" spc="-1">
@@ -778,6 +794,7 @@
           <a:bodyPr lIns="0" tIns="0" rIns="0" bIns="0" anchor="ctr">
             <a:noAutofit/>
           </a:bodyPr>
+          <a:lstStyle/>
           <a:p>
             <a:pPr algn="ctr"/>
             <a:endParaRPr lang="en-US" sz="3200" b="0" strike="noStrike" spc="-1">
@@ -834,6 +851,7 @@
           <a:bodyPr lIns="0" tIns="0" rIns="0" bIns="0" anchor="ctr">
             <a:noAutofit/>
           </a:bodyPr>
+          <a:lstStyle/>
           <a:p>
             <a:pPr algn="ctr"/>
             <a:endParaRPr lang="en-US" sz="4400" b="0" strike="noStrike" spc="-1">
@@ -865,6 +883,7 @@
           <a:bodyPr lIns="0" tIns="0" rIns="0" bIns="0">
             <a:normAutofit/>
           </a:bodyPr>
+          <a:lstStyle/>
           <a:p>
             <a:endParaRPr lang="en-US" sz="3200" b="0" strike="noStrike" spc="-1">
               <a:latin typeface="Arial" panose="020B0604020202020204"/>
@@ -920,6 +939,7 @@
           <a:bodyPr lIns="0" tIns="0" rIns="0" bIns="0" anchor="ctr">
             <a:noAutofit/>
           </a:bodyPr>
+          <a:lstStyle/>
           <a:p>
             <a:pPr algn="ctr"/>
             <a:endParaRPr lang="en-US" sz="4400" b="0" strike="noStrike" spc="-1">
@@ -951,6 +971,7 @@
           <a:bodyPr lIns="0" tIns="0" rIns="0" bIns="0">
             <a:normAutofit/>
           </a:bodyPr>
+          <a:lstStyle/>
           <a:p>
             <a:endParaRPr lang="en-US" sz="3200" b="0" strike="noStrike" spc="-1">
               <a:latin typeface="Arial" panose="020B0604020202020204"/>
@@ -981,6 +1002,7 @@
           <a:bodyPr lIns="0" tIns="0" rIns="0" bIns="0">
             <a:normAutofit/>
           </a:bodyPr>
+          <a:lstStyle/>
           <a:p>
             <a:endParaRPr lang="en-US" sz="3200" b="0" strike="noStrike" spc="-1">
               <a:latin typeface="Arial" panose="020B0604020202020204"/>
@@ -1036,6 +1058,7 @@
           <a:bodyPr lIns="0" tIns="0" rIns="0" bIns="0" anchor="ctr">
             <a:noAutofit/>
           </a:bodyPr>
+          <a:lstStyle/>
           <a:p>
             <a:pPr algn="ctr"/>
             <a:endParaRPr lang="en-US" sz="4400" b="0" strike="noStrike" spc="-1">
@@ -1092,6 +1115,7 @@
           <a:bodyPr lIns="0" tIns="0" rIns="0" bIns="0" anchor="ctr">
             <a:noAutofit/>
           </a:bodyPr>
+          <a:lstStyle/>
           <a:p>
             <a:pPr algn="ctr"/>
             <a:endParaRPr lang="en-US" sz="3200" b="0" strike="noStrike" spc="-1">
@@ -1148,6 +1172,7 @@
           <a:bodyPr lIns="0" tIns="0" rIns="0" bIns="0" anchor="ctr">
             <a:noAutofit/>
           </a:bodyPr>
+          <a:lstStyle/>
           <a:p>
             <a:pPr algn="ctr"/>
             <a:endParaRPr lang="en-US" sz="4400" b="0" strike="noStrike" spc="-1">
@@ -1179,6 +1204,7 @@
           <a:bodyPr lIns="0" tIns="0" rIns="0" bIns="0">
             <a:normAutofit/>
           </a:bodyPr>
+          <a:lstStyle/>
           <a:p>
             <a:endParaRPr lang="en-US" sz="3200" b="0" strike="noStrike" spc="-1">
               <a:latin typeface="Arial" panose="020B0604020202020204"/>
@@ -1209,6 +1235,7 @@
           <a:bodyPr lIns="0" tIns="0" rIns="0" bIns="0">
             <a:normAutofit/>
           </a:bodyPr>
+          <a:lstStyle/>
           <a:p>
             <a:endParaRPr lang="en-US" sz="3200" b="0" strike="noStrike" spc="-1">
               <a:latin typeface="Arial" panose="020B0604020202020204"/>
@@ -1239,6 +1266,7 @@
           <a:bodyPr lIns="0" tIns="0" rIns="0" bIns="0">
             <a:normAutofit/>
           </a:bodyPr>
+          <a:lstStyle/>
           <a:p>
             <a:endParaRPr lang="en-US" sz="3200" b="0" strike="noStrike" spc="-1">
               <a:latin typeface="Arial" panose="020B0604020202020204"/>
@@ -1294,6 +1322,7 @@
           <a:bodyPr lIns="0" tIns="0" rIns="0" bIns="0" anchor="ctr">
             <a:noAutofit/>
           </a:bodyPr>
+          <a:lstStyle/>
           <a:p>
             <a:pPr algn="ctr"/>
             <a:endParaRPr lang="en-US" sz="4400" b="0" strike="noStrike" spc="-1">
@@ -1325,6 +1354,7 @@
           <a:bodyPr lIns="0" tIns="0" rIns="0" bIns="0" anchor="ctr">
             <a:noAutofit/>
           </a:bodyPr>
+          <a:lstStyle/>
           <a:p>
             <a:pPr algn="ctr"/>
             <a:endParaRPr lang="en-US" sz="3200" b="0" strike="noStrike" spc="-1">
@@ -1381,6 +1411,7 @@
           <a:bodyPr lIns="0" tIns="0" rIns="0" bIns="0" anchor="ctr">
             <a:noAutofit/>
           </a:bodyPr>
+          <a:lstStyle/>
           <a:p>
             <a:pPr algn="ctr"/>
             <a:endParaRPr lang="en-US" sz="4400" b="0" strike="noStrike" spc="-1">
@@ -1412,6 +1443,7 @@
           <a:bodyPr lIns="0" tIns="0" rIns="0" bIns="0">
             <a:normAutofit/>
           </a:bodyPr>
+          <a:lstStyle/>
           <a:p>
             <a:endParaRPr lang="en-US" sz="3200" b="0" strike="noStrike" spc="-1">
               <a:latin typeface="Arial" panose="020B0604020202020204"/>
@@ -1442,6 +1474,7 @@
           <a:bodyPr lIns="0" tIns="0" rIns="0" bIns="0">
             <a:normAutofit/>
           </a:bodyPr>
+          <a:lstStyle/>
           <a:p>
             <a:endParaRPr lang="en-US" sz="3200" b="0" strike="noStrike" spc="-1">
               <a:latin typeface="Arial" panose="020B0604020202020204"/>
@@ -1472,6 +1505,7 @@
           <a:bodyPr lIns="0" tIns="0" rIns="0" bIns="0">
             <a:normAutofit/>
           </a:bodyPr>
+          <a:lstStyle/>
           <a:p>
             <a:endParaRPr lang="en-US" sz="3200" b="0" strike="noStrike" spc="-1">
               <a:latin typeface="Arial" panose="020B0604020202020204"/>
@@ -1527,6 +1561,7 @@
           <a:bodyPr lIns="0" tIns="0" rIns="0" bIns="0" anchor="ctr">
             <a:noAutofit/>
           </a:bodyPr>
+          <a:lstStyle/>
           <a:p>
             <a:pPr algn="ctr"/>
             <a:endParaRPr lang="en-US" sz="4400" b="0" strike="noStrike" spc="-1">
@@ -1558,6 +1593,7 @@
           <a:bodyPr lIns="0" tIns="0" rIns="0" bIns="0">
             <a:normAutofit/>
           </a:bodyPr>
+          <a:lstStyle/>
           <a:p>
             <a:endParaRPr lang="en-US" sz="3200" b="0" strike="noStrike" spc="-1">
               <a:latin typeface="Arial" panose="020B0604020202020204"/>
@@ -1588,6 +1624,7 @@
           <a:bodyPr lIns="0" tIns="0" rIns="0" bIns="0">
             <a:normAutofit/>
           </a:bodyPr>
+          <a:lstStyle/>
           <a:p>
             <a:endParaRPr lang="en-US" sz="3200" b="0" strike="noStrike" spc="-1">
               <a:latin typeface="Arial" panose="020B0604020202020204"/>
@@ -1618,6 +1655,7 @@
           <a:bodyPr lIns="0" tIns="0" rIns="0" bIns="0">
             <a:normAutofit/>
           </a:bodyPr>
+          <a:lstStyle/>
           <a:p>
             <a:endParaRPr lang="en-US" sz="3200" b="0" strike="noStrike" spc="-1">
               <a:latin typeface="Arial" panose="020B0604020202020204"/>
@@ -1673,6 +1711,7 @@
           <a:bodyPr lIns="0" tIns="0" rIns="0" bIns="0" anchor="ctr">
             <a:noAutofit/>
           </a:bodyPr>
+          <a:lstStyle/>
           <a:p>
             <a:pPr algn="ctr"/>
             <a:endParaRPr lang="en-US" sz="4400" b="0" strike="noStrike" spc="-1">
@@ -1704,6 +1743,7 @@
           <a:bodyPr lIns="0" tIns="0" rIns="0" bIns="0">
             <a:normAutofit/>
           </a:bodyPr>
+          <a:lstStyle/>
           <a:p>
             <a:endParaRPr lang="en-US" sz="3200" b="0" strike="noStrike" spc="-1">
               <a:latin typeface="Arial" panose="020B0604020202020204"/>
@@ -1734,6 +1774,7 @@
           <a:bodyPr lIns="0" tIns="0" rIns="0" bIns="0">
             <a:normAutofit/>
           </a:bodyPr>
+          <a:lstStyle/>
           <a:p>
             <a:endParaRPr lang="en-US" sz="3200" b="0" strike="noStrike" spc="-1">
               <a:latin typeface="Arial" panose="020B0604020202020204"/>
@@ -1789,6 +1830,7 @@
           <a:bodyPr lIns="0" tIns="0" rIns="0" bIns="0" anchor="ctr">
             <a:noAutofit/>
           </a:bodyPr>
+          <a:lstStyle/>
           <a:p>
             <a:pPr algn="ctr"/>
             <a:endParaRPr lang="en-US" sz="4400" b="0" strike="noStrike" spc="-1">
@@ -1820,6 +1862,7 @@
           <a:bodyPr lIns="0" tIns="0" rIns="0" bIns="0">
             <a:normAutofit/>
           </a:bodyPr>
+          <a:lstStyle/>
           <a:p>
             <a:endParaRPr lang="en-US" sz="3200" b="0" strike="noStrike" spc="-1">
               <a:latin typeface="Arial" panose="020B0604020202020204"/>
@@ -1850,6 +1893,7 @@
           <a:bodyPr lIns="0" tIns="0" rIns="0" bIns="0">
             <a:normAutofit/>
           </a:bodyPr>
+          <a:lstStyle/>
           <a:p>
             <a:endParaRPr lang="en-US" sz="3200" b="0" strike="noStrike" spc="-1">
               <a:latin typeface="Arial" panose="020B0604020202020204"/>
@@ -1880,6 +1924,7 @@
           <a:bodyPr lIns="0" tIns="0" rIns="0" bIns="0">
             <a:normAutofit/>
           </a:bodyPr>
+          <a:lstStyle/>
           <a:p>
             <a:endParaRPr lang="en-US" sz="3200" b="0" strike="noStrike" spc="-1">
               <a:latin typeface="Arial" panose="020B0604020202020204"/>
@@ -1910,6 +1955,7 @@
           <a:bodyPr lIns="0" tIns="0" rIns="0" bIns="0">
             <a:normAutofit/>
           </a:bodyPr>
+          <a:lstStyle/>
           <a:p>
             <a:endParaRPr lang="en-US" sz="3200" b="0" strike="noStrike" spc="-1">
               <a:latin typeface="Arial" panose="020B0604020202020204"/>
@@ -1965,6 +2011,7 @@
           <a:bodyPr lIns="0" tIns="0" rIns="0" bIns="0" anchor="ctr">
             <a:noAutofit/>
           </a:bodyPr>
+          <a:lstStyle/>
           <a:p>
             <a:pPr algn="ctr"/>
             <a:endParaRPr lang="en-US" sz="4400" b="0" strike="noStrike" spc="-1">
@@ -1996,6 +2043,7 @@
           <a:bodyPr lIns="0" tIns="0" rIns="0" bIns="0">
             <a:normAutofit/>
           </a:bodyPr>
+          <a:lstStyle/>
           <a:p>
             <a:endParaRPr lang="en-US" sz="3200" b="0" strike="noStrike" spc="-1">
               <a:latin typeface="Arial" panose="020B0604020202020204"/>
@@ -2026,6 +2074,7 @@
           <a:bodyPr lIns="0" tIns="0" rIns="0" bIns="0">
             <a:normAutofit/>
           </a:bodyPr>
+          <a:lstStyle/>
           <a:p>
             <a:endParaRPr lang="en-US" sz="3200" b="0" strike="noStrike" spc="-1">
               <a:latin typeface="Arial" panose="020B0604020202020204"/>
@@ -2056,6 +2105,7 @@
           <a:bodyPr lIns="0" tIns="0" rIns="0" bIns="0">
             <a:normAutofit/>
           </a:bodyPr>
+          <a:lstStyle/>
           <a:p>
             <a:endParaRPr lang="en-US" sz="3200" b="0" strike="noStrike" spc="-1">
               <a:latin typeface="Arial" panose="020B0604020202020204"/>
@@ -2086,6 +2136,7 @@
           <a:bodyPr lIns="0" tIns="0" rIns="0" bIns="0">
             <a:normAutofit/>
           </a:bodyPr>
+          <a:lstStyle/>
           <a:p>
             <a:endParaRPr lang="en-US" sz="3200" b="0" strike="noStrike" spc="-1">
               <a:latin typeface="Arial" panose="020B0604020202020204"/>
@@ -2116,6 +2167,7 @@
           <a:bodyPr lIns="0" tIns="0" rIns="0" bIns="0">
             <a:normAutofit/>
           </a:bodyPr>
+          <a:lstStyle/>
           <a:p>
             <a:endParaRPr lang="en-US" sz="3200" b="0" strike="noStrike" spc="-1">
               <a:latin typeface="Arial" panose="020B0604020202020204"/>
@@ -2146,6 +2198,7 @@
           <a:bodyPr lIns="0" tIns="0" rIns="0" bIns="0">
             <a:normAutofit/>
           </a:bodyPr>
+          <a:lstStyle/>
           <a:p>
             <a:endParaRPr lang="en-US" sz="3200" b="0" strike="noStrike" spc="-1">
               <a:latin typeface="Arial" panose="020B0604020202020204"/>
@@ -2226,6 +2279,7 @@
           <a:bodyPr lIns="0" tIns="0" rIns="0" bIns="0" anchor="ctr">
             <a:noAutofit/>
           </a:bodyPr>
+          <a:lstStyle/>
           <a:p>
             <a:pPr algn="ctr"/>
             <a:endParaRPr lang="en-US" sz="4400" b="0" strike="noStrike" spc="-1">
@@ -2257,6 +2311,7 @@
           <a:bodyPr lIns="0" tIns="0" rIns="0" bIns="0" anchor="ctr">
             <a:noAutofit/>
           </a:bodyPr>
+          <a:lstStyle/>
           <a:p>
             <a:pPr algn="ctr"/>
             <a:endParaRPr lang="en-US" sz="3200" b="0" strike="noStrike" spc="-1">
@@ -2313,6 +2368,7 @@
           <a:bodyPr lIns="0" tIns="0" rIns="0" bIns="0" anchor="ctr">
             <a:noAutofit/>
           </a:bodyPr>
+          <a:lstStyle/>
           <a:p>
             <a:pPr algn="ctr"/>
             <a:endParaRPr lang="en-US" sz="4400" b="0" strike="noStrike" spc="-1">
@@ -2344,6 +2400,7 @@
           <a:bodyPr lIns="0" tIns="0" rIns="0" bIns="0">
             <a:normAutofit/>
           </a:bodyPr>
+          <a:lstStyle/>
           <a:p>
             <a:endParaRPr lang="en-US" sz="3200" b="0" strike="noStrike" spc="-1">
               <a:latin typeface="Arial" panose="020B0604020202020204"/>
@@ -2399,6 +2456,7 @@
           <a:bodyPr lIns="0" tIns="0" rIns="0" bIns="0" anchor="ctr">
             <a:noAutofit/>
           </a:bodyPr>
+          <a:lstStyle/>
           <a:p>
             <a:pPr algn="ctr"/>
             <a:endParaRPr lang="en-US" sz="4400" b="0" strike="noStrike" spc="-1">
@@ -2430,6 +2488,7 @@
           <a:bodyPr lIns="0" tIns="0" rIns="0" bIns="0">
             <a:normAutofit/>
           </a:bodyPr>
+          <a:lstStyle/>
           <a:p>
             <a:endParaRPr lang="en-US" sz="3200" b="0" strike="noStrike" spc="-1">
               <a:latin typeface="Arial" panose="020B0604020202020204"/>
@@ -2460,6 +2519,7 @@
           <a:bodyPr lIns="0" tIns="0" rIns="0" bIns="0">
             <a:normAutofit/>
           </a:bodyPr>
+          <a:lstStyle/>
           <a:p>
             <a:endParaRPr lang="en-US" sz="3200" b="0" strike="noStrike" spc="-1">
               <a:latin typeface="Arial" panose="020B0604020202020204"/>
@@ -2515,6 +2575,7 @@
           <a:bodyPr lIns="0" tIns="0" rIns="0" bIns="0" anchor="ctr">
             <a:noAutofit/>
           </a:bodyPr>
+          <a:lstStyle/>
           <a:p>
             <a:pPr algn="ctr"/>
             <a:endParaRPr lang="en-US" sz="4400" b="0" strike="noStrike" spc="-1">
@@ -2571,6 +2632,7 @@
           <a:bodyPr lIns="0" tIns="0" rIns="0" bIns="0" anchor="ctr">
             <a:noAutofit/>
           </a:bodyPr>
+          <a:lstStyle/>
           <a:p>
             <a:pPr algn="ctr"/>
             <a:endParaRPr lang="en-US" sz="4400" b="0" strike="noStrike" spc="-1">
@@ -2602,6 +2664,7 @@
           <a:bodyPr lIns="0" tIns="0" rIns="0" bIns="0">
             <a:normAutofit/>
           </a:bodyPr>
+          <a:lstStyle/>
           <a:p>
             <a:endParaRPr lang="en-US" sz="3200" b="0" strike="noStrike" spc="-1">
               <a:latin typeface="Arial" panose="020B0604020202020204"/>
@@ -2657,6 +2720,7 @@
           <a:bodyPr lIns="0" tIns="0" rIns="0" bIns="0" anchor="ctr">
             <a:noAutofit/>
           </a:bodyPr>
+          <a:lstStyle/>
           <a:p>
             <a:pPr algn="ctr"/>
             <a:endParaRPr lang="en-US" sz="3200" b="0" strike="noStrike" spc="-1">
@@ -2713,6 +2777,7 @@
           <a:bodyPr lIns="0" tIns="0" rIns="0" bIns="0" anchor="ctr">
             <a:noAutofit/>
           </a:bodyPr>
+          <a:lstStyle/>
           <a:p>
             <a:pPr algn="ctr"/>
             <a:endParaRPr lang="en-US" sz="4400" b="0" strike="noStrike" spc="-1">
@@ -2744,6 +2809,7 @@
           <a:bodyPr lIns="0" tIns="0" rIns="0" bIns="0">
             <a:normAutofit/>
           </a:bodyPr>
+          <a:lstStyle/>
           <a:p>
             <a:endParaRPr lang="en-US" sz="3200" b="0" strike="noStrike" spc="-1">
               <a:latin typeface="Arial" panose="020B0604020202020204"/>
@@ -2774,6 +2840,7 @@
           <a:bodyPr lIns="0" tIns="0" rIns="0" bIns="0">
             <a:normAutofit/>
           </a:bodyPr>
+          <a:lstStyle/>
           <a:p>
             <a:endParaRPr lang="en-US" sz="3200" b="0" strike="noStrike" spc="-1">
               <a:latin typeface="Arial" panose="020B0604020202020204"/>
@@ -2804,6 +2871,7 @@
           <a:bodyPr lIns="0" tIns="0" rIns="0" bIns="0">
             <a:normAutofit/>
           </a:bodyPr>
+          <a:lstStyle/>
           <a:p>
             <a:endParaRPr lang="en-US" sz="3200" b="0" strike="noStrike" spc="-1">
               <a:latin typeface="Arial" panose="020B0604020202020204"/>
@@ -2859,6 +2927,7 @@
           <a:bodyPr lIns="0" tIns="0" rIns="0" bIns="0" anchor="ctr">
             <a:noAutofit/>
           </a:bodyPr>
+          <a:lstStyle/>
           <a:p>
             <a:pPr algn="ctr"/>
             <a:endParaRPr lang="en-US" sz="4400" b="0" strike="noStrike" spc="-1">
@@ -2890,6 +2959,7 @@
           <a:bodyPr lIns="0" tIns="0" rIns="0" bIns="0">
             <a:normAutofit/>
           </a:bodyPr>
+          <a:lstStyle/>
           <a:p>
             <a:endParaRPr lang="en-US" sz="3200" b="0" strike="noStrike" spc="-1">
               <a:latin typeface="Arial" panose="020B0604020202020204"/>
@@ -2920,6 +2990,7 @@
           <a:bodyPr lIns="0" tIns="0" rIns="0" bIns="0">
             <a:normAutofit/>
           </a:bodyPr>
+          <a:lstStyle/>
           <a:p>
             <a:endParaRPr lang="en-US" sz="3200" b="0" strike="noStrike" spc="-1">
               <a:latin typeface="Arial" panose="020B0604020202020204"/>
@@ -2950,6 +3021,7 @@
           <a:bodyPr lIns="0" tIns="0" rIns="0" bIns="0">
             <a:normAutofit/>
           </a:bodyPr>
+          <a:lstStyle/>
           <a:p>
             <a:endParaRPr lang="en-US" sz="3200" b="0" strike="noStrike" spc="-1">
               <a:latin typeface="Arial" panose="020B0604020202020204"/>
@@ -3005,6 +3077,7 @@
           <a:bodyPr lIns="0" tIns="0" rIns="0" bIns="0" anchor="ctr">
             <a:noAutofit/>
           </a:bodyPr>
+          <a:lstStyle/>
           <a:p>
             <a:pPr algn="ctr"/>
             <a:endParaRPr lang="en-US" sz="4400" b="0" strike="noStrike" spc="-1">
@@ -3036,6 +3109,7 @@
           <a:bodyPr lIns="0" tIns="0" rIns="0" bIns="0">
             <a:normAutofit/>
           </a:bodyPr>
+          <a:lstStyle/>
           <a:p>
             <a:endParaRPr lang="en-US" sz="3200" b="0" strike="noStrike" spc="-1">
               <a:latin typeface="Arial" panose="020B0604020202020204"/>
@@ -3066,6 +3140,7 @@
           <a:bodyPr lIns="0" tIns="0" rIns="0" bIns="0">
             <a:normAutofit/>
           </a:bodyPr>
+          <a:lstStyle/>
           <a:p>
             <a:endParaRPr lang="en-US" sz="3200" b="0" strike="noStrike" spc="-1">
               <a:latin typeface="Arial" panose="020B0604020202020204"/>
@@ -3096,6 +3171,7 @@
           <a:bodyPr lIns="0" tIns="0" rIns="0" bIns="0">
             <a:normAutofit/>
           </a:bodyPr>
+          <a:lstStyle/>
           <a:p>
             <a:endParaRPr lang="en-US" sz="3200" b="0" strike="noStrike" spc="-1">
               <a:latin typeface="Arial" panose="020B0604020202020204"/>
@@ -3151,6 +3227,7 @@
           <a:bodyPr lIns="0" tIns="0" rIns="0" bIns="0" anchor="ctr">
             <a:noAutofit/>
           </a:bodyPr>
+          <a:lstStyle/>
           <a:p>
             <a:pPr algn="ctr"/>
             <a:endParaRPr lang="en-US" sz="4400" b="0" strike="noStrike" spc="-1">
@@ -3182,6 +3259,7 @@
           <a:bodyPr lIns="0" tIns="0" rIns="0" bIns="0">
             <a:normAutofit/>
           </a:bodyPr>
+          <a:lstStyle/>
           <a:p>
             <a:endParaRPr lang="en-US" sz="3200" b="0" strike="noStrike" spc="-1">
               <a:latin typeface="Arial" panose="020B0604020202020204"/>
@@ -3212,6 +3290,7 @@
           <a:bodyPr lIns="0" tIns="0" rIns="0" bIns="0">
             <a:normAutofit/>
           </a:bodyPr>
+          <a:lstStyle/>
           <a:p>
             <a:endParaRPr lang="en-US" sz="3200" b="0" strike="noStrike" spc="-1">
               <a:latin typeface="Arial" panose="020B0604020202020204"/>
@@ -3267,6 +3346,7 @@
           <a:bodyPr lIns="0" tIns="0" rIns="0" bIns="0" anchor="ctr">
             <a:noAutofit/>
           </a:bodyPr>
+          <a:lstStyle/>
           <a:p>
             <a:pPr algn="ctr"/>
             <a:endParaRPr lang="en-US" sz="4400" b="0" strike="noStrike" spc="-1">
@@ -3298,6 +3378,7 @@
           <a:bodyPr lIns="0" tIns="0" rIns="0" bIns="0">
             <a:normAutofit/>
           </a:bodyPr>
+          <a:lstStyle/>
           <a:p>
             <a:endParaRPr lang="en-US" sz="3200" b="0" strike="noStrike" spc="-1">
               <a:latin typeface="Arial" panose="020B0604020202020204"/>
@@ -3328,6 +3409,7 @@
           <a:bodyPr lIns="0" tIns="0" rIns="0" bIns="0">
             <a:normAutofit/>
           </a:bodyPr>
+          <a:lstStyle/>
           <a:p>
             <a:endParaRPr lang="en-US" sz="3200" b="0" strike="noStrike" spc="-1">
               <a:latin typeface="Arial" panose="020B0604020202020204"/>
@@ -3358,6 +3440,7 @@
           <a:bodyPr lIns="0" tIns="0" rIns="0" bIns="0">
             <a:normAutofit/>
           </a:bodyPr>
+          <a:lstStyle/>
           <a:p>
             <a:endParaRPr lang="en-US" sz="3200" b="0" strike="noStrike" spc="-1">
               <a:latin typeface="Arial" panose="020B0604020202020204"/>
@@ -3388,6 +3471,7 @@
           <a:bodyPr lIns="0" tIns="0" rIns="0" bIns="0">
             <a:normAutofit/>
           </a:bodyPr>
+          <a:lstStyle/>
           <a:p>
             <a:endParaRPr lang="en-US" sz="3200" b="0" strike="noStrike" spc="-1">
               <a:latin typeface="Arial" panose="020B0604020202020204"/>
@@ -3443,6 +3527,7 @@
           <a:bodyPr lIns="0" tIns="0" rIns="0" bIns="0" anchor="ctr">
             <a:noAutofit/>
           </a:bodyPr>
+          <a:lstStyle/>
           <a:p>
             <a:pPr algn="ctr"/>
             <a:endParaRPr lang="en-US" sz="4400" b="0" strike="noStrike" spc="-1">
@@ -3474,6 +3559,7 @@
           <a:bodyPr lIns="0" tIns="0" rIns="0" bIns="0">
             <a:normAutofit/>
           </a:bodyPr>
+          <a:lstStyle/>
           <a:p>
             <a:endParaRPr lang="en-US" sz="3200" b="0" strike="noStrike" spc="-1">
               <a:latin typeface="Arial" panose="020B0604020202020204"/>
@@ -3504,6 +3590,7 @@
           <a:bodyPr lIns="0" tIns="0" rIns="0" bIns="0">
             <a:normAutofit/>
           </a:bodyPr>
+          <a:lstStyle/>
           <a:p>
             <a:endParaRPr lang="en-US" sz="3200" b="0" strike="noStrike" spc="-1">
               <a:latin typeface="Arial" panose="020B0604020202020204"/>
@@ -3534,6 +3621,7 @@
           <a:bodyPr lIns="0" tIns="0" rIns="0" bIns="0">
             <a:normAutofit/>
           </a:bodyPr>
+          <a:lstStyle/>
           <a:p>
             <a:endParaRPr lang="en-US" sz="3200" b="0" strike="noStrike" spc="-1">
               <a:latin typeface="Arial" panose="020B0604020202020204"/>
@@ -3564,6 +3652,7 @@
           <a:bodyPr lIns="0" tIns="0" rIns="0" bIns="0">
             <a:normAutofit/>
           </a:bodyPr>
+          <a:lstStyle/>
           <a:p>
             <a:endParaRPr lang="en-US" sz="3200" b="0" strike="noStrike" spc="-1">
               <a:latin typeface="Arial" panose="020B0604020202020204"/>
@@ -3594,6 +3683,7 @@
           <a:bodyPr lIns="0" tIns="0" rIns="0" bIns="0">
             <a:normAutofit/>
           </a:bodyPr>
+          <a:lstStyle/>
           <a:p>
             <a:endParaRPr lang="en-US" sz="3200" b="0" strike="noStrike" spc="-1">
               <a:latin typeface="Arial" panose="020B0604020202020204"/>
@@ -3624,6 +3714,7 @@
           <a:bodyPr lIns="0" tIns="0" rIns="0" bIns="0">
             <a:normAutofit/>
           </a:bodyPr>
+          <a:lstStyle/>
           <a:p>
             <a:endParaRPr lang="en-US" sz="3200" b="0" strike="noStrike" spc="-1">
               <a:latin typeface="Arial" panose="020B0604020202020204"/>
@@ -3704,6 +3795,7 @@
           <a:bodyPr lIns="0" tIns="0" rIns="0" bIns="0" anchor="ctr">
             <a:noAutofit/>
           </a:bodyPr>
+          <a:lstStyle/>
           <a:p>
             <a:pPr algn="ctr"/>
             <a:endParaRPr lang="en-US" sz="4400" b="0" strike="noStrike" spc="-1">
@@ -3735,6 +3827,7 @@
           <a:bodyPr lIns="0" tIns="0" rIns="0" bIns="0" anchor="ctr">
             <a:noAutofit/>
           </a:bodyPr>
+          <a:lstStyle/>
           <a:p>
             <a:pPr algn="ctr"/>
             <a:endParaRPr lang="en-US" sz="3200" b="0" strike="noStrike" spc="-1">
@@ -3791,6 +3884,7 @@
           <a:bodyPr lIns="0" tIns="0" rIns="0" bIns="0" anchor="ctr">
             <a:noAutofit/>
           </a:bodyPr>
+          <a:lstStyle/>
           <a:p>
             <a:pPr algn="ctr"/>
             <a:endParaRPr lang="en-US" sz="4400" b="0" strike="noStrike" spc="-1">
@@ -3822,6 +3916,7 @@
           <a:bodyPr lIns="0" tIns="0" rIns="0" bIns="0">
             <a:normAutofit/>
           </a:bodyPr>
+          <a:lstStyle/>
           <a:p>
             <a:endParaRPr lang="en-US" sz="3200" b="0" strike="noStrike" spc="-1">
               <a:latin typeface="Arial" panose="020B0604020202020204"/>
@@ -3877,6 +3972,7 @@
           <a:bodyPr lIns="0" tIns="0" rIns="0" bIns="0" anchor="ctr">
             <a:noAutofit/>
           </a:bodyPr>
+          <a:lstStyle/>
           <a:p>
             <a:pPr algn="ctr"/>
             <a:endParaRPr lang="en-US" sz="4400" b="0" strike="noStrike" spc="-1">
@@ -3908,6 +4004,7 @@
           <a:bodyPr lIns="0" tIns="0" rIns="0" bIns="0">
             <a:normAutofit/>
           </a:bodyPr>
+          <a:lstStyle/>
           <a:p>
             <a:endParaRPr lang="en-US" sz="3200" b="0" strike="noStrike" spc="-1">
               <a:latin typeface="Arial" panose="020B0604020202020204"/>
@@ -3938,6 +4035,7 @@
           <a:bodyPr lIns="0" tIns="0" rIns="0" bIns="0">
             <a:normAutofit/>
           </a:bodyPr>
+          <a:lstStyle/>
           <a:p>
             <a:endParaRPr lang="en-US" sz="3200" b="0" strike="noStrike" spc="-1">
               <a:latin typeface="Arial" panose="020B0604020202020204"/>
@@ -3993,6 +4091,7 @@
           <a:bodyPr lIns="0" tIns="0" rIns="0" bIns="0" anchor="ctr">
             <a:noAutofit/>
           </a:bodyPr>
+          <a:lstStyle/>
           <a:p>
             <a:pPr algn="ctr"/>
             <a:endParaRPr lang="en-US" sz="4400" b="0" strike="noStrike" spc="-1">
@@ -4024,6 +4123,7 @@
           <a:bodyPr lIns="0" tIns="0" rIns="0" bIns="0">
             <a:normAutofit/>
           </a:bodyPr>
+          <a:lstStyle/>
           <a:p>
             <a:endParaRPr lang="en-US" sz="3200" b="0" strike="noStrike" spc="-1">
               <a:latin typeface="Arial" panose="020B0604020202020204"/>
@@ -4054,6 +4154,7 @@
           <a:bodyPr lIns="0" tIns="0" rIns="0" bIns="0">
             <a:normAutofit/>
           </a:bodyPr>
+          <a:lstStyle/>
           <a:p>
             <a:endParaRPr lang="en-US" sz="3200" b="0" strike="noStrike" spc="-1">
               <a:latin typeface="Arial" panose="020B0604020202020204"/>
@@ -4109,6 +4210,7 @@
           <a:bodyPr lIns="0" tIns="0" rIns="0" bIns="0" anchor="ctr">
             <a:noAutofit/>
           </a:bodyPr>
+          <a:lstStyle/>
           <a:p>
             <a:pPr algn="ctr"/>
             <a:endParaRPr lang="en-US" sz="4400" b="0" strike="noStrike" spc="-1">
@@ -4165,6 +4267,7 @@
           <a:bodyPr lIns="0" tIns="0" rIns="0" bIns="0" anchor="ctr">
             <a:noAutofit/>
           </a:bodyPr>
+          <a:lstStyle/>
           <a:p>
             <a:pPr algn="ctr"/>
             <a:endParaRPr lang="en-US" sz="3200" b="0" strike="noStrike" spc="-1">
@@ -4221,6 +4324,7 @@
           <a:bodyPr lIns="0" tIns="0" rIns="0" bIns="0" anchor="ctr">
             <a:noAutofit/>
           </a:bodyPr>
+          <a:lstStyle/>
           <a:p>
             <a:pPr algn="ctr"/>
             <a:endParaRPr lang="en-US" sz="4400" b="0" strike="noStrike" spc="-1">
@@ -4252,6 +4356,7 @@
           <a:bodyPr lIns="0" tIns="0" rIns="0" bIns="0">
             <a:normAutofit/>
           </a:bodyPr>
+          <a:lstStyle/>
           <a:p>
             <a:endParaRPr lang="en-US" sz="3200" b="0" strike="noStrike" spc="-1">
               <a:latin typeface="Arial" panose="020B0604020202020204"/>
@@ -4282,6 +4387,7 @@
           <a:bodyPr lIns="0" tIns="0" rIns="0" bIns="0">
             <a:normAutofit/>
           </a:bodyPr>
+          <a:lstStyle/>
           <a:p>
             <a:endParaRPr lang="en-US" sz="3200" b="0" strike="noStrike" spc="-1">
               <a:latin typeface="Arial" panose="020B0604020202020204"/>
@@ -4312,6 +4418,7 @@
           <a:bodyPr lIns="0" tIns="0" rIns="0" bIns="0">
             <a:normAutofit/>
           </a:bodyPr>
+          <a:lstStyle/>
           <a:p>
             <a:endParaRPr lang="en-US" sz="3200" b="0" strike="noStrike" spc="-1">
               <a:latin typeface="Arial" panose="020B0604020202020204"/>
@@ -4367,6 +4474,7 @@
           <a:bodyPr lIns="0" tIns="0" rIns="0" bIns="0" anchor="ctr">
             <a:noAutofit/>
           </a:bodyPr>
+          <a:lstStyle/>
           <a:p>
             <a:pPr algn="ctr"/>
             <a:endParaRPr lang="en-US" sz="4400" b="0" strike="noStrike" spc="-1">
@@ -4398,6 +4506,7 @@
           <a:bodyPr lIns="0" tIns="0" rIns="0" bIns="0">
             <a:normAutofit/>
           </a:bodyPr>
+          <a:lstStyle/>
           <a:p>
             <a:endParaRPr lang="en-US" sz="3200" b="0" strike="noStrike" spc="-1">
               <a:latin typeface="Arial" panose="020B0604020202020204"/>
@@ -4428,6 +4537,7 @@
           <a:bodyPr lIns="0" tIns="0" rIns="0" bIns="0">
             <a:normAutofit/>
           </a:bodyPr>
+          <a:lstStyle/>
           <a:p>
             <a:endParaRPr lang="en-US" sz="3200" b="0" strike="noStrike" spc="-1">
               <a:latin typeface="Arial" panose="020B0604020202020204"/>
@@ -4458,6 +4568,7 @@
           <a:bodyPr lIns="0" tIns="0" rIns="0" bIns="0">
             <a:normAutofit/>
           </a:bodyPr>
+          <a:lstStyle/>
           <a:p>
             <a:endParaRPr lang="en-US" sz="3200" b="0" strike="noStrike" spc="-1">
               <a:latin typeface="Arial" panose="020B0604020202020204"/>
@@ -4513,6 +4624,7 @@
           <a:bodyPr lIns="0" tIns="0" rIns="0" bIns="0" anchor="ctr">
             <a:noAutofit/>
           </a:bodyPr>
+          <a:lstStyle/>
           <a:p>
             <a:pPr algn="ctr"/>
             <a:endParaRPr lang="en-US" sz="4400" b="0" strike="noStrike" spc="-1">
@@ -4544,6 +4656,7 @@
           <a:bodyPr lIns="0" tIns="0" rIns="0" bIns="0">
             <a:normAutofit/>
           </a:bodyPr>
+          <a:lstStyle/>
           <a:p>
             <a:endParaRPr lang="en-US" sz="3200" b="0" strike="noStrike" spc="-1">
               <a:latin typeface="Arial" panose="020B0604020202020204"/>
@@ -4574,6 +4687,7 @@
           <a:bodyPr lIns="0" tIns="0" rIns="0" bIns="0">
             <a:normAutofit/>
           </a:bodyPr>
+          <a:lstStyle/>
           <a:p>
             <a:endParaRPr lang="en-US" sz="3200" b="0" strike="noStrike" spc="-1">
               <a:latin typeface="Arial" panose="020B0604020202020204"/>
@@ -4604,6 +4718,7 @@
           <a:bodyPr lIns="0" tIns="0" rIns="0" bIns="0">
             <a:normAutofit/>
           </a:bodyPr>
+          <a:lstStyle/>
           <a:p>
             <a:endParaRPr lang="en-US" sz="3200" b="0" strike="noStrike" spc="-1">
               <a:latin typeface="Arial" panose="020B0604020202020204"/>
@@ -4659,6 +4774,7 @@
           <a:bodyPr lIns="0" tIns="0" rIns="0" bIns="0" anchor="ctr">
             <a:noAutofit/>
           </a:bodyPr>
+          <a:lstStyle/>
           <a:p>
             <a:pPr algn="ctr"/>
             <a:endParaRPr lang="en-US" sz="4400" b="0" strike="noStrike" spc="-1">
@@ -4690,6 +4806,7 @@
           <a:bodyPr lIns="0" tIns="0" rIns="0" bIns="0">
             <a:normAutofit/>
           </a:bodyPr>
+          <a:lstStyle/>
           <a:p>
             <a:endParaRPr lang="en-US" sz="3200" b="0" strike="noStrike" spc="-1">
               <a:latin typeface="Arial" panose="020B0604020202020204"/>
@@ -4720,6 +4837,7 @@
           <a:bodyPr lIns="0" tIns="0" rIns="0" bIns="0">
             <a:normAutofit/>
           </a:bodyPr>
+          <a:lstStyle/>
           <a:p>
             <a:endParaRPr lang="en-US" sz="3200" b="0" strike="noStrike" spc="-1">
               <a:latin typeface="Arial" panose="020B0604020202020204"/>
@@ -4775,6 +4893,7 @@
           <a:bodyPr lIns="0" tIns="0" rIns="0" bIns="0" anchor="ctr">
             <a:noAutofit/>
           </a:bodyPr>
+          <a:lstStyle/>
           <a:p>
             <a:pPr algn="ctr"/>
             <a:endParaRPr lang="en-US" sz="4400" b="0" strike="noStrike" spc="-1">
@@ -4806,6 +4925,7 @@
           <a:bodyPr lIns="0" tIns="0" rIns="0" bIns="0">
             <a:normAutofit/>
           </a:bodyPr>
+          <a:lstStyle/>
           <a:p>
             <a:endParaRPr lang="en-US" sz="3200" b="0" strike="noStrike" spc="-1">
               <a:latin typeface="Arial" panose="020B0604020202020204"/>
@@ -4836,6 +4956,7 @@
           <a:bodyPr lIns="0" tIns="0" rIns="0" bIns="0">
             <a:normAutofit/>
           </a:bodyPr>
+          <a:lstStyle/>
           <a:p>
             <a:endParaRPr lang="en-US" sz="3200" b="0" strike="noStrike" spc="-1">
               <a:latin typeface="Arial" panose="020B0604020202020204"/>
@@ -4866,6 +4987,7 @@
           <a:bodyPr lIns="0" tIns="0" rIns="0" bIns="0">
             <a:normAutofit/>
           </a:bodyPr>
+          <a:lstStyle/>
           <a:p>
             <a:endParaRPr lang="en-US" sz="3200" b="0" strike="noStrike" spc="-1">
               <a:latin typeface="Arial" panose="020B0604020202020204"/>
@@ -4896,6 +5018,7 @@
           <a:bodyPr lIns="0" tIns="0" rIns="0" bIns="0">
             <a:normAutofit/>
           </a:bodyPr>
+          <a:lstStyle/>
           <a:p>
             <a:endParaRPr lang="en-US" sz="3200" b="0" strike="noStrike" spc="-1">
               <a:latin typeface="Arial" panose="020B0604020202020204"/>
@@ -4951,6 +5074,7 @@
           <a:bodyPr lIns="0" tIns="0" rIns="0" bIns="0" anchor="ctr">
             <a:noAutofit/>
           </a:bodyPr>
+          <a:lstStyle/>
           <a:p>
             <a:pPr algn="ctr"/>
             <a:endParaRPr lang="en-US" sz="4400" b="0" strike="noStrike" spc="-1">
@@ -4982,6 +5106,7 @@
           <a:bodyPr lIns="0" tIns="0" rIns="0" bIns="0">
             <a:normAutofit/>
           </a:bodyPr>
+          <a:lstStyle/>
           <a:p>
             <a:endParaRPr lang="en-US" sz="3200" b="0" strike="noStrike" spc="-1">
               <a:latin typeface="Arial" panose="020B0604020202020204"/>
@@ -5012,6 +5137,7 @@
           <a:bodyPr lIns="0" tIns="0" rIns="0" bIns="0">
             <a:normAutofit/>
           </a:bodyPr>
+          <a:lstStyle/>
           <a:p>
             <a:endParaRPr lang="en-US" sz="3200" b="0" strike="noStrike" spc="-1">
               <a:latin typeface="Arial" panose="020B0604020202020204"/>
@@ -5042,6 +5168,7 @@
           <a:bodyPr lIns="0" tIns="0" rIns="0" bIns="0">
             <a:normAutofit/>
           </a:bodyPr>
+          <a:lstStyle/>
           <a:p>
             <a:endParaRPr lang="en-US" sz="3200" b="0" strike="noStrike" spc="-1">
               <a:latin typeface="Arial" panose="020B0604020202020204"/>
@@ -5072,6 +5199,7 @@
           <a:bodyPr lIns="0" tIns="0" rIns="0" bIns="0">
             <a:normAutofit/>
           </a:bodyPr>
+          <a:lstStyle/>
           <a:p>
             <a:endParaRPr lang="en-US" sz="3200" b="0" strike="noStrike" spc="-1">
               <a:latin typeface="Arial" panose="020B0604020202020204"/>
@@ -5102,6 +5230,7 @@
           <a:bodyPr lIns="0" tIns="0" rIns="0" bIns="0">
             <a:normAutofit/>
           </a:bodyPr>
+          <a:lstStyle/>
           <a:p>
             <a:endParaRPr lang="en-US" sz="3200" b="0" strike="noStrike" spc="-1">
               <a:latin typeface="Arial" panose="020B0604020202020204"/>
@@ -5132,6 +5261,7 @@
           <a:bodyPr lIns="0" tIns="0" rIns="0" bIns="0">
             <a:normAutofit/>
           </a:bodyPr>
+          <a:lstStyle/>
           <a:p>
             <a:endParaRPr lang="en-US" sz="3200" b="0" strike="noStrike" spc="-1">
               <a:latin typeface="Arial" panose="020B0604020202020204"/>
@@ -5212,6 +5342,7 @@
           <a:bodyPr lIns="0" tIns="0" rIns="0" bIns="0" anchor="ctr">
             <a:noAutofit/>
           </a:bodyPr>
+          <a:lstStyle/>
           <a:p>
             <a:pPr algn="ctr"/>
             <a:endParaRPr lang="en-US" sz="4400" b="0" strike="noStrike" spc="-1">
@@ -5268,6 +5399,7 @@
           <a:bodyPr lIns="0" tIns="0" rIns="0" bIns="0" anchor="ctr">
             <a:noAutofit/>
           </a:bodyPr>
+          <a:lstStyle/>
           <a:p>
             <a:pPr algn="ctr"/>
             <a:endParaRPr lang="en-US" sz="4400" b="0" strike="noStrike" spc="-1">
@@ -5299,6 +5431,7 @@
           <a:bodyPr lIns="0" tIns="0" rIns="0" bIns="0" anchor="ctr">
             <a:noAutofit/>
           </a:bodyPr>
+          <a:lstStyle/>
           <a:p>
             <a:pPr algn="ctr"/>
             <a:endParaRPr lang="en-US" sz="3200" b="0" strike="noStrike" spc="-1">
@@ -5355,6 +5488,7 @@
           <a:bodyPr lIns="0" tIns="0" rIns="0" bIns="0" anchor="ctr">
             <a:noAutofit/>
           </a:bodyPr>
+          <a:lstStyle/>
           <a:p>
             <a:pPr algn="ctr"/>
             <a:endParaRPr lang="en-US" sz="4400" b="0" strike="noStrike" spc="-1">
@@ -5386,6 +5520,7 @@
           <a:bodyPr lIns="0" tIns="0" rIns="0" bIns="0">
             <a:normAutofit/>
           </a:bodyPr>
+          <a:lstStyle/>
           <a:p>
             <a:endParaRPr lang="en-US" sz="3200" b="0" strike="noStrike" spc="-1">
               <a:latin typeface="Arial" panose="020B0604020202020204"/>
@@ -5441,6 +5576,7 @@
           <a:bodyPr lIns="0" tIns="0" rIns="0" bIns="0" anchor="ctr">
             <a:noAutofit/>
           </a:bodyPr>
+          <a:lstStyle/>
           <a:p>
             <a:pPr algn="ctr"/>
             <a:endParaRPr lang="en-US" sz="4400" b="0" strike="noStrike" spc="-1">
@@ -5472,6 +5608,7 @@
           <a:bodyPr lIns="0" tIns="0" rIns="0" bIns="0">
             <a:normAutofit/>
           </a:bodyPr>
+          <a:lstStyle/>
           <a:p>
             <a:endParaRPr lang="en-US" sz="3200" b="0" strike="noStrike" spc="-1">
               <a:latin typeface="Arial" panose="020B0604020202020204"/>
@@ -5502,6 +5639,7 @@
           <a:bodyPr lIns="0" tIns="0" rIns="0" bIns="0">
             <a:normAutofit/>
           </a:bodyPr>
+          <a:lstStyle/>
           <a:p>
             <a:endParaRPr lang="en-US" sz="3200" b="0" strike="noStrike" spc="-1">
               <a:latin typeface="Arial" panose="020B0604020202020204"/>
@@ -5557,6 +5695,7 @@
           <a:bodyPr lIns="0" tIns="0" rIns="0" bIns="0" anchor="ctr">
             <a:noAutofit/>
           </a:bodyPr>
+          <a:lstStyle/>
           <a:p>
             <a:pPr algn="ctr"/>
             <a:endParaRPr lang="en-US" sz="4400" b="0" strike="noStrike" spc="-1">
@@ -5613,6 +5752,7 @@
           <a:bodyPr lIns="0" tIns="0" rIns="0" bIns="0" anchor="ctr">
             <a:noAutofit/>
           </a:bodyPr>
+          <a:lstStyle/>
           <a:p>
             <a:pPr algn="ctr"/>
             <a:endParaRPr lang="en-US" sz="3200" b="0" strike="noStrike" spc="-1">
@@ -5669,6 +5809,7 @@
           <a:bodyPr lIns="0" tIns="0" rIns="0" bIns="0" anchor="ctr">
             <a:noAutofit/>
           </a:bodyPr>
+          <a:lstStyle/>
           <a:p>
             <a:pPr algn="ctr"/>
             <a:endParaRPr lang="en-US" sz="4400" b="0" strike="noStrike" spc="-1">
@@ -5700,6 +5841,7 @@
           <a:bodyPr lIns="0" tIns="0" rIns="0" bIns="0">
             <a:normAutofit/>
           </a:bodyPr>
+          <a:lstStyle/>
           <a:p>
             <a:endParaRPr lang="en-US" sz="3200" b="0" strike="noStrike" spc="-1">
               <a:latin typeface="Arial" panose="020B0604020202020204"/>
@@ -5730,6 +5872,7 @@
           <a:bodyPr lIns="0" tIns="0" rIns="0" bIns="0">
             <a:normAutofit/>
           </a:bodyPr>
+          <a:lstStyle/>
           <a:p>
             <a:endParaRPr lang="en-US" sz="3200" b="0" strike="noStrike" spc="-1">
               <a:latin typeface="Arial" panose="020B0604020202020204"/>
@@ -5760,6 +5903,7 @@
           <a:bodyPr lIns="0" tIns="0" rIns="0" bIns="0">
             <a:normAutofit/>
           </a:bodyPr>
+          <a:lstStyle/>
           <a:p>
             <a:endParaRPr lang="en-US" sz="3200" b="0" strike="noStrike" spc="-1">
               <a:latin typeface="Arial" panose="020B0604020202020204"/>
@@ -5815,6 +5959,7 @@
           <a:bodyPr lIns="0" tIns="0" rIns="0" bIns="0" anchor="ctr">
             <a:noAutofit/>
           </a:bodyPr>
+          <a:lstStyle/>
           <a:p>
             <a:pPr algn="ctr"/>
             <a:endParaRPr lang="en-US" sz="4400" b="0" strike="noStrike" spc="-1">
@@ -5846,6 +5991,7 @@
           <a:bodyPr lIns="0" tIns="0" rIns="0" bIns="0">
             <a:normAutofit/>
           </a:bodyPr>
+          <a:lstStyle/>
           <a:p>
             <a:endParaRPr lang="en-US" sz="3200" b="0" strike="noStrike" spc="-1">
               <a:latin typeface="Arial" panose="020B0604020202020204"/>
@@ -5876,6 +6022,7 @@
           <a:bodyPr lIns="0" tIns="0" rIns="0" bIns="0">
             <a:normAutofit/>
           </a:bodyPr>
+          <a:lstStyle/>
           <a:p>
             <a:endParaRPr lang="en-US" sz="3200" b="0" strike="noStrike" spc="-1">
               <a:latin typeface="Arial" panose="020B0604020202020204"/>
@@ -5906,6 +6053,7 @@
           <a:bodyPr lIns="0" tIns="0" rIns="0" bIns="0">
             <a:normAutofit/>
           </a:bodyPr>
+          <a:lstStyle/>
           <a:p>
             <a:endParaRPr lang="en-US" sz="3200" b="0" strike="noStrike" spc="-1">
               <a:latin typeface="Arial" panose="020B0604020202020204"/>
@@ -5961,6 +6109,7 @@
           <a:bodyPr lIns="0" tIns="0" rIns="0" bIns="0" anchor="ctr">
             <a:noAutofit/>
           </a:bodyPr>
+          <a:lstStyle/>
           <a:p>
             <a:pPr algn="ctr"/>
             <a:endParaRPr lang="en-US" sz="4400" b="0" strike="noStrike" spc="-1">
@@ -5992,6 +6141,7 @@
           <a:bodyPr lIns="0" tIns="0" rIns="0" bIns="0">
             <a:normAutofit/>
           </a:bodyPr>
+          <a:lstStyle/>
           <a:p>
             <a:endParaRPr lang="en-US" sz="3200" b="0" strike="noStrike" spc="-1">
               <a:latin typeface="Arial" panose="020B0604020202020204"/>
@@ -6022,6 +6172,7 @@
           <a:bodyPr lIns="0" tIns="0" rIns="0" bIns="0">
             <a:normAutofit/>
           </a:bodyPr>
+          <a:lstStyle/>
           <a:p>
             <a:endParaRPr lang="en-US" sz="3200" b="0" strike="noStrike" spc="-1">
               <a:latin typeface="Arial" panose="020B0604020202020204"/>
@@ -6052,6 +6203,7 @@
           <a:bodyPr lIns="0" tIns="0" rIns="0" bIns="0">
             <a:normAutofit/>
           </a:bodyPr>
+          <a:lstStyle/>
           <a:p>
             <a:endParaRPr lang="en-US" sz="3200" b="0" strike="noStrike" spc="-1">
               <a:latin typeface="Arial" panose="020B0604020202020204"/>
@@ -6107,6 +6259,7 @@
           <a:bodyPr lIns="0" tIns="0" rIns="0" bIns="0" anchor="ctr">
             <a:noAutofit/>
           </a:bodyPr>
+          <a:lstStyle/>
           <a:p>
             <a:pPr algn="ctr"/>
             <a:endParaRPr lang="en-US" sz="4400" b="0" strike="noStrike" spc="-1">
@@ -6138,6 +6291,7 @@
           <a:bodyPr lIns="0" tIns="0" rIns="0" bIns="0">
             <a:normAutofit/>
           </a:bodyPr>
+          <a:lstStyle/>
           <a:p>
             <a:endParaRPr lang="en-US" sz="3200" b="0" strike="noStrike" spc="-1">
               <a:latin typeface="Arial" panose="020B0604020202020204"/>
@@ -6168,6 +6322,7 @@
           <a:bodyPr lIns="0" tIns="0" rIns="0" bIns="0">
             <a:normAutofit/>
           </a:bodyPr>
+          <a:lstStyle/>
           <a:p>
             <a:endParaRPr lang="en-US" sz="3200" b="0" strike="noStrike" spc="-1">
               <a:latin typeface="Arial" panose="020B0604020202020204"/>
@@ -6223,6 +6378,7 @@
           <a:bodyPr lIns="0" tIns="0" rIns="0" bIns="0" anchor="ctr">
             <a:noAutofit/>
           </a:bodyPr>
+          <a:lstStyle/>
           <a:p>
             <a:pPr algn="ctr"/>
             <a:endParaRPr lang="en-US" sz="4400" b="0" strike="noStrike" spc="-1">
@@ -6254,6 +6410,7 @@
           <a:bodyPr lIns="0" tIns="0" rIns="0" bIns="0">
             <a:normAutofit/>
           </a:bodyPr>
+          <a:lstStyle/>
           <a:p>
             <a:endParaRPr lang="en-US" sz="3200" b="0" strike="noStrike" spc="-1">
               <a:latin typeface="Arial" panose="020B0604020202020204"/>
@@ -6284,6 +6441,7 @@
           <a:bodyPr lIns="0" tIns="0" rIns="0" bIns="0">
             <a:normAutofit/>
           </a:bodyPr>
+          <a:lstStyle/>
           <a:p>
             <a:endParaRPr lang="en-US" sz="3200" b="0" strike="noStrike" spc="-1">
               <a:latin typeface="Arial" panose="020B0604020202020204"/>
@@ -6314,6 +6472,7 @@
           <a:bodyPr lIns="0" tIns="0" rIns="0" bIns="0">
             <a:normAutofit/>
           </a:bodyPr>
+          <a:lstStyle/>
           <a:p>
             <a:endParaRPr lang="en-US" sz="3200" b="0" strike="noStrike" spc="-1">
               <a:latin typeface="Arial" panose="020B0604020202020204"/>
@@ -6344,6 +6503,7 @@
           <a:bodyPr lIns="0" tIns="0" rIns="0" bIns="0">
             <a:normAutofit/>
           </a:bodyPr>
+          <a:lstStyle/>
           <a:p>
             <a:endParaRPr lang="en-US" sz="3200" b="0" strike="noStrike" spc="-1">
               <a:latin typeface="Arial" panose="020B0604020202020204"/>
@@ -6399,6 +6559,7 @@
           <a:bodyPr lIns="0" tIns="0" rIns="0" bIns="0" anchor="ctr">
             <a:noAutofit/>
           </a:bodyPr>
+          <a:lstStyle/>
           <a:p>
             <a:pPr algn="ctr"/>
             <a:endParaRPr lang="en-US" sz="3200" b="0" strike="noStrike" spc="-1">
@@ -6455,6 +6616,7 @@
           <a:bodyPr lIns="0" tIns="0" rIns="0" bIns="0" anchor="ctr">
             <a:noAutofit/>
           </a:bodyPr>
+          <a:lstStyle/>
           <a:p>
             <a:pPr algn="ctr"/>
             <a:endParaRPr lang="en-US" sz="4400" b="0" strike="noStrike" spc="-1">
@@ -6486,6 +6648,7 @@
           <a:bodyPr lIns="0" tIns="0" rIns="0" bIns="0">
             <a:normAutofit/>
           </a:bodyPr>
+          <a:lstStyle/>
           <a:p>
             <a:endParaRPr lang="en-US" sz="3200" b="0" strike="noStrike" spc="-1">
               <a:latin typeface="Arial" panose="020B0604020202020204"/>
@@ -6516,6 +6679,7 @@
           <a:bodyPr lIns="0" tIns="0" rIns="0" bIns="0">
             <a:normAutofit/>
           </a:bodyPr>
+          <a:lstStyle/>
           <a:p>
             <a:endParaRPr lang="en-US" sz="3200" b="0" strike="noStrike" spc="-1">
               <a:latin typeface="Arial" panose="020B0604020202020204"/>
@@ -6546,6 +6710,7 @@
           <a:bodyPr lIns="0" tIns="0" rIns="0" bIns="0">
             <a:normAutofit/>
           </a:bodyPr>
+          <a:lstStyle/>
           <a:p>
             <a:endParaRPr lang="en-US" sz="3200" b="0" strike="noStrike" spc="-1">
               <a:latin typeface="Arial" panose="020B0604020202020204"/>
@@ -6576,6 +6741,7 @@
           <a:bodyPr lIns="0" tIns="0" rIns="0" bIns="0">
             <a:normAutofit/>
           </a:bodyPr>
+          <a:lstStyle/>
           <a:p>
             <a:endParaRPr lang="en-US" sz="3200" b="0" strike="noStrike" spc="-1">
               <a:latin typeface="Arial" panose="020B0604020202020204"/>
@@ -6606,6 +6772,7 @@
           <a:bodyPr lIns="0" tIns="0" rIns="0" bIns="0">
             <a:normAutofit/>
           </a:bodyPr>
+          <a:lstStyle/>
           <a:p>
             <a:endParaRPr lang="en-US" sz="3200" b="0" strike="noStrike" spc="-1">
               <a:latin typeface="Arial" panose="020B0604020202020204"/>
@@ -6636,6 +6803,7 @@
           <a:bodyPr lIns="0" tIns="0" rIns="0" bIns="0">
             <a:normAutofit/>
           </a:bodyPr>
+          <a:lstStyle/>
           <a:p>
             <a:endParaRPr lang="en-US" sz="3200" b="0" strike="noStrike" spc="-1">
               <a:latin typeface="Arial" panose="020B0604020202020204"/>
@@ -6716,6 +6884,7 @@
           <a:bodyPr lIns="0" tIns="0" rIns="0" bIns="0" anchor="ctr">
             <a:noAutofit/>
           </a:bodyPr>
+          <a:lstStyle/>
           <a:p>
             <a:pPr algn="ctr"/>
             <a:endParaRPr lang="en-US" sz="4400" b="0" strike="noStrike" spc="-1">
@@ -6747,6 +6916,7 @@
           <a:bodyPr lIns="0" tIns="0" rIns="0" bIns="0" anchor="ctr">
             <a:noAutofit/>
           </a:bodyPr>
+          <a:lstStyle/>
           <a:p>
             <a:pPr algn="ctr"/>
             <a:endParaRPr lang="en-US" sz="3200" b="0" strike="noStrike" spc="-1">
@@ -6803,6 +6973,7 @@
           <a:bodyPr lIns="0" tIns="0" rIns="0" bIns="0" anchor="ctr">
             <a:noAutofit/>
           </a:bodyPr>
+          <a:lstStyle/>
           <a:p>
             <a:pPr algn="ctr"/>
             <a:endParaRPr lang="en-US" sz="4400" b="0" strike="noStrike" spc="-1">
@@ -6834,6 +7005,7 @@
           <a:bodyPr lIns="0" tIns="0" rIns="0" bIns="0">
             <a:normAutofit/>
           </a:bodyPr>
+          <a:lstStyle/>
           <a:p>
             <a:endParaRPr lang="en-US" sz="3200" b="0" strike="noStrike" spc="-1">
               <a:latin typeface="Arial" panose="020B0604020202020204"/>
@@ -6889,6 +7061,7 @@
           <a:bodyPr lIns="0" tIns="0" rIns="0" bIns="0" anchor="ctr">
             <a:noAutofit/>
           </a:bodyPr>
+          <a:lstStyle/>
           <a:p>
             <a:pPr algn="ctr"/>
             <a:endParaRPr lang="en-US" sz="4400" b="0" strike="noStrike" spc="-1">
@@ -6920,6 +7093,7 @@
           <a:bodyPr lIns="0" tIns="0" rIns="0" bIns="0">
             <a:normAutofit/>
           </a:bodyPr>
+          <a:lstStyle/>
           <a:p>
             <a:endParaRPr lang="en-US" sz="3200" b="0" strike="noStrike" spc="-1">
               <a:latin typeface="Arial" panose="020B0604020202020204"/>
@@ -6950,6 +7124,7 @@
           <a:bodyPr lIns="0" tIns="0" rIns="0" bIns="0">
             <a:normAutofit/>
           </a:bodyPr>
+          <a:lstStyle/>
           <a:p>
             <a:endParaRPr lang="en-US" sz="3200" b="0" strike="noStrike" spc="-1">
               <a:latin typeface="Arial" panose="020B0604020202020204"/>
@@ -7005,6 +7180,7 @@
           <a:bodyPr lIns="0" tIns="0" rIns="0" bIns="0" anchor="ctr">
             <a:noAutofit/>
           </a:bodyPr>
+          <a:lstStyle/>
           <a:p>
             <a:pPr algn="ctr"/>
             <a:endParaRPr lang="en-US" sz="4400" b="0" strike="noStrike" spc="-1">
@@ -7061,6 +7237,7 @@
           <a:bodyPr lIns="0" tIns="0" rIns="0" bIns="0" anchor="ctr">
             <a:noAutofit/>
           </a:bodyPr>
+          <a:lstStyle/>
           <a:p>
             <a:pPr algn="ctr"/>
             <a:endParaRPr lang="en-US" sz="3200" b="0" strike="noStrike" spc="-1">
@@ -7117,6 +7294,7 @@
           <a:bodyPr lIns="0" tIns="0" rIns="0" bIns="0" anchor="ctr">
             <a:noAutofit/>
           </a:bodyPr>
+          <a:lstStyle/>
           <a:p>
             <a:pPr algn="ctr"/>
             <a:endParaRPr lang="en-US" sz="4400" b="0" strike="noStrike" spc="-1">
@@ -7148,6 +7326,7 @@
           <a:bodyPr lIns="0" tIns="0" rIns="0" bIns="0">
             <a:normAutofit/>
           </a:bodyPr>
+          <a:lstStyle/>
           <a:p>
             <a:endParaRPr lang="en-US" sz="3200" b="0" strike="noStrike" spc="-1">
               <a:latin typeface="Arial" panose="020B0604020202020204"/>
@@ -7178,6 +7357,7 @@
           <a:bodyPr lIns="0" tIns="0" rIns="0" bIns="0">
             <a:normAutofit/>
           </a:bodyPr>
+          <a:lstStyle/>
           <a:p>
             <a:endParaRPr lang="en-US" sz="3200" b="0" strike="noStrike" spc="-1">
               <a:latin typeface="Arial" panose="020B0604020202020204"/>
@@ -7208,6 +7388,7 @@
           <a:bodyPr lIns="0" tIns="0" rIns="0" bIns="0">
             <a:normAutofit/>
           </a:bodyPr>
+          <a:lstStyle/>
           <a:p>
             <a:endParaRPr lang="en-US" sz="3200" b="0" strike="noStrike" spc="-1">
               <a:latin typeface="Arial" panose="020B0604020202020204"/>
@@ -7263,6 +7444,7 @@
           <a:bodyPr lIns="0" tIns="0" rIns="0" bIns="0" anchor="ctr">
             <a:noAutofit/>
           </a:bodyPr>
+          <a:lstStyle/>
           <a:p>
             <a:pPr algn="ctr"/>
             <a:endParaRPr lang="en-US" sz="4400" b="0" strike="noStrike" spc="-1">
@@ -7294,6 +7476,7 @@
           <a:bodyPr lIns="0" tIns="0" rIns="0" bIns="0">
             <a:normAutofit/>
           </a:bodyPr>
+          <a:lstStyle/>
           <a:p>
             <a:endParaRPr lang="en-US" sz="3200" b="0" strike="noStrike" spc="-1">
               <a:latin typeface="Arial" panose="020B0604020202020204"/>
@@ -7324,6 +7507,7 @@
           <a:bodyPr lIns="0" tIns="0" rIns="0" bIns="0">
             <a:normAutofit/>
           </a:bodyPr>
+          <a:lstStyle/>
           <a:p>
             <a:endParaRPr lang="en-US" sz="3200" b="0" strike="noStrike" spc="-1">
               <a:latin typeface="Arial" panose="020B0604020202020204"/>
@@ -7354,6 +7538,7 @@
           <a:bodyPr lIns="0" tIns="0" rIns="0" bIns="0">
             <a:normAutofit/>
           </a:bodyPr>
+          <a:lstStyle/>
           <a:p>
             <a:endParaRPr lang="en-US" sz="3200" b="0" strike="noStrike" spc="-1">
               <a:latin typeface="Arial" panose="020B0604020202020204"/>
@@ -7409,6 +7594,7 @@
           <a:bodyPr lIns="0" tIns="0" rIns="0" bIns="0" anchor="ctr">
             <a:noAutofit/>
           </a:bodyPr>
+          <a:lstStyle/>
           <a:p>
             <a:pPr algn="ctr"/>
             <a:endParaRPr lang="en-US" sz="4400" b="0" strike="noStrike" spc="-1">
@@ -7440,6 +7626,7 @@
           <a:bodyPr lIns="0" tIns="0" rIns="0" bIns="0">
             <a:normAutofit/>
           </a:bodyPr>
+          <a:lstStyle/>
           <a:p>
             <a:endParaRPr lang="en-US" sz="3200" b="0" strike="noStrike" spc="-1">
               <a:latin typeface="Arial" panose="020B0604020202020204"/>
@@ -7470,6 +7657,7 @@
           <a:bodyPr lIns="0" tIns="0" rIns="0" bIns="0">
             <a:normAutofit/>
           </a:bodyPr>
+          <a:lstStyle/>
           <a:p>
             <a:endParaRPr lang="en-US" sz="3200" b="0" strike="noStrike" spc="-1">
               <a:latin typeface="Arial" panose="020B0604020202020204"/>
@@ -7500,6 +7688,7 @@
           <a:bodyPr lIns="0" tIns="0" rIns="0" bIns="0">
             <a:normAutofit/>
           </a:bodyPr>
+          <a:lstStyle/>
           <a:p>
             <a:endParaRPr lang="en-US" sz="3200" b="0" strike="noStrike" spc="-1">
               <a:latin typeface="Arial" panose="020B0604020202020204"/>
@@ -7555,6 +7744,7 @@
           <a:bodyPr lIns="0" tIns="0" rIns="0" bIns="0" anchor="ctr">
             <a:noAutofit/>
           </a:bodyPr>
+          <a:lstStyle/>
           <a:p>
             <a:pPr algn="ctr"/>
             <a:endParaRPr lang="en-US" sz="4400" b="0" strike="noStrike" spc="-1">
@@ -7586,6 +7776,7 @@
           <a:bodyPr lIns="0" tIns="0" rIns="0" bIns="0">
             <a:normAutofit/>
           </a:bodyPr>
+          <a:lstStyle/>
           <a:p>
             <a:endParaRPr lang="en-US" sz="3200" b="0" strike="noStrike" spc="-1">
               <a:latin typeface="Arial" panose="020B0604020202020204"/>
@@ -7616,6 +7807,7 @@
           <a:bodyPr lIns="0" tIns="0" rIns="0" bIns="0">
             <a:normAutofit/>
           </a:bodyPr>
+          <a:lstStyle/>
           <a:p>
             <a:endParaRPr lang="en-US" sz="3200" b="0" strike="noStrike" spc="-1">
               <a:latin typeface="Arial" panose="020B0604020202020204"/>
@@ -7646,6 +7838,7 @@
           <a:bodyPr lIns="0" tIns="0" rIns="0" bIns="0">
             <a:normAutofit/>
           </a:bodyPr>
+          <a:lstStyle/>
           <a:p>
             <a:endParaRPr lang="en-US" sz="3200" b="0" strike="noStrike" spc="-1">
               <a:latin typeface="Arial" panose="020B0604020202020204"/>
@@ -7701,6 +7894,7 @@
           <a:bodyPr lIns="0" tIns="0" rIns="0" bIns="0" anchor="ctr">
             <a:noAutofit/>
           </a:bodyPr>
+          <a:lstStyle/>
           <a:p>
             <a:pPr algn="ctr"/>
             <a:endParaRPr lang="en-US" sz="4400" b="0" strike="noStrike" spc="-1">
@@ -7732,6 +7926,7 @@
           <a:bodyPr lIns="0" tIns="0" rIns="0" bIns="0">
             <a:normAutofit/>
           </a:bodyPr>
+          <a:lstStyle/>
           <a:p>
             <a:endParaRPr lang="en-US" sz="3200" b="0" strike="noStrike" spc="-1">
               <a:latin typeface="Arial" panose="020B0604020202020204"/>
@@ -7762,6 +7957,7 @@
           <a:bodyPr lIns="0" tIns="0" rIns="0" bIns="0">
             <a:normAutofit/>
           </a:bodyPr>
+          <a:lstStyle/>
           <a:p>
             <a:endParaRPr lang="en-US" sz="3200" b="0" strike="noStrike" spc="-1">
               <a:latin typeface="Arial" panose="020B0604020202020204"/>
@@ -7817,6 +8013,7 @@
           <a:bodyPr lIns="0" tIns="0" rIns="0" bIns="0" anchor="ctr">
             <a:noAutofit/>
           </a:bodyPr>
+          <a:lstStyle/>
           <a:p>
             <a:pPr algn="ctr"/>
             <a:endParaRPr lang="en-US" sz="4400" b="0" strike="noStrike" spc="-1">
@@ -7848,6 +8045,7 @@
           <a:bodyPr lIns="0" tIns="0" rIns="0" bIns="0">
             <a:normAutofit/>
           </a:bodyPr>
+          <a:lstStyle/>
           <a:p>
             <a:endParaRPr lang="en-US" sz="3200" b="0" strike="noStrike" spc="-1">
               <a:latin typeface="Arial" panose="020B0604020202020204"/>
@@ -7878,6 +8076,7 @@
           <a:bodyPr lIns="0" tIns="0" rIns="0" bIns="0">
             <a:normAutofit/>
           </a:bodyPr>
+          <a:lstStyle/>
           <a:p>
             <a:endParaRPr lang="en-US" sz="3200" b="0" strike="noStrike" spc="-1">
               <a:latin typeface="Arial" panose="020B0604020202020204"/>
@@ -7908,6 +8107,7 @@
           <a:bodyPr lIns="0" tIns="0" rIns="0" bIns="0">
             <a:normAutofit/>
           </a:bodyPr>
+          <a:lstStyle/>
           <a:p>
             <a:endParaRPr lang="en-US" sz="3200" b="0" strike="noStrike" spc="-1">
               <a:latin typeface="Arial" panose="020B0604020202020204"/>
@@ -7938,6 +8138,7 @@
           <a:bodyPr lIns="0" tIns="0" rIns="0" bIns="0">
             <a:normAutofit/>
           </a:bodyPr>
+          <a:lstStyle/>
           <a:p>
             <a:endParaRPr lang="en-US" sz="3200" b="0" strike="noStrike" spc="-1">
               <a:latin typeface="Arial" panose="020B0604020202020204"/>
@@ -7993,6 +8194,7 @@
           <a:bodyPr lIns="0" tIns="0" rIns="0" bIns="0" anchor="ctr">
             <a:noAutofit/>
           </a:bodyPr>
+          <a:lstStyle/>
           <a:p>
             <a:pPr algn="ctr"/>
             <a:endParaRPr lang="en-US" sz="4400" b="0" strike="noStrike" spc="-1">
@@ -8024,6 +8226,7 @@
           <a:bodyPr lIns="0" tIns="0" rIns="0" bIns="0">
             <a:normAutofit/>
           </a:bodyPr>
+          <a:lstStyle/>
           <a:p>
             <a:endParaRPr lang="en-US" sz="3200" b="0" strike="noStrike" spc="-1">
               <a:latin typeface="Arial" panose="020B0604020202020204"/>
@@ -8054,6 +8257,7 @@
           <a:bodyPr lIns="0" tIns="0" rIns="0" bIns="0">
             <a:normAutofit/>
           </a:bodyPr>
+          <a:lstStyle/>
           <a:p>
             <a:endParaRPr lang="en-US" sz="3200" b="0" strike="noStrike" spc="-1">
               <a:latin typeface="Arial" panose="020B0604020202020204"/>
@@ -8084,6 +8288,7 @@
           <a:bodyPr lIns="0" tIns="0" rIns="0" bIns="0">
             <a:normAutofit/>
           </a:bodyPr>
+          <a:lstStyle/>
           <a:p>
             <a:endParaRPr lang="en-US" sz="3200" b="0" strike="noStrike" spc="-1">
               <a:latin typeface="Arial" panose="020B0604020202020204"/>
@@ -8114,6 +8319,7 @@
           <a:bodyPr lIns="0" tIns="0" rIns="0" bIns="0">
             <a:normAutofit/>
           </a:bodyPr>
+          <a:lstStyle/>
           <a:p>
             <a:endParaRPr lang="en-US" sz="3200" b="0" strike="noStrike" spc="-1">
               <a:latin typeface="Arial" panose="020B0604020202020204"/>
@@ -8144,6 +8350,7 @@
           <a:bodyPr lIns="0" tIns="0" rIns="0" bIns="0">
             <a:normAutofit/>
           </a:bodyPr>
+          <a:lstStyle/>
           <a:p>
             <a:endParaRPr lang="en-US" sz="3200" b="0" strike="noStrike" spc="-1">
               <a:latin typeface="Arial" panose="020B0604020202020204"/>
@@ -8174,6 +8381,7 @@
           <a:bodyPr lIns="0" tIns="0" rIns="0" bIns="0">
             <a:normAutofit/>
           </a:bodyPr>
+          <a:lstStyle/>
           <a:p>
             <a:endParaRPr lang="en-US" sz="3200" b="0" strike="noStrike" spc="-1">
               <a:latin typeface="Arial" panose="020B0604020202020204"/>
@@ -8229,6 +8437,7 @@
           <a:bodyPr lIns="0" tIns="0" rIns="0" bIns="0" anchor="ctr">
             <a:noAutofit/>
           </a:bodyPr>
+          <a:lstStyle/>
           <a:p>
             <a:pPr algn="ctr"/>
             <a:endParaRPr lang="en-US" sz="4400" b="0" strike="noStrike" spc="-1">
@@ -8260,6 +8469,7 @@
           <a:bodyPr lIns="0" tIns="0" rIns="0" bIns="0">
             <a:normAutofit/>
           </a:bodyPr>
+          <a:lstStyle/>
           <a:p>
             <a:endParaRPr lang="en-US" sz="3200" b="0" strike="noStrike" spc="-1">
               <a:latin typeface="Arial" panose="020B0604020202020204"/>
@@ -8290,6 +8500,7 @@
           <a:bodyPr lIns="0" tIns="0" rIns="0" bIns="0">
             <a:normAutofit/>
           </a:bodyPr>
+          <a:lstStyle/>
           <a:p>
             <a:endParaRPr lang="en-US" sz="3200" b="0" strike="noStrike" spc="-1">
               <a:latin typeface="Arial" panose="020B0604020202020204"/>
@@ -8320,6 +8531,7 @@
           <a:bodyPr lIns="0" tIns="0" rIns="0" bIns="0">
             <a:normAutofit/>
           </a:bodyPr>
+          <a:lstStyle/>
           <a:p>
             <a:endParaRPr lang="en-US" sz="3200" b="0" strike="noStrike" spc="-1">
               <a:latin typeface="Arial" panose="020B0604020202020204"/>
@@ -8375,6 +8587,7 @@
           <a:bodyPr lIns="0" tIns="0" rIns="0" bIns="0" anchor="ctr">
             <a:noAutofit/>
           </a:bodyPr>
+          <a:lstStyle/>
           <a:p>
             <a:pPr algn="ctr"/>
             <a:endParaRPr lang="en-US" sz="4400" b="0" strike="noStrike" spc="-1">
@@ -8406,6 +8619,7 @@
           <a:bodyPr lIns="0" tIns="0" rIns="0" bIns="0">
             <a:normAutofit/>
           </a:bodyPr>
+          <a:lstStyle/>
           <a:p>
             <a:endParaRPr lang="en-US" sz="3200" b="0" strike="noStrike" spc="-1">
               <a:latin typeface="Arial" panose="020B0604020202020204"/>
@@ -8436,6 +8650,7 @@
           <a:bodyPr lIns="0" tIns="0" rIns="0" bIns="0">
             <a:normAutofit/>
           </a:bodyPr>
+          <a:lstStyle/>
           <a:p>
             <a:endParaRPr lang="en-US" sz="3200" b="0" strike="noStrike" spc="-1">
               <a:latin typeface="Arial" panose="020B0604020202020204"/>
@@ -8466,6 +8681,7 @@
           <a:bodyPr lIns="0" tIns="0" rIns="0" bIns="0">
             <a:normAutofit/>
           </a:bodyPr>
+          <a:lstStyle/>
           <a:p>
             <a:endParaRPr lang="en-US" sz="3200" b="0" strike="noStrike" spc="-1">
               <a:latin typeface="Arial" panose="020B0604020202020204"/>
@@ -8487,7 +8703,7 @@
     <p:bg>
       <p:bgPr>
         <a:blipFill rotWithShape="0">
-          <a:blip r:embed="rId13"/>
+          <a:blip r:embed="rId14"/>
           <a:stretch>
             <a:fillRect/>
           </a:stretch>
@@ -8511,7 +8727,7 @@
       </p:grpSpPr>
       <p:sp>
         <p:nvSpPr>
-          <p:cNvPr id="0" name="PlaceHolder 1"/>
+          <p:cNvPr id="3" name="PlaceHolder 1"/>
           <p:cNvSpPr>
             <a:spLocks noGrp="1"/>
           </p:cNvSpPr>
@@ -8532,119 +8748,15 @@
           <a:bodyPr lIns="0" tIns="0" rIns="0" bIns="0" anchor="ctr">
             <a:noAutofit/>
           </a:bodyPr>
+          <a:lstStyle/>
           <a:p>
             <a:pPr algn="ctr"/>
             <a:r>
               <a:rPr lang="en-US" sz="4400" b="0" strike="noStrike" spc="-1">
                 <a:latin typeface="Arial" panose="020B0604020202020204"/>
               </a:rPr>
-              <a:t>C</a:t>
+              <a:t>Click to edit the title text format</a:t>
             </a:r>
-            <a:r>
-              <a:rPr lang="en-US" sz="4400" b="0" strike="noStrike" spc="-1">
-                <a:latin typeface="Arial" panose="020B0604020202020204"/>
-              </a:rPr>
-              <a:t>li</a:t>
-            </a:r>
-            <a:r>
-              <a:rPr lang="en-US" sz="4400" b="0" strike="noStrike" spc="-1">
-                <a:latin typeface="Arial" panose="020B0604020202020204"/>
-              </a:rPr>
-              <a:t>c</a:t>
-            </a:r>
-            <a:r>
-              <a:rPr lang="en-US" sz="4400" b="0" strike="noStrike" spc="-1">
-                <a:latin typeface="Arial" panose="020B0604020202020204"/>
-              </a:rPr>
-              <a:t>k </a:t>
-            </a:r>
-            <a:r>
-              <a:rPr lang="en-US" sz="4400" b="0" strike="noStrike" spc="-1">
-                <a:latin typeface="Arial" panose="020B0604020202020204"/>
-              </a:rPr>
-              <a:t>to </a:t>
-            </a:r>
-            <a:r>
-              <a:rPr lang="en-US" sz="4400" b="0" strike="noStrike" spc="-1">
-                <a:latin typeface="Arial" panose="020B0604020202020204"/>
-              </a:rPr>
-              <a:t>e</a:t>
-            </a:r>
-            <a:r>
-              <a:rPr lang="en-US" sz="4400" b="0" strike="noStrike" spc="-1">
-                <a:latin typeface="Arial" panose="020B0604020202020204"/>
-              </a:rPr>
-              <a:t>di</a:t>
-            </a:r>
-            <a:r>
-              <a:rPr lang="en-US" sz="4400" b="0" strike="noStrike" spc="-1">
-                <a:latin typeface="Arial" panose="020B0604020202020204"/>
-              </a:rPr>
-              <a:t>t </a:t>
-            </a:r>
-            <a:r>
-              <a:rPr lang="en-US" sz="4400" b="0" strike="noStrike" spc="-1">
-                <a:latin typeface="Arial" panose="020B0604020202020204"/>
-              </a:rPr>
-              <a:t>th</a:t>
-            </a:r>
-            <a:r>
-              <a:rPr lang="en-US" sz="4400" b="0" strike="noStrike" spc="-1">
-                <a:latin typeface="Arial" panose="020B0604020202020204"/>
-              </a:rPr>
-              <a:t>e </a:t>
-            </a:r>
-            <a:r>
-              <a:rPr lang="en-US" sz="4400" b="0" strike="noStrike" spc="-1">
-                <a:latin typeface="Arial" panose="020B0604020202020204"/>
-              </a:rPr>
-              <a:t>tit</a:t>
-            </a:r>
-            <a:r>
-              <a:rPr lang="en-US" sz="4400" b="0" strike="noStrike" spc="-1">
-                <a:latin typeface="Arial" panose="020B0604020202020204"/>
-              </a:rPr>
-              <a:t>le </a:t>
-            </a:r>
-            <a:r>
-              <a:rPr lang="en-US" sz="4400" b="0" strike="noStrike" spc="-1">
-                <a:latin typeface="Arial" panose="020B0604020202020204"/>
-              </a:rPr>
-              <a:t>te</a:t>
-            </a:r>
-            <a:r>
-              <a:rPr lang="en-US" sz="4400" b="0" strike="noStrike" spc="-1">
-                <a:latin typeface="Arial" panose="020B0604020202020204"/>
-              </a:rPr>
-              <a:t>xt </a:t>
-            </a:r>
-            <a:r>
-              <a:rPr lang="en-US" sz="4400" b="0" strike="noStrike" spc="-1">
-                <a:latin typeface="Arial" panose="020B0604020202020204"/>
-              </a:rPr>
-              <a:t>fo</a:t>
-            </a:r>
-            <a:r>
-              <a:rPr lang="en-US" sz="4400" b="0" strike="noStrike" spc="-1">
-                <a:latin typeface="Arial" panose="020B0604020202020204"/>
-              </a:rPr>
-              <a:t>r</a:t>
-            </a:r>
-            <a:r>
-              <a:rPr lang="en-US" sz="4400" b="0" strike="noStrike" spc="-1">
-                <a:latin typeface="Arial" panose="020B0604020202020204"/>
-              </a:rPr>
-              <a:t>m</a:t>
-            </a:r>
-            <a:r>
-              <a:rPr lang="en-US" sz="4400" b="0" strike="noStrike" spc="-1">
-                <a:latin typeface="Arial" panose="020B0604020202020204"/>
-              </a:rPr>
-              <a:t>at</a:t>
-            </a:r>
-            <a:endParaRPr lang="en-US" sz="4400" b="0" strike="noStrike" spc="-1">
-              <a:latin typeface="Arial" panose="020B0604020202020204"/>
-            </a:endParaRPr>
           </a:p>
         </p:txBody>
       </p:sp>
@@ -8671,6 +8783,7 @@
           <a:bodyPr lIns="0" tIns="0" rIns="0" bIns="0">
             <a:normAutofit/>
           </a:bodyPr>
+          <a:lstStyle/>
           <a:p>
             <a:pPr marL="431800" indent="-323850">
               <a:spcBef>
@@ -8689,9 +8802,6 @@
               </a:rPr>
               <a:t>Click to edit the outline text format</a:t>
             </a:r>
-            <a:endParaRPr lang="en-US" sz="3200" b="0" strike="noStrike" spc="-1">
-              <a:latin typeface="Arial" panose="020B0604020202020204"/>
-            </a:endParaRPr>
           </a:p>
           <a:p>
             <a:pPr marL="864235" lvl="1" indent="-323850">
@@ -8711,9 +8821,6 @@
               </a:rPr>
               <a:t>Second Outline Level</a:t>
             </a:r>
-            <a:endParaRPr lang="en-US" sz="2800" b="0" strike="noStrike" spc="-1">
-              <a:latin typeface="Arial" panose="020B0604020202020204"/>
-            </a:endParaRPr>
           </a:p>
           <a:p>
             <a:pPr marL="1296035" lvl="2" indent="-288290">
@@ -8733,9 +8840,6 @@
               </a:rPr>
               <a:t>Third Outline Level</a:t>
             </a:r>
-            <a:endParaRPr lang="en-US" sz="2400" b="0" strike="noStrike" spc="-1">
-              <a:latin typeface="Arial" panose="020B0604020202020204"/>
-            </a:endParaRPr>
           </a:p>
           <a:p>
             <a:pPr marL="1727835" lvl="3" indent="-215900">
@@ -8755,9 +8859,6 @@
               </a:rPr>
               <a:t>Fourth Outline Level</a:t>
             </a:r>
-            <a:endParaRPr lang="en-US" sz="2000" b="0" strike="noStrike" spc="-1">
-              <a:latin typeface="Arial" panose="020B0604020202020204"/>
-            </a:endParaRPr>
           </a:p>
           <a:p>
             <a:pPr marL="2160270" lvl="4" indent="-215900">
@@ -8777,9 +8878,6 @@
               </a:rPr>
               <a:t>Fifth Outline Level</a:t>
             </a:r>
-            <a:endParaRPr lang="en-US" sz="2000" b="0" strike="noStrike" spc="-1">
-              <a:latin typeface="Arial" panose="020B0604020202020204"/>
-            </a:endParaRPr>
           </a:p>
           <a:p>
             <a:pPr marL="2592070" lvl="5" indent="-215900">
@@ -8799,9 +8897,6 @@
               </a:rPr>
               <a:t>Sixth Outline Level</a:t>
             </a:r>
-            <a:endParaRPr lang="en-US" sz="2000" b="0" strike="noStrike" spc="-1">
-              <a:latin typeface="Arial" panose="020B0604020202020204"/>
-            </a:endParaRPr>
           </a:p>
           <a:p>
             <a:pPr marL="3023870" lvl="6" indent="-215900">
@@ -8821,9 +8916,6 @@
               </a:rPr>
               <a:t>Seventh Outline Level</a:t>
             </a:r>
-            <a:endParaRPr lang="en-US" sz="2000" b="0" strike="noStrike" spc="-1">
-              <a:latin typeface="Arial" panose="020B0604020202020204"/>
-            </a:endParaRPr>
           </a:p>
         </p:txBody>
       </p:sp>
@@ -8858,7 +8950,7 @@
     <p:bg>
       <p:bgPr>
         <a:blipFill rotWithShape="0">
-          <a:blip r:embed="rId13"/>
+          <a:blip r:embed="rId14"/>
           <a:stretch>
             <a:fillRect/>
           </a:stretch>
@@ -8903,23 +8995,15 @@
           <a:bodyPr lIns="0" tIns="0" rIns="0" bIns="0" anchor="ctr">
             <a:noAutofit/>
           </a:bodyPr>
+          <a:lstStyle/>
           <a:p>
             <a:pPr algn="ctr"/>
             <a:r>
               <a:rPr lang="en-US" sz="4400" b="0" strike="noStrike" spc="-1">
                 <a:latin typeface="Arial" panose="020B0604020202020204"/>
               </a:rPr>
-              <a:t>Click to edit the title </a:t>
+              <a:t>Click to edit the title text format</a:t>
             </a:r>
-            <a:r>
-              <a:rPr lang="en-US" sz="4400" b="0" strike="noStrike" spc="-1">
-                <a:latin typeface="Arial" panose="020B0604020202020204"/>
-              </a:rPr>
-              <a:t>text format</a:t>
-            </a:r>
-            <a:endParaRPr lang="en-US" sz="4400" b="0" strike="noStrike" spc="-1">
-              <a:latin typeface="Arial" panose="020B0604020202020204"/>
-            </a:endParaRPr>
           </a:p>
         </p:txBody>
       </p:sp>
@@ -8946,6 +9030,7 @@
           <a:bodyPr lIns="0" tIns="0" rIns="0" bIns="0">
             <a:normAutofit/>
           </a:bodyPr>
+          <a:lstStyle/>
           <a:p>
             <a:pPr marL="431800" indent="-323850">
               <a:spcBef>
@@ -8964,9 +9049,6 @@
               </a:rPr>
               <a:t>Click to edit the outline text format</a:t>
             </a:r>
-            <a:endParaRPr lang="en-US" sz="3200" b="0" strike="noStrike" spc="-1">
-              <a:latin typeface="Arial" panose="020B0604020202020204"/>
-            </a:endParaRPr>
           </a:p>
           <a:p>
             <a:pPr marL="864235" lvl="1" indent="-323850">
@@ -8986,9 +9068,6 @@
               </a:rPr>
               <a:t>Second Outline Level</a:t>
             </a:r>
-            <a:endParaRPr lang="en-US" sz="2800" b="0" strike="noStrike" spc="-1">
-              <a:latin typeface="Arial" panose="020B0604020202020204"/>
-            </a:endParaRPr>
           </a:p>
           <a:p>
             <a:pPr marL="1296035" lvl="2" indent="-288290">
@@ -9008,9 +9087,6 @@
               </a:rPr>
               <a:t>Third Outline Level</a:t>
             </a:r>
-            <a:endParaRPr lang="en-US" sz="2400" b="0" strike="noStrike" spc="-1">
-              <a:latin typeface="Arial" panose="020B0604020202020204"/>
-            </a:endParaRPr>
           </a:p>
           <a:p>
             <a:pPr marL="1727835" lvl="3" indent="-215900">
@@ -9030,9 +9106,6 @@
               </a:rPr>
               <a:t>Fourth Outline Level</a:t>
             </a:r>
-            <a:endParaRPr lang="en-US" sz="2000" b="0" strike="noStrike" spc="-1">
-              <a:latin typeface="Arial" panose="020B0604020202020204"/>
-            </a:endParaRPr>
           </a:p>
           <a:p>
             <a:pPr marL="2160270" lvl="4" indent="-215900">
@@ -9052,9 +9125,6 @@
               </a:rPr>
               <a:t>Fifth Outline Level</a:t>
             </a:r>
-            <a:endParaRPr lang="en-US" sz="2000" b="0" strike="noStrike" spc="-1">
-              <a:latin typeface="Arial" panose="020B0604020202020204"/>
-            </a:endParaRPr>
           </a:p>
           <a:p>
             <a:pPr marL="2592070" lvl="5" indent="-215900">
@@ -9074,9 +9144,6 @@
               </a:rPr>
               <a:t>Sixth Outline Level</a:t>
             </a:r>
-            <a:endParaRPr lang="en-US" sz="2000" b="0" strike="noStrike" spc="-1">
-              <a:latin typeface="Arial" panose="020B0604020202020204"/>
-            </a:endParaRPr>
           </a:p>
           <a:p>
             <a:pPr marL="3023870" lvl="6" indent="-215900">
@@ -9096,9 +9163,6 @@
               </a:rPr>
               <a:t>Seventh Outline Level</a:t>
             </a:r>
-            <a:endParaRPr lang="en-US" sz="2000" b="0" strike="noStrike" spc="-1">
-              <a:latin typeface="Arial" panose="020B0604020202020204"/>
-            </a:endParaRPr>
           </a:p>
         </p:txBody>
       </p:sp>
@@ -9133,7 +9197,7 @@
     <p:bg>
       <p:bgPr>
         <a:blipFill rotWithShape="0">
-          <a:blip r:embed="rId13"/>
+          <a:blip r:embed="rId14"/>
           <a:stretch>
             <a:fillRect/>
           </a:stretch>
@@ -9178,59 +9242,15 @@
           <a:bodyPr lIns="0" tIns="0" rIns="0" bIns="0" anchor="ctr">
             <a:noAutofit/>
           </a:bodyPr>
+          <a:lstStyle/>
           <a:p>
             <a:pPr algn="ctr"/>
             <a:r>
               <a:rPr lang="en-US" sz="4400" b="0" strike="noStrike" spc="-1">
                 <a:latin typeface="Arial" panose="020B0604020202020204"/>
               </a:rPr>
-              <a:t>Clic</a:t>
+              <a:t>Click to edit the title text format</a:t>
             </a:r>
-            <a:r>
-              <a:rPr lang="en-US" sz="4400" b="0" strike="noStrike" spc="-1">
-                <a:latin typeface="Arial" panose="020B0604020202020204"/>
-              </a:rPr>
-              <a:t>k to </a:t>
-            </a:r>
-            <a:r>
-              <a:rPr lang="en-US" sz="4400" b="0" strike="noStrike" spc="-1">
-                <a:latin typeface="Arial" panose="020B0604020202020204"/>
-              </a:rPr>
-              <a:t>edit </a:t>
-            </a:r>
-            <a:r>
-              <a:rPr lang="en-US" sz="4400" b="0" strike="noStrike" spc="-1">
-                <a:latin typeface="Arial" panose="020B0604020202020204"/>
-              </a:rPr>
-              <a:t>the </a:t>
-            </a:r>
-            <a:r>
-              <a:rPr lang="en-US" sz="4400" b="0" strike="noStrike" spc="-1">
-                <a:latin typeface="Arial" panose="020B0604020202020204"/>
-              </a:rPr>
-              <a:t>title </a:t>
-            </a:r>
-            <a:r>
-              <a:rPr lang="en-US" sz="4400" b="0" strike="noStrike" spc="-1">
-                <a:latin typeface="Arial" panose="020B0604020202020204"/>
-              </a:rPr>
-              <a:t>text </a:t>
-            </a:r>
-            <a:r>
-              <a:rPr lang="en-US" sz="4400" b="0" strike="noStrike" spc="-1">
-                <a:latin typeface="Arial" panose="020B0604020202020204"/>
-              </a:rPr>
-              <a:t>for</a:t>
-            </a:r>
-            <a:r>
-              <a:rPr lang="en-US" sz="4400" b="0" strike="noStrike" spc="-1">
-                <a:latin typeface="Arial" panose="020B0604020202020204"/>
-              </a:rPr>
-              <a:t>mat</a:t>
-            </a:r>
-            <a:endParaRPr lang="en-US" sz="4400" b="0" strike="noStrike" spc="-1">
-              <a:latin typeface="Arial" panose="020B0604020202020204"/>
-            </a:endParaRPr>
           </a:p>
         </p:txBody>
       </p:sp>
@@ -9257,6 +9277,7 @@
           <a:bodyPr lIns="0" tIns="0" rIns="0" bIns="0">
             <a:normAutofit/>
           </a:bodyPr>
+          <a:lstStyle/>
           <a:p>
             <a:pPr marL="431800" indent="-323850">
               <a:spcBef>
@@ -9275,9 +9296,6 @@
               </a:rPr>
               <a:t>Click to edit the outline text format</a:t>
             </a:r>
-            <a:endParaRPr lang="en-US" sz="3200" b="0" strike="noStrike" spc="-1">
-              <a:latin typeface="Arial" panose="020B0604020202020204"/>
-            </a:endParaRPr>
           </a:p>
           <a:p>
             <a:pPr marL="864235" lvl="1" indent="-323850">
@@ -9297,9 +9315,6 @@
               </a:rPr>
               <a:t>Second Outline Level</a:t>
             </a:r>
-            <a:endParaRPr lang="en-US" sz="2800" b="0" strike="noStrike" spc="-1">
-              <a:latin typeface="Arial" panose="020B0604020202020204"/>
-            </a:endParaRPr>
           </a:p>
           <a:p>
             <a:pPr marL="1296035" lvl="2" indent="-288290">
@@ -9319,9 +9334,6 @@
               </a:rPr>
               <a:t>Third Outline Level</a:t>
             </a:r>
-            <a:endParaRPr lang="en-US" sz="2400" b="0" strike="noStrike" spc="-1">
-              <a:latin typeface="Arial" panose="020B0604020202020204"/>
-            </a:endParaRPr>
           </a:p>
           <a:p>
             <a:pPr marL="1727835" lvl="3" indent="-215900">
@@ -9341,9 +9353,6 @@
               </a:rPr>
               <a:t>Fourth Outline Level</a:t>
             </a:r>
-            <a:endParaRPr lang="en-US" sz="2000" b="0" strike="noStrike" spc="-1">
-              <a:latin typeface="Arial" panose="020B0604020202020204"/>
-            </a:endParaRPr>
           </a:p>
           <a:p>
             <a:pPr marL="2160270" lvl="4" indent="-215900">
@@ -9363,9 +9372,6 @@
               </a:rPr>
               <a:t>Fifth Outline Level</a:t>
             </a:r>
-            <a:endParaRPr lang="en-US" sz="2000" b="0" strike="noStrike" spc="-1">
-              <a:latin typeface="Arial" panose="020B0604020202020204"/>
-            </a:endParaRPr>
           </a:p>
           <a:p>
             <a:pPr marL="2592070" lvl="5" indent="-215900">
@@ -9385,9 +9391,6 @@
               </a:rPr>
               <a:t>Sixth Outline Level</a:t>
             </a:r>
-            <a:endParaRPr lang="en-US" sz="2000" b="0" strike="noStrike" spc="-1">
-              <a:latin typeface="Arial" panose="020B0604020202020204"/>
-            </a:endParaRPr>
           </a:p>
           <a:p>
             <a:pPr marL="3023870" lvl="6" indent="-215900">
@@ -9407,9 +9410,6 @@
               </a:rPr>
               <a:t>Seventh Outline Level</a:t>
             </a:r>
-            <a:endParaRPr lang="en-US" sz="2000" b="0" strike="noStrike" spc="-1">
-              <a:latin typeface="Arial" panose="020B0604020202020204"/>
-            </a:endParaRPr>
           </a:p>
         </p:txBody>
       </p:sp>
@@ -9444,7 +9444,7 @@
     <p:bg>
       <p:bgPr>
         <a:blipFill rotWithShape="0">
-          <a:blip r:embed="rId13"/>
+          <a:blip r:embed="rId14"/>
           <a:stretch>
             <a:fillRect/>
           </a:stretch>
@@ -9489,59 +9489,15 @@
           <a:bodyPr lIns="0" tIns="0" rIns="0" bIns="0" anchor="ctr">
             <a:noAutofit/>
           </a:bodyPr>
+          <a:lstStyle/>
           <a:p>
             <a:pPr algn="ctr"/>
             <a:r>
               <a:rPr lang="en-US" sz="4400" b="0" strike="noStrike" spc="-1">
                 <a:latin typeface="Arial" panose="020B0604020202020204"/>
               </a:rPr>
-              <a:t>Clic</a:t>
+              <a:t>Click to edit the title text format</a:t>
             </a:r>
-            <a:r>
-              <a:rPr lang="en-US" sz="4400" b="0" strike="noStrike" spc="-1">
-                <a:latin typeface="Arial" panose="020B0604020202020204"/>
-              </a:rPr>
-              <a:t>k to </a:t>
-            </a:r>
-            <a:r>
-              <a:rPr lang="en-US" sz="4400" b="0" strike="noStrike" spc="-1">
-                <a:latin typeface="Arial" panose="020B0604020202020204"/>
-              </a:rPr>
-              <a:t>edit </a:t>
-            </a:r>
-            <a:r>
-              <a:rPr lang="en-US" sz="4400" b="0" strike="noStrike" spc="-1">
-                <a:latin typeface="Arial" panose="020B0604020202020204"/>
-              </a:rPr>
-              <a:t>the </a:t>
-            </a:r>
-            <a:r>
-              <a:rPr lang="en-US" sz="4400" b="0" strike="noStrike" spc="-1">
-                <a:latin typeface="Arial" panose="020B0604020202020204"/>
-              </a:rPr>
-              <a:t>title </a:t>
-            </a:r>
-            <a:r>
-              <a:rPr lang="en-US" sz="4400" b="0" strike="noStrike" spc="-1">
-                <a:latin typeface="Arial" panose="020B0604020202020204"/>
-              </a:rPr>
-              <a:t>text </a:t>
-            </a:r>
-            <a:r>
-              <a:rPr lang="en-US" sz="4400" b="0" strike="noStrike" spc="-1">
-                <a:latin typeface="Arial" panose="020B0604020202020204"/>
-              </a:rPr>
-              <a:t>for</a:t>
-            </a:r>
-            <a:r>
-              <a:rPr lang="en-US" sz="4400" b="0" strike="noStrike" spc="-1">
-                <a:latin typeface="Arial" panose="020B0604020202020204"/>
-              </a:rPr>
-              <a:t>mat</a:t>
-            </a:r>
-            <a:endParaRPr lang="en-US" sz="4400" b="0" strike="noStrike" spc="-1">
-              <a:latin typeface="Arial" panose="020B0604020202020204"/>
-            </a:endParaRPr>
           </a:p>
         </p:txBody>
       </p:sp>
@@ -9568,6 +9524,7 @@
           <a:bodyPr lIns="0" tIns="0" rIns="0" bIns="0">
             <a:normAutofit/>
           </a:bodyPr>
+          <a:lstStyle/>
           <a:p>
             <a:pPr marL="431800" indent="-323850">
               <a:spcBef>
@@ -9586,9 +9543,6 @@
               </a:rPr>
               <a:t>Click to edit the outline text format</a:t>
             </a:r>
-            <a:endParaRPr lang="en-US" sz="3200" b="0" strike="noStrike" spc="-1">
-              <a:latin typeface="Arial" panose="020B0604020202020204"/>
-            </a:endParaRPr>
           </a:p>
           <a:p>
             <a:pPr marL="864235" lvl="1" indent="-323850">
@@ -9608,9 +9562,6 @@
               </a:rPr>
               <a:t>Second Outline Level</a:t>
             </a:r>
-            <a:endParaRPr lang="en-US" sz="2800" b="0" strike="noStrike" spc="-1">
-              <a:latin typeface="Arial" panose="020B0604020202020204"/>
-            </a:endParaRPr>
           </a:p>
           <a:p>
             <a:pPr marL="1296035" lvl="2" indent="-288290">
@@ -9630,9 +9581,6 @@
               </a:rPr>
               <a:t>Third Outline Level</a:t>
             </a:r>
-            <a:endParaRPr lang="en-US" sz="2400" b="0" strike="noStrike" spc="-1">
-              <a:latin typeface="Arial" panose="020B0604020202020204"/>
-            </a:endParaRPr>
           </a:p>
           <a:p>
             <a:pPr marL="1727835" lvl="3" indent="-215900">
@@ -9652,9 +9600,6 @@
               </a:rPr>
               <a:t>Fourth Outline Level</a:t>
             </a:r>
-            <a:endParaRPr lang="en-US" sz="2000" b="0" strike="noStrike" spc="-1">
-              <a:latin typeface="Arial" panose="020B0604020202020204"/>
-            </a:endParaRPr>
           </a:p>
           <a:p>
             <a:pPr marL="2160270" lvl="4" indent="-215900">
@@ -9674,9 +9619,6 @@
               </a:rPr>
               <a:t>Fifth Outline Level</a:t>
             </a:r>
-            <a:endParaRPr lang="en-US" sz="2000" b="0" strike="noStrike" spc="-1">
-              <a:latin typeface="Arial" panose="020B0604020202020204"/>
-            </a:endParaRPr>
           </a:p>
           <a:p>
             <a:pPr marL="2592070" lvl="5" indent="-215900">
@@ -9696,9 +9638,6 @@
               </a:rPr>
               <a:t>Sixth Outline Level</a:t>
             </a:r>
-            <a:endParaRPr lang="en-US" sz="2000" b="0" strike="noStrike" spc="-1">
-              <a:latin typeface="Arial" panose="020B0604020202020204"/>
-            </a:endParaRPr>
           </a:p>
           <a:p>
             <a:pPr marL="3023870" lvl="6" indent="-215900">
@@ -9718,9 +9657,6 @@
               </a:rPr>
               <a:t>Seventh Outline Level</a:t>
             </a:r>
-            <a:endParaRPr lang="en-US" sz="2000" b="0" strike="noStrike" spc="-1">
-              <a:latin typeface="Arial" panose="020B0604020202020204"/>
-            </a:endParaRPr>
           </a:p>
         </p:txBody>
       </p:sp>
@@ -9755,7 +9691,7 @@
     <p:bg>
       <p:bgPr>
         <a:blipFill rotWithShape="0">
-          <a:blip r:embed="rId13"/>
+          <a:blip r:embed="rId14"/>
           <a:stretch>
             <a:fillRect/>
           </a:stretch>
@@ -9800,59 +9736,15 @@
           <a:bodyPr lIns="0" tIns="0" rIns="0" bIns="0" anchor="ctr">
             <a:noAutofit/>
           </a:bodyPr>
+          <a:lstStyle/>
           <a:p>
             <a:pPr algn="ctr"/>
             <a:r>
               <a:rPr lang="en-US" sz="4400" b="0" strike="noStrike" spc="-1">
                 <a:latin typeface="Arial" panose="020B0604020202020204"/>
               </a:rPr>
-              <a:t>Clic</a:t>
+              <a:t>Click to edit the title text format</a:t>
             </a:r>
-            <a:r>
-              <a:rPr lang="en-US" sz="4400" b="0" strike="noStrike" spc="-1">
-                <a:latin typeface="Arial" panose="020B0604020202020204"/>
-              </a:rPr>
-              <a:t>k to </a:t>
-            </a:r>
-            <a:r>
-              <a:rPr lang="en-US" sz="4400" b="0" strike="noStrike" spc="-1">
-                <a:latin typeface="Arial" panose="020B0604020202020204"/>
-              </a:rPr>
-              <a:t>edit </a:t>
-            </a:r>
-            <a:r>
-              <a:rPr lang="en-US" sz="4400" b="0" strike="noStrike" spc="-1">
-                <a:latin typeface="Arial" panose="020B0604020202020204"/>
-              </a:rPr>
-              <a:t>the </a:t>
-            </a:r>
-            <a:r>
-              <a:rPr lang="en-US" sz="4400" b="0" strike="noStrike" spc="-1">
-                <a:latin typeface="Arial" panose="020B0604020202020204"/>
-              </a:rPr>
-              <a:t>title </a:t>
-            </a:r>
-            <a:r>
-              <a:rPr lang="en-US" sz="4400" b="0" strike="noStrike" spc="-1">
-                <a:latin typeface="Arial" panose="020B0604020202020204"/>
-              </a:rPr>
-              <a:t>text </a:t>
-            </a:r>
-            <a:r>
-              <a:rPr lang="en-US" sz="4400" b="0" strike="noStrike" spc="-1">
-                <a:latin typeface="Arial" panose="020B0604020202020204"/>
-              </a:rPr>
-              <a:t>for</a:t>
-            </a:r>
-            <a:r>
-              <a:rPr lang="en-US" sz="4400" b="0" strike="noStrike" spc="-1">
-                <a:latin typeface="Arial" panose="020B0604020202020204"/>
-              </a:rPr>
-              <a:t>mat</a:t>
-            </a:r>
-            <a:endParaRPr lang="en-US" sz="4400" b="0" strike="noStrike" spc="-1">
-              <a:latin typeface="Arial" panose="020B0604020202020204"/>
-            </a:endParaRPr>
           </a:p>
         </p:txBody>
       </p:sp>
@@ -9879,6 +9771,7 @@
           <a:bodyPr lIns="0" tIns="0" rIns="0" bIns="0">
             <a:normAutofit/>
           </a:bodyPr>
+          <a:lstStyle/>
           <a:p>
             <a:pPr marL="431800" indent="-323850">
               <a:spcBef>
@@ -9897,9 +9790,6 @@
               </a:rPr>
               <a:t>Click to edit the outline text format</a:t>
             </a:r>
-            <a:endParaRPr lang="en-US" sz="3200" b="0" strike="noStrike" spc="-1">
-              <a:latin typeface="Arial" panose="020B0604020202020204"/>
-            </a:endParaRPr>
           </a:p>
           <a:p>
             <a:pPr marL="864235" lvl="1" indent="-323850">
@@ -9919,9 +9809,6 @@
               </a:rPr>
               <a:t>Second Outline Level</a:t>
             </a:r>
-            <a:endParaRPr lang="en-US" sz="2800" b="0" strike="noStrike" spc="-1">
-              <a:latin typeface="Arial" panose="020B0604020202020204"/>
-            </a:endParaRPr>
           </a:p>
           <a:p>
             <a:pPr marL="1296035" lvl="2" indent="-288290">
@@ -9941,9 +9828,6 @@
               </a:rPr>
               <a:t>Third Outline Level</a:t>
             </a:r>
-            <a:endParaRPr lang="en-US" sz="2400" b="0" strike="noStrike" spc="-1">
-              <a:latin typeface="Arial" panose="020B0604020202020204"/>
-            </a:endParaRPr>
           </a:p>
           <a:p>
             <a:pPr marL="1727835" lvl="3" indent="-215900">
@@ -9963,9 +9847,6 @@
               </a:rPr>
               <a:t>Fourth Outline Level</a:t>
             </a:r>
-            <a:endParaRPr lang="en-US" sz="2000" b="0" strike="noStrike" spc="-1">
-              <a:latin typeface="Arial" panose="020B0604020202020204"/>
-            </a:endParaRPr>
           </a:p>
           <a:p>
             <a:pPr marL="2160270" lvl="4" indent="-215900">
@@ -9985,9 +9866,6 @@
               </a:rPr>
               <a:t>Fifth Outline Level</a:t>
             </a:r>
-            <a:endParaRPr lang="en-US" sz="2000" b="0" strike="noStrike" spc="-1">
-              <a:latin typeface="Arial" panose="020B0604020202020204"/>
-            </a:endParaRPr>
           </a:p>
           <a:p>
             <a:pPr marL="2592070" lvl="5" indent="-215900">
@@ -10007,9 +9885,6 @@
               </a:rPr>
               <a:t>Sixth Outline Level</a:t>
             </a:r>
-            <a:endParaRPr lang="en-US" sz="2000" b="0" strike="noStrike" spc="-1">
-              <a:latin typeface="Arial" panose="020B0604020202020204"/>
-            </a:endParaRPr>
           </a:p>
           <a:p>
             <a:pPr marL="3023870" lvl="6" indent="-215900">
@@ -10029,9 +9904,6 @@
               </a:rPr>
               <a:t>Seventh Outline Level</a:t>
             </a:r>
-            <a:endParaRPr lang="en-US" sz="2000" b="0" strike="noStrike" spc="-1">
-              <a:latin typeface="Arial" panose="020B0604020202020204"/>
-            </a:endParaRPr>
           </a:p>
         </p:txBody>
       </p:sp>
@@ -10066,7 +9938,7 @@
     <p:bg>
       <p:bgPr>
         <a:blipFill rotWithShape="0">
-          <a:blip r:embed="rId13"/>
+          <a:blip r:embed="rId14"/>
           <a:stretch>
             <a:fillRect/>
           </a:stretch>
@@ -10111,59 +9983,15 @@
           <a:bodyPr lIns="0" tIns="0" rIns="0" bIns="0" anchor="ctr">
             <a:noAutofit/>
           </a:bodyPr>
+          <a:lstStyle/>
           <a:p>
             <a:pPr algn="ctr"/>
             <a:r>
               <a:rPr lang="en-US" sz="4400" b="0" strike="noStrike" spc="-1">
                 <a:latin typeface="Arial" panose="020B0604020202020204"/>
               </a:rPr>
-              <a:t>Clic</a:t>
+              <a:t>Click to edit the title text format</a:t>
             </a:r>
-            <a:r>
-              <a:rPr lang="en-US" sz="4400" b="0" strike="noStrike" spc="-1">
-                <a:latin typeface="Arial" panose="020B0604020202020204"/>
-              </a:rPr>
-              <a:t>k to </a:t>
-            </a:r>
-            <a:r>
-              <a:rPr lang="en-US" sz="4400" b="0" strike="noStrike" spc="-1">
-                <a:latin typeface="Arial" panose="020B0604020202020204"/>
-              </a:rPr>
-              <a:t>edit </a:t>
-            </a:r>
-            <a:r>
-              <a:rPr lang="en-US" sz="4400" b="0" strike="noStrike" spc="-1">
-                <a:latin typeface="Arial" panose="020B0604020202020204"/>
-              </a:rPr>
-              <a:t>the </a:t>
-            </a:r>
-            <a:r>
-              <a:rPr lang="en-US" sz="4400" b="0" strike="noStrike" spc="-1">
-                <a:latin typeface="Arial" panose="020B0604020202020204"/>
-              </a:rPr>
-              <a:t>title </a:t>
-            </a:r>
-            <a:r>
-              <a:rPr lang="en-US" sz="4400" b="0" strike="noStrike" spc="-1">
-                <a:latin typeface="Arial" panose="020B0604020202020204"/>
-              </a:rPr>
-              <a:t>text </a:t>
-            </a:r>
-            <a:r>
-              <a:rPr lang="en-US" sz="4400" b="0" strike="noStrike" spc="-1">
-                <a:latin typeface="Arial" panose="020B0604020202020204"/>
-              </a:rPr>
-              <a:t>for</a:t>
-            </a:r>
-            <a:r>
-              <a:rPr lang="en-US" sz="4400" b="0" strike="noStrike" spc="-1">
-                <a:latin typeface="Arial" panose="020B0604020202020204"/>
-              </a:rPr>
-              <a:t>mat</a:t>
-            </a:r>
-            <a:endParaRPr lang="en-US" sz="4400" b="0" strike="noStrike" spc="-1">
-              <a:latin typeface="Arial" panose="020B0604020202020204"/>
-            </a:endParaRPr>
           </a:p>
         </p:txBody>
       </p:sp>
@@ -10190,6 +10018,7 @@
           <a:bodyPr lIns="0" tIns="0" rIns="0" bIns="0">
             <a:normAutofit/>
           </a:bodyPr>
+          <a:lstStyle/>
           <a:p>
             <a:pPr marL="431800" indent="-323850">
               <a:spcBef>
@@ -10208,9 +10037,6 @@
               </a:rPr>
               <a:t>Click to edit the outline text format</a:t>
             </a:r>
-            <a:endParaRPr lang="en-US" sz="3200" b="0" strike="noStrike" spc="-1">
-              <a:latin typeface="Arial" panose="020B0604020202020204"/>
-            </a:endParaRPr>
           </a:p>
           <a:p>
             <a:pPr marL="864235" lvl="1" indent="-323850">
@@ -10230,9 +10056,6 @@
               </a:rPr>
               <a:t>Second Outline Level</a:t>
             </a:r>
-            <a:endParaRPr lang="en-US" sz="2800" b="0" strike="noStrike" spc="-1">
-              <a:latin typeface="Arial" panose="020B0604020202020204"/>
-            </a:endParaRPr>
           </a:p>
           <a:p>
             <a:pPr marL="1296035" lvl="2" indent="-288290">
@@ -10252,9 +10075,6 @@
               </a:rPr>
               <a:t>Third Outline Level</a:t>
             </a:r>
-            <a:endParaRPr lang="en-US" sz="2400" b="0" strike="noStrike" spc="-1">
-              <a:latin typeface="Arial" panose="020B0604020202020204"/>
-            </a:endParaRPr>
           </a:p>
           <a:p>
             <a:pPr marL="1727835" lvl="3" indent="-215900">
@@ -10274,9 +10094,6 @@
               </a:rPr>
               <a:t>Fourth Outline Level</a:t>
             </a:r>
-            <a:endParaRPr lang="en-US" sz="2000" b="0" strike="noStrike" spc="-1">
-              <a:latin typeface="Arial" panose="020B0604020202020204"/>
-            </a:endParaRPr>
           </a:p>
           <a:p>
             <a:pPr marL="2160270" lvl="4" indent="-215900">
@@ -10296,9 +10113,6 @@
               </a:rPr>
               <a:t>Fifth Outline Level</a:t>
             </a:r>
-            <a:endParaRPr lang="en-US" sz="2000" b="0" strike="noStrike" spc="-1">
-              <a:latin typeface="Arial" panose="020B0604020202020204"/>
-            </a:endParaRPr>
           </a:p>
           <a:p>
             <a:pPr marL="2592070" lvl="5" indent="-215900">
@@ -10318,9 +10132,6 @@
               </a:rPr>
               <a:t>Sixth Outline Level</a:t>
             </a:r>
-            <a:endParaRPr lang="en-US" sz="2000" b="0" strike="noStrike" spc="-1">
-              <a:latin typeface="Arial" panose="020B0604020202020204"/>
-            </a:endParaRPr>
           </a:p>
           <a:p>
             <a:pPr marL="3023870" lvl="6" indent="-215900">
@@ -10340,9 +10151,6 @@
               </a:rPr>
               <a:t>Seventh Outline Level</a:t>
             </a:r>
-            <a:endParaRPr lang="en-US" sz="2000" b="0" strike="noStrike" spc="-1">
-              <a:latin typeface="Arial" panose="020B0604020202020204"/>
-            </a:endParaRPr>
           </a:p>
         </p:txBody>
       </p:sp>
@@ -10377,7 +10185,7 @@
     <p:bg>
       <p:bgPr>
         <a:blipFill rotWithShape="0">
-          <a:blip r:embed="rId1"/>
+          <a:blip r:embed="rId2"/>
           <a:stretch>
             <a:fillRect/>
           </a:stretch>
@@ -10434,6 +10242,7 @@
           <a:bodyPr lIns="90000" tIns="91440" rIns="90000" bIns="91440" anchor="b">
             <a:noAutofit/>
           </a:bodyPr>
+          <a:lstStyle/>
           <a:p>
             <a:pPr>
               <a:lnSpc>
@@ -10491,6 +10300,7 @@
           <a:bodyPr lIns="90000" tIns="91440" rIns="90000" bIns="91440">
             <a:noAutofit/>
           </a:bodyPr>
+          <a:lstStyle/>
           <a:p>
             <a:pPr>
               <a:lnSpc>
@@ -10536,7 +10346,7 @@
           <p:nvPr/>
         </p:nvPicPr>
         <p:blipFill>
-          <a:blip r:embed="rId2"/>
+          <a:blip r:embed="rId3"/>
           <a:srcRect l="6663" t="4856" r="6220" b="5494"/>
           <a:stretch>
             <a:fillRect/>
@@ -10590,6 +10400,7 @@
           <a:bodyPr lIns="90000" tIns="91440" rIns="90000" bIns="91440">
             <a:noAutofit/>
           </a:bodyPr>
+          <a:lstStyle/>
           <a:p>
             <a:pPr>
               <a:lnSpc>
@@ -10648,7 +10459,14 @@
         <p:cNvGrpSpPr/>
         <p:nvPr/>
       </p:nvGrpSpPr>
-      <p:grpSpPr/>
+      <p:grpSpPr>
+        <a:xfrm>
+          <a:off x="0" y="0"/>
+          <a:ext cx="0" cy="0"/>
+          <a:chOff x="0" y="0"/>
+          <a:chExt cx="0" cy="0"/>
+        </a:xfrm>
+      </p:grpSpPr>
       <p:sp>
         <p:nvSpPr>
           <p:cNvPr id="4" name="Title 3"/>
@@ -10662,6 +10480,7 @@
         <p:spPr/>
         <p:txBody>
           <a:bodyPr/>
+          <a:lstStyle/>
           <a:p>
             <a:pPr algn="l"/>
             <a:r>
@@ -10674,13 +10493,6 @@
               </a:rPr>
               <a:t>Functional requirements</a:t>
             </a:r>
-            <a:endParaRPr lang="en-US" dirty="0" smtClean="0">
-              <a:solidFill>
-                <a:schemeClr val="bg1"/>
-              </a:solidFill>
-              <a:latin typeface="Fira Sans Condensed Light" charset="0"/>
-              <a:cs typeface="Fira Sans Condensed Light" charset="0"/>
-            </a:endParaRPr>
           </a:p>
         </p:txBody>
       </p:sp>
@@ -10693,7 +10505,7 @@
           <p:nvPr/>
         </p:nvPicPr>
         <p:blipFill>
-          <a:blip r:embed="rId1"/>
+          <a:blip r:embed="rId2"/>
           <a:stretch>
             <a:fillRect/>
           </a:stretch>
@@ -10725,7 +10537,14 @@
         <p:cNvGrpSpPr/>
         <p:nvPr/>
       </p:nvGrpSpPr>
-      <p:grpSpPr/>
+      <p:grpSpPr>
+        <a:xfrm>
+          <a:off x="0" y="0"/>
+          <a:ext cx="0" cy="0"/>
+          <a:chOff x="0" y="0"/>
+          <a:chExt cx="0" cy="0"/>
+        </a:xfrm>
+      </p:grpSpPr>
       <p:sp>
         <p:nvSpPr>
           <p:cNvPr id="4" name="Title 3"/>
@@ -10739,6 +10558,7 @@
         <p:spPr/>
         <p:txBody>
           <a:bodyPr/>
+          <a:lstStyle/>
           <a:p>
             <a:pPr algn="l"/>
             <a:r>
@@ -10751,13 +10571,6 @@
               </a:rPr>
               <a:t>Functional requirements</a:t>
             </a:r>
-            <a:endParaRPr lang="en-US" dirty="0" smtClean="0">
-              <a:solidFill>
-                <a:schemeClr val="bg1"/>
-              </a:solidFill>
-              <a:latin typeface="Fira Sans Condensed Light" charset="0"/>
-              <a:cs typeface="Fira Sans Condensed Light" charset="0"/>
-            </a:endParaRPr>
           </a:p>
         </p:txBody>
       </p:sp>
@@ -10770,7 +10583,7 @@
           <p:nvPr/>
         </p:nvPicPr>
         <p:blipFill>
-          <a:blip r:embed="rId1"/>
+          <a:blip r:embed="rId2"/>
           <a:stretch>
             <a:fillRect/>
           </a:stretch>
@@ -10805,6 +10618,7 @@
           <a:bodyPr wrap="square" rtlCol="0">
             <a:spAutoFit/>
           </a:bodyPr>
+          <a:lstStyle/>
           <a:p>
             <a:endParaRPr lang="en-US"/>
           </a:p>
@@ -10827,7 +10641,14 @@
         <p:cNvGrpSpPr/>
         <p:nvPr/>
       </p:nvGrpSpPr>
-      <p:grpSpPr/>
+      <p:grpSpPr>
+        <a:xfrm>
+          <a:off x="0" y="0"/>
+          <a:ext cx="0" cy="0"/>
+          <a:chOff x="0" y="0"/>
+          <a:chExt cx="0" cy="0"/>
+        </a:xfrm>
+      </p:grpSpPr>
       <p:pic>
         <p:nvPicPr>
           <p:cNvPr id="6" name="Picture 5" descr="database"/>
@@ -10837,7 +10658,7 @@
           <p:nvPr/>
         </p:nvPicPr>
         <p:blipFill>
-          <a:blip r:embed="rId1"/>
+          <a:blip r:embed="rId2"/>
           <a:stretch>
             <a:fillRect/>
           </a:stretch>
@@ -10865,6 +10686,7 @@
         <p:spPr/>
         <p:txBody>
           <a:bodyPr/>
+          <a:lstStyle/>
           <a:p>
             <a:pPr algn="l"/>
             <a:r>
@@ -10877,13 +10699,6 @@
               </a:rPr>
               <a:t>Functional requirements</a:t>
             </a:r>
-            <a:endParaRPr lang="en-US" dirty="0" smtClean="0">
-              <a:solidFill>
-                <a:schemeClr val="bg1"/>
-              </a:solidFill>
-              <a:latin typeface="Fira Sans Condensed Light" charset="0"/>
-              <a:cs typeface="Fira Sans Condensed Light" charset="0"/>
-            </a:endParaRPr>
           </a:p>
         </p:txBody>
       </p:sp>
@@ -10904,7 +10719,14 @@
         <p:cNvGrpSpPr/>
         <p:nvPr/>
       </p:nvGrpSpPr>
-      <p:grpSpPr/>
+      <p:grpSpPr>
+        <a:xfrm>
+          <a:off x="0" y="0"/>
+          <a:ext cx="0" cy="0"/>
+          <a:chOff x="0" y="0"/>
+          <a:chExt cx="0" cy="0"/>
+        </a:xfrm>
+      </p:grpSpPr>
       <p:sp>
         <p:nvSpPr>
           <p:cNvPr id="4" name="Title 3"/>
@@ -10918,6 +10740,7 @@
         <p:spPr/>
         <p:txBody>
           <a:bodyPr/>
+          <a:lstStyle/>
           <a:p>
             <a:pPr algn="l"/>
             <a:r>
@@ -10930,13 +10753,6 @@
               </a:rPr>
               <a:t>Functional requirements</a:t>
             </a:r>
-            <a:endParaRPr lang="en-US" dirty="0" smtClean="0">
-              <a:solidFill>
-                <a:schemeClr val="bg1"/>
-              </a:solidFill>
-              <a:latin typeface="Fira Sans Condensed Light" charset="0"/>
-              <a:cs typeface="Fira Sans Condensed Light" charset="0"/>
-            </a:endParaRPr>
           </a:p>
         </p:txBody>
       </p:sp>
@@ -10949,7 +10765,7 @@
           <p:nvPr/>
         </p:nvPicPr>
         <p:blipFill>
-          <a:blip r:embed="rId1"/>
+          <a:blip r:embed="rId2"/>
           <a:stretch>
             <a:fillRect/>
           </a:stretch>
@@ -10981,7 +10797,14 @@
         <p:cNvGrpSpPr/>
         <p:nvPr/>
       </p:nvGrpSpPr>
-      <p:grpSpPr/>
+      <p:grpSpPr>
+        <a:xfrm>
+          <a:off x="0" y="0"/>
+          <a:ext cx="0" cy="0"/>
+          <a:chOff x="0" y="0"/>
+          <a:chExt cx="0" cy="0"/>
+        </a:xfrm>
+      </p:grpSpPr>
       <p:sp>
         <p:nvSpPr>
           <p:cNvPr id="2" name="Title 1"/>
@@ -10995,6 +10818,7 @@
         <p:spPr/>
         <p:txBody>
           <a:bodyPr/>
+          <a:lstStyle/>
           <a:p>
             <a:r>
               <a:rPr lang="en-US" dirty="0" smtClean="0">
@@ -11006,6 +10830,16 @@
                 <a:sym typeface="+mn-ea"/>
               </a:rPr>
               <a:t>Functional requirements</a:t>
+            </a:r>
+            <a:r>
+              <a:rPr lang="en-US" dirty="0" smtClean="0">
+                <a:solidFill>
+                  <a:schemeClr val="bg1"/>
+                </a:solidFill>
+                <a:latin typeface="Fira Sans Condensed Light" charset="0"/>
+                <a:cs typeface="Fira Sans Condensed Light" charset="0"/>
+              </a:rPr>
+              <a:t/>
             </a:r>
             <a:br>
               <a:rPr lang="en-US" dirty="0" smtClean="0">
@@ -11059,6 +10893,7 @@
           <a:bodyPr lIns="234000" tIns="234000" rIns="234000" bIns="91440">
             <a:noAutofit/>
           </a:bodyPr>
+          <a:lstStyle/>
           <a:p>
             <a:pPr marL="171450" indent="-171450">
               <a:buFont typeface="Arial" panose="020B0604020202020204" pitchFamily="34" charset="0"/>
@@ -11323,7 +11158,14 @@
         <p:cNvGrpSpPr/>
         <p:nvPr/>
       </p:nvGrpSpPr>
-      <p:grpSpPr/>
+      <p:grpSpPr>
+        <a:xfrm>
+          <a:off x="0" y="0"/>
+          <a:ext cx="0" cy="0"/>
+          <a:chOff x="0" y="0"/>
+          <a:chExt cx="0" cy="0"/>
+        </a:xfrm>
+      </p:grpSpPr>
       <p:sp>
         <p:nvSpPr>
           <p:cNvPr id="4" name="Title 1"/>
@@ -11359,6 +11201,16 @@
                 <a:sym typeface="+mn-ea"/>
               </a:rPr>
               <a:t>Functional requirements</a:t>
+            </a:r>
+            <a:r>
+              <a:rPr lang="en-US" dirty="0" smtClean="0">
+                <a:solidFill>
+                  <a:schemeClr val="bg1"/>
+                </a:solidFill>
+                <a:latin typeface="Fira Sans Condensed Light" charset="0"/>
+                <a:cs typeface="Fira Sans Condensed Light" charset="0"/>
+              </a:rPr>
+              <a:t/>
             </a:r>
             <a:br>
               <a:rPr lang="en-US" dirty="0" smtClean="0">
@@ -11412,6 +11264,7 @@
           <a:bodyPr lIns="234000" tIns="234000" rIns="234000" bIns="91440">
             <a:noAutofit/>
           </a:bodyPr>
+          <a:lstStyle/>
           <a:p>
             <a:pPr marL="285750" indent="-285750">
               <a:buFont typeface="Arial" panose="020B0604020202020204" pitchFamily="34" charset="0"/>
@@ -11566,6 +11419,7 @@
           <a:bodyPr lIns="90000" tIns="91440" rIns="90000" bIns="91440" anchor="ctr">
             <a:noAutofit/>
           </a:bodyPr>
+          <a:lstStyle/>
           <a:p>
             <a:pPr>
               <a:lnSpc>
@@ -11621,7 +11475,7 @@
           <p:nvPr/>
         </p:nvPicPr>
         <p:blipFill>
-          <a:blip r:embed="rId1"/>
+          <a:blip r:embed="rId2"/>
           <a:stretch>
             <a:fillRect/>
           </a:stretch>
@@ -11674,6 +11528,7 @@
           <a:bodyPr lIns="90000" tIns="45000" rIns="90000" bIns="45000">
             <a:spAutoFit/>
           </a:bodyPr>
+          <a:lstStyle/>
           <a:p>
             <a:pPr>
               <a:lnSpc>
@@ -11759,6 +11614,7 @@
           <a:bodyPr lIns="90000" tIns="91440" rIns="90000" bIns="91440" anchor="ctr">
             <a:noAutofit/>
           </a:bodyPr>
+          <a:lstStyle/>
           <a:p>
             <a:pPr>
               <a:lnSpc>
@@ -11791,7 +11647,7 @@
           <p:nvPr/>
         </p:nvPicPr>
         <p:blipFill>
-          <a:blip r:embed="rId1"/>
+          <a:blip r:embed="rId2"/>
           <a:stretch>
             <a:fillRect/>
           </a:stretch>
@@ -11848,6 +11704,7 @@
           <a:bodyPr lIns="234000" tIns="234000" rIns="234000" bIns="91440">
             <a:noAutofit/>
           </a:bodyPr>
+          <a:lstStyle/>
           <a:p>
             <a:pPr marL="153035">
               <a:lnSpc>
@@ -11905,6 +11762,7 @@
           <a:bodyPr lIns="90000" tIns="45000" rIns="90000" bIns="45000">
             <a:spAutoFit/>
           </a:bodyPr>
+          <a:lstStyle/>
           <a:p>
             <a:pPr>
               <a:lnSpc>
@@ -11990,6 +11848,7 @@
           <a:bodyPr lIns="0" tIns="0" rIns="0" bIns="0" anchor="ctr">
             <a:noAutofit/>
           </a:bodyPr>
+          <a:lstStyle/>
           <a:p>
             <a:pPr>
               <a:lnSpc>
@@ -12060,6 +11919,7 @@
           <a:bodyPr lIns="234000" tIns="234000" rIns="234000" bIns="91440">
             <a:noAutofit/>
           </a:bodyPr>
+          <a:lstStyle/>
           <a:p>
             <a:pPr marL="153035">
               <a:lnSpc>
@@ -12089,7 +11949,7 @@
           <p:nvPr/>
         </p:nvPicPr>
         <p:blipFill>
-          <a:blip r:embed="rId1"/>
+          <a:blip r:embed="rId2"/>
           <a:stretch>
             <a:fillRect/>
           </a:stretch>
@@ -12142,6 +12002,7 @@
           <a:bodyPr lIns="90000" tIns="45000" rIns="90000" bIns="45000">
             <a:spAutoFit/>
           </a:bodyPr>
+          <a:lstStyle/>
           <a:p>
             <a:pPr>
               <a:lnSpc>
@@ -12181,7 +12042,7 @@
     <p:bg>
       <p:bgPr>
         <a:blipFill rotWithShape="0">
-          <a:blip r:embed="rId1"/>
+          <a:blip r:embed="rId2"/>
           <a:stretch>
             <a:fillRect/>
           </a:stretch>
@@ -12238,6 +12099,7 @@
           <a:bodyPr lIns="90000" tIns="91440" rIns="90000" bIns="91440">
             <a:noAutofit/>
           </a:bodyPr>
+          <a:lstStyle/>
           <a:p>
             <a:pPr>
               <a:lnSpc>
@@ -12257,13 +12119,6 @@
               </a:rPr>
               <a:t>TIME PLAN</a:t>
             </a:r>
-            <a:endParaRPr lang="en-GB" sz="2200" b="1" strike="noStrike" spc="-1">
-              <a:solidFill>
-                <a:schemeClr val="bg1"/>
-              </a:solidFill>
-              <a:latin typeface="Rajdhani"/>
-              <a:ea typeface="Rajdhani"/>
-            </a:endParaRPr>
           </a:p>
         </p:txBody>
       </p:sp>
@@ -12353,6 +12208,7 @@
           <a:bodyPr lIns="90000" tIns="91440" rIns="90000" bIns="91440" anchor="ctr">
             <a:noAutofit/>
           </a:bodyPr>
+          <a:lstStyle/>
           <a:p>
             <a:pPr algn="r">
               <a:lnSpc>
@@ -12369,13 +12225,6 @@
               </a:rPr>
               <a:t>Whole genome processing from the sources we gathered</a:t>
             </a:r>
-            <a:endParaRPr lang="en-US" sz="1400" b="0" strike="noStrike" spc="-1">
-              <a:solidFill>
-                <a:schemeClr val="bg1"/>
-              </a:solidFill>
-              <a:latin typeface="Fira Sans Condensed Light"/>
-              <a:ea typeface="Fira Sans Condensed Light"/>
-            </a:endParaRPr>
           </a:p>
         </p:txBody>
       </p:sp>
@@ -12414,6 +12263,7 @@
           <a:bodyPr lIns="90000" tIns="91440" rIns="90000" bIns="91440" anchor="ctr">
             <a:noAutofit/>
           </a:bodyPr>
+          <a:lstStyle/>
           <a:p>
             <a:pPr algn="ctr">
               <a:lnSpc>
@@ -12450,13 +12300,6 @@
               </a:rPr>
               <a:t>January</a:t>
             </a:r>
-            <a:endParaRPr lang="en-US" sz="1800" b="1" strike="noStrike" spc="-1">
-              <a:solidFill>
-                <a:schemeClr val="bg1"/>
-              </a:solidFill>
-              <a:latin typeface="Rajdhani"/>
-              <a:ea typeface="Rajdhani"/>
-            </a:endParaRPr>
           </a:p>
         </p:txBody>
       </p:sp>
@@ -12495,6 +12338,7 @@
           <a:bodyPr lIns="90000" tIns="91440" rIns="90000" bIns="91440">
             <a:noAutofit/>
           </a:bodyPr>
+          <a:lstStyle/>
           <a:p>
             <a:pPr>
               <a:lnSpc>
@@ -12511,13 +12355,6 @@
               </a:rPr>
               <a:t>Potentially add Whole genome in our system based on the information we gathered</a:t>
             </a:r>
-            <a:endParaRPr lang="en-US" sz="1400" b="0" strike="noStrike" spc="-1">
-              <a:solidFill>
-                <a:schemeClr val="bg1"/>
-              </a:solidFill>
-              <a:latin typeface="Fira Sans Condensed Light"/>
-              <a:ea typeface="Fira Sans Condensed Light"/>
-            </a:endParaRPr>
           </a:p>
         </p:txBody>
       </p:sp>
@@ -12556,6 +12393,7 @@
           <a:bodyPr lIns="90000" tIns="91440" rIns="90000" bIns="91440" anchor="ctr">
             <a:noAutofit/>
           </a:bodyPr>
+          <a:lstStyle/>
           <a:p>
             <a:pPr>
               <a:lnSpc>
@@ -12575,13 +12413,6 @@
               </a:rPr>
               <a:t>Implement at least 60 % of the GUI application and mobile application</a:t>
             </a:r>
-            <a:endParaRPr lang="en-US" sz="1400" b="0" strike="noStrike" spc="-1">
-              <a:solidFill>
-                <a:schemeClr val="bg1"/>
-              </a:solidFill>
-              <a:latin typeface="Fira Sans Condensed Light"/>
-              <a:ea typeface="Fira Sans Condensed Light"/>
-            </a:endParaRPr>
           </a:p>
         </p:txBody>
       </p:sp>
@@ -12620,6 +12451,7 @@
           <a:bodyPr lIns="90000" tIns="91440" rIns="90000" bIns="91440" anchor="ctr">
             <a:noAutofit/>
           </a:bodyPr>
+          <a:lstStyle/>
           <a:p>
             <a:pPr>
               <a:lnSpc>
@@ -12636,13 +12468,6 @@
               </a:rPr>
               <a:t>Prove that if is at least a relevance or kinship degree </a:t>
             </a:r>
-            <a:endParaRPr lang="en-US" sz="1400" b="0" strike="noStrike" spc="-1">
-              <a:solidFill>
-                <a:schemeClr val="bg1"/>
-              </a:solidFill>
-              <a:latin typeface="Fira Sans Condensed Light"/>
-              <a:ea typeface="Fira Sans Condensed Light"/>
-            </a:endParaRPr>
           </a:p>
         </p:txBody>
       </p:sp>
@@ -12681,6 +12506,7 @@
           <a:bodyPr lIns="90000" tIns="91440" rIns="90000" bIns="91440" anchor="ctr">
             <a:noAutofit/>
           </a:bodyPr>
+          <a:lstStyle/>
           <a:p>
             <a:pPr algn="ctr">
               <a:lnSpc>
@@ -12707,13 +12533,6 @@
               </a:rPr>
               <a:t>February</a:t>
             </a:r>
-            <a:endParaRPr lang="en-US" sz="1800" b="1" strike="noStrike" spc="-1">
-              <a:solidFill>
-                <a:schemeClr val="bg1"/>
-              </a:solidFill>
-              <a:latin typeface="Rajdhani"/>
-              <a:ea typeface="Rajdhani"/>
-            </a:endParaRPr>
           </a:p>
         </p:txBody>
       </p:sp>
@@ -12752,6 +12571,7 @@
           <a:bodyPr lIns="90000" tIns="91440" rIns="90000" bIns="91440" anchor="ctr">
             <a:noAutofit/>
           </a:bodyPr>
+          <a:lstStyle/>
           <a:p>
             <a:pPr algn="ctr">
               <a:lnSpc>
@@ -12781,13 +12601,6 @@
               </a:rPr>
               <a:t>efore the end of Februrary </a:t>
             </a:r>
-            <a:endParaRPr lang="en-GB" sz="1800" b="1" strike="noStrike" spc="-1">
-              <a:solidFill>
-                <a:schemeClr val="bg1"/>
-              </a:solidFill>
-              <a:latin typeface="Rajdhani"/>
-              <a:ea typeface="Rajdhani"/>
-            </a:endParaRPr>
           </a:p>
         </p:txBody>
       </p:sp>
@@ -12826,6 +12639,7 @@
           <a:bodyPr lIns="90000" tIns="91440" rIns="90000" bIns="91440" anchor="ctr">
             <a:noAutofit/>
           </a:bodyPr>
+          <a:lstStyle/>
           <a:p>
             <a:pPr algn="ctr">
               <a:lnSpc>
@@ -12842,13 +12656,6 @@
               </a:rPr>
               <a:t>Start by the end of February</a:t>
             </a:r>
-            <a:endParaRPr lang="en-US" sz="1800" b="1" strike="noStrike" spc="-1">
-              <a:solidFill>
-                <a:schemeClr val="bg1"/>
-              </a:solidFill>
-              <a:latin typeface="Rajdhani"/>
-              <a:ea typeface="Rajdhani"/>
-            </a:endParaRPr>
           </a:p>
         </p:txBody>
       </p:sp>
@@ -13083,6 +12890,7 @@
           <a:bodyPr lIns="90000" tIns="91440" rIns="90000" bIns="91440" anchor="ctr">
             <a:noAutofit/>
           </a:bodyPr>
+          <a:lstStyle/>
           <a:p>
             <a:pPr algn="ctr">
               <a:lnSpc>
@@ -13099,13 +12907,6 @@
               </a:rPr>
               <a:t>13/1/2022</a:t>
             </a:r>
-            <a:endParaRPr lang="en-US" sz="1600" b="1" strike="noStrike" spc="-1">
-              <a:solidFill>
-                <a:schemeClr val="bg1"/>
-              </a:solidFill>
-              <a:latin typeface="Rajdhani"/>
-              <a:ea typeface="Rajdhani"/>
-            </a:endParaRPr>
           </a:p>
         </p:txBody>
       </p:sp>
@@ -13144,6 +12945,7 @@
           <a:bodyPr lIns="90000" tIns="91440" rIns="90000" bIns="91440" anchor="ctr">
             <a:noAutofit/>
           </a:bodyPr>
+          <a:lstStyle/>
           <a:p>
             <a:pPr>
               <a:lnSpc>
@@ -13160,13 +12962,6 @@
               </a:rPr>
               <a:t>Enhance everything we implemented so far</a:t>
             </a:r>
-            <a:endParaRPr lang="en-US" sz="1400" b="0" strike="noStrike" spc="-1">
-              <a:solidFill>
-                <a:schemeClr val="bg1"/>
-              </a:solidFill>
-              <a:latin typeface="Fira Sans Condensed Light"/>
-              <a:ea typeface="Fira Sans Condensed Light"/>
-            </a:endParaRPr>
           </a:p>
         </p:txBody>
       </p:sp>
@@ -13254,6 +13049,7 @@
           <a:bodyPr lIns="90000" tIns="45000" rIns="90000" bIns="45000">
             <a:spAutoFit/>
           </a:bodyPr>
+          <a:lstStyle/>
           <a:p>
             <a:pPr>
               <a:lnSpc>
@@ -13270,13 +13066,6 @@
               </a:rPr>
               <a:t>18</a:t>
             </a:r>
-            <a:endParaRPr lang="en-US" sz="1800" b="0" strike="noStrike" spc="-1">
-              <a:solidFill>
-                <a:schemeClr val="bg1"/>
-              </a:solidFill>
-              <a:latin typeface="Arial" panose="020B0604020202020204"/>
-              <a:ea typeface="DejaVu Sans"/>
-            </a:endParaRPr>
           </a:p>
         </p:txBody>
       </p:sp>
@@ -13297,7 +13086,7 @@
     <p:bg>
       <p:bgPr>
         <a:blipFill rotWithShape="0">
-          <a:blip r:embed="rId1"/>
+          <a:blip r:embed="rId2"/>
           <a:stretch>
             <a:fillRect/>
           </a:stretch>
@@ -13354,6 +13143,7 @@
           <a:bodyPr lIns="90000" tIns="91440" rIns="90000" bIns="91440">
             <a:noAutofit/>
           </a:bodyPr>
+          <a:lstStyle/>
           <a:p>
             <a:pPr algn="ctr">
               <a:lnSpc>
@@ -13374,27 +13164,19 @@
               </a:rPr>
               <a:t>Agenda</a:t>
             </a:r>
-            <a:endParaRPr lang="en-GB" sz="3000" b="1" strike="noStrike" spc="-1">
-              <a:solidFill>
-                <a:srgbClr val="F3F3F3"/>
-              </a:solidFill>
-              <a:latin typeface="Arial" panose="020B0604020202020204" pitchFamily="34" charset="0"/>
-              <a:ea typeface="Rajdhani"/>
-              <a:cs typeface="Arial" panose="020B0604020202020204" pitchFamily="34" charset="0"/>
-            </a:endParaRPr>
-          </a:p>
-        </p:txBody>
-      </p:sp>
-      <p:sp>
-        <p:nvSpPr>
-          <p:cNvPr id="271" name="CustomShape 2"/>
+          </a:p>
+        </p:txBody>
+      </p:sp>
+      <p:sp>
+        <p:nvSpPr>
+          <p:cNvPr id="4" name="CustomShape 2"/>
           <p:cNvSpPr/>
           <p:nvPr/>
         </p:nvSpPr>
         <p:spPr>
           <a:xfrm>
-            <a:off x="251460" y="699135"/>
-            <a:ext cx="6955790" cy="4431030"/>
+            <a:off x="720635" y="1211945"/>
+            <a:ext cx="7003274" cy="2764309"/>
           </a:xfrm>
           <a:prstGeom prst="rect">
             <a:avLst/>
@@ -13424,335 +13206,168 @@
           <a:bodyPr lIns="234000" tIns="234000" rIns="234000" bIns="91440">
             <a:noAutofit/>
           </a:bodyPr>
-          <a:p>
-            <a:pPr lvl="0" indent="0">
+          <a:lstStyle/>
+          <a:p>
+            <a:pPr marL="285750" indent="-285750">
               <a:lnSpc>
                 <a:spcPct val="100000"/>
               </a:lnSpc>
-              <a:spcBef>
-                <a:spcPts val="1600"/>
-              </a:spcBef>
-              <a:spcAft>
-                <a:spcPts val="1600"/>
-              </a:spcAft>
-              <a:buNone/>
-              <a:tabLst>
-                <a:tab pos="0" algn="l"/>
-              </a:tabLst>
+              <a:buFont typeface="Arial" panose="020B0604020202020204" pitchFamily="34" charset="0"/>
+              <a:buChar char="•"/>
             </a:pPr>
             <a:r>
-              <a:rPr lang="en-US" sz="1200" dirty="0" smtClean="0">
+              <a:rPr lang="en-US" sz="1400" spc="-1" dirty="0" smtClean="0">
                 <a:solidFill>
                   <a:schemeClr val="bg1"/>
                 </a:solidFill>
-                <a:latin typeface="Fira Sans Condensed Light" charset="0"/>
-                <a:cs typeface="Fira Sans Condensed Light" charset="0"/>
-                <a:sym typeface="+mn-ea"/>
+                <a:latin typeface="Arial" panose="020B0604020202020204"/>
               </a:rPr>
-              <a:t>- Introduction                                                              - Data desgin (Database&amp;dataset)</a:t>
+              <a:t>Introduction</a:t>
             </a:r>
-            <a:br>
-              <a:rPr lang="en-US" sz="1200" dirty="0" smtClean="0">
+          </a:p>
+          <a:p>
+            <a:pPr marL="285750" indent="-285750">
+              <a:lnSpc>
+                <a:spcPct val="100000"/>
+              </a:lnSpc>
+              <a:buFont typeface="Arial" panose="020B0604020202020204" pitchFamily="34" charset="0"/>
+              <a:buChar char="•"/>
+            </a:pPr>
+            <a:r>
+              <a:rPr lang="en-US" sz="1400" b="0" strike="noStrike" spc="-1" dirty="0" smtClean="0">
                 <a:solidFill>
                   <a:schemeClr val="bg1"/>
                 </a:solidFill>
-                <a:latin typeface="Fira Sans Condensed Light" charset="0"/>
-                <a:cs typeface="Fira Sans Condensed Light" charset="0"/>
-                <a:sym typeface="+mn-ea"/>
+                <a:latin typeface="Arial" panose="020B0604020202020204"/>
               </a:rPr>
-            </a:br>
-            <a:endParaRPr lang="en-US" sz="1200" dirty="0" smtClean="0">
-              <a:solidFill>
-                <a:schemeClr val="bg1"/>
-              </a:solidFill>
-              <a:latin typeface="Fira Sans Condensed Light" charset="0"/>
-              <a:cs typeface="Fira Sans Condensed Light" charset="0"/>
-              <a:sym typeface="+mn-ea"/>
-            </a:endParaRPr>
-          </a:p>
-          <a:p>
-            <a:pPr lvl="0" indent="0">
+              <a:t>Problem Statement</a:t>
+            </a:r>
+          </a:p>
+          <a:p>
+            <a:pPr marL="285750" indent="-285750">
               <a:lnSpc>
                 <a:spcPct val="100000"/>
               </a:lnSpc>
-              <a:spcBef>
-                <a:spcPts val="1600"/>
-              </a:spcBef>
-              <a:spcAft>
-                <a:spcPts val="1600"/>
-              </a:spcAft>
-              <a:buNone/>
-              <a:tabLst>
-                <a:tab pos="0" algn="l"/>
-              </a:tabLst>
+              <a:buFont typeface="Arial" panose="020B0604020202020204" pitchFamily="34" charset="0"/>
+              <a:buChar char="•"/>
             </a:pPr>
             <a:r>
-              <a:rPr lang="en-US" sz="1200" dirty="0" smtClean="0">
+              <a:rPr lang="en-US" sz="1400" spc="-1" dirty="0" smtClean="0">
                 <a:solidFill>
                   <a:schemeClr val="bg1"/>
                 </a:solidFill>
-                <a:latin typeface="Fira Sans Condensed Light" charset="0"/>
-                <a:cs typeface="Fira Sans Condensed Light" charset="0"/>
-                <a:sym typeface="+mn-ea"/>
+                <a:latin typeface="Arial" panose="020B0604020202020204"/>
               </a:rPr>
-              <a:t>- Problem </a:t>
+              <a:t>Objectives</a:t>
             </a:r>
+          </a:p>
+          <a:p>
+            <a:pPr marL="285750" indent="-285750">
+              <a:lnSpc>
+                <a:spcPct val="100000"/>
+              </a:lnSpc>
+              <a:buFont typeface="Arial" panose="020B0604020202020204" pitchFamily="34" charset="0"/>
+              <a:buChar char="•"/>
+            </a:pPr>
             <a:r>
-              <a:rPr lang="en-US" sz="1200" dirty="0">
+              <a:rPr lang="en-US" sz="1400" b="0" strike="noStrike" spc="-1" dirty="0" smtClean="0">
                 <a:solidFill>
                   <a:schemeClr val="bg1"/>
                 </a:solidFill>
-                <a:latin typeface="Fira Sans Condensed Light" charset="0"/>
-                <a:cs typeface="Fira Sans Condensed Light" charset="0"/>
-                <a:sym typeface="+mn-ea"/>
+                <a:latin typeface="Arial" panose="020B0604020202020204"/>
               </a:rPr>
-              <a:t>S</a:t>
+              <a:t>System Overview</a:t>
             </a:r>
+          </a:p>
+          <a:p>
+            <a:pPr marL="285750" indent="-285750">
+              <a:lnSpc>
+                <a:spcPct val="100000"/>
+              </a:lnSpc>
+              <a:buFont typeface="Arial" panose="020B0604020202020204" pitchFamily="34" charset="0"/>
+              <a:buChar char="•"/>
+            </a:pPr>
             <a:r>
-              <a:rPr lang="en-US" sz="1200" dirty="0" smtClean="0">
+              <a:rPr lang="en-US" sz="1400" spc="-1" dirty="0" smtClean="0">
                 <a:solidFill>
                   <a:schemeClr val="bg1"/>
                 </a:solidFill>
-                <a:latin typeface="Fira Sans Condensed Light" charset="0"/>
-                <a:cs typeface="Fira Sans Condensed Light" charset="0"/>
-                <a:sym typeface="+mn-ea"/>
+                <a:latin typeface="Arial" panose="020B0604020202020204"/>
               </a:rPr>
-              <a:t>tatement                                                   - live demo</a:t>
+              <a:t>Use Cases</a:t>
             </a:r>
-            <a:endParaRPr lang="en-US" sz="1200" dirty="0" smtClean="0">
-              <a:solidFill>
-                <a:schemeClr val="bg1"/>
-              </a:solidFill>
-              <a:latin typeface="Fira Sans Condensed Light" charset="0"/>
-              <a:cs typeface="Fira Sans Condensed Light" charset="0"/>
-            </a:endParaRPr>
-          </a:p>
-          <a:p>
-            <a:pPr lvl="0" indent="0">
+          </a:p>
+          <a:p>
+            <a:pPr marL="285750" indent="-285750">
               <a:lnSpc>
                 <a:spcPct val="100000"/>
               </a:lnSpc>
-              <a:spcBef>
-                <a:spcPts val="1600"/>
-              </a:spcBef>
-              <a:spcAft>
-                <a:spcPts val="1600"/>
-              </a:spcAft>
-              <a:buNone/>
-              <a:tabLst>
-                <a:tab pos="0" algn="l"/>
-              </a:tabLst>
+              <a:buFont typeface="Arial" panose="020B0604020202020204" pitchFamily="34" charset="0"/>
+              <a:buChar char="•"/>
             </a:pPr>
             <a:r>
-              <a:rPr lang="en-US" sz="1200" dirty="0" smtClean="0">
+              <a:rPr lang="en-US" sz="1400" b="0" strike="noStrike" spc="-1" dirty="0" smtClean="0">
                 <a:solidFill>
                   <a:schemeClr val="bg1"/>
                 </a:solidFill>
-                <a:latin typeface="Fira Sans Condensed Light" charset="0"/>
-                <a:cs typeface="Fira Sans Condensed Light" charset="0"/>
-                <a:sym typeface="+mn-ea"/>
+                <a:latin typeface="Arial" panose="020B0604020202020204"/>
               </a:rPr>
-              <a:t>- Our Objectives</a:t>
+              <a:t>Functional &amp; Non functional Requirements </a:t>
             </a:r>
-            <a:endParaRPr lang="en-US" sz="1200" dirty="0" smtClean="0">
-              <a:solidFill>
-                <a:schemeClr val="bg1"/>
-              </a:solidFill>
-              <a:latin typeface="Fira Sans Condensed Light" charset="0"/>
-              <a:cs typeface="Fira Sans Condensed Light" charset="0"/>
-            </a:endParaRPr>
-          </a:p>
-          <a:p>
-            <a:pPr lvl="0" indent="0">
+          </a:p>
+          <a:p>
+            <a:pPr marL="285750" indent="-285750">
               <a:lnSpc>
                 <a:spcPct val="100000"/>
               </a:lnSpc>
-              <a:spcBef>
-                <a:spcPts val="1600"/>
-              </a:spcBef>
-              <a:spcAft>
-                <a:spcPts val="1600"/>
-              </a:spcAft>
-              <a:buNone/>
-              <a:tabLst>
-                <a:tab pos="0" algn="l"/>
-              </a:tabLst>
+              <a:buFont typeface="Arial" panose="020B0604020202020204" pitchFamily="34" charset="0"/>
+              <a:buChar char="•"/>
             </a:pPr>
             <a:r>
-              <a:rPr lang="en-US" sz="1200" dirty="0" smtClean="0">
+              <a:rPr lang="en-US" sz="1400" spc="-1" dirty="0" smtClean="0">
                 <a:solidFill>
                   <a:schemeClr val="bg1"/>
                 </a:solidFill>
-                <a:latin typeface="Fira Sans Condensed Light" charset="0"/>
-                <a:cs typeface="Fira Sans Condensed Light" charset="0"/>
-                <a:sym typeface="+mn-ea"/>
+                <a:latin typeface="Arial" panose="020B0604020202020204"/>
               </a:rPr>
-              <a:t>- System Overview </a:t>
+              <a:t>Class Diagram</a:t>
             </a:r>
-            <a:endParaRPr lang="en-US" sz="1200" dirty="0" smtClean="0">
-              <a:solidFill>
-                <a:schemeClr val="bg1"/>
-              </a:solidFill>
-              <a:latin typeface="Fira Sans Condensed Light" charset="0"/>
-              <a:cs typeface="Fira Sans Condensed Light" charset="0"/>
-              <a:sym typeface="+mn-ea"/>
-            </a:endParaRPr>
-          </a:p>
-          <a:p>
-            <a:pPr lvl="0" indent="0">
+          </a:p>
+          <a:p>
+            <a:pPr marL="285750" indent="-285750">
               <a:lnSpc>
                 <a:spcPct val="100000"/>
               </a:lnSpc>
-              <a:spcBef>
-                <a:spcPts val="1600"/>
-              </a:spcBef>
-              <a:spcAft>
-                <a:spcPts val="1600"/>
-              </a:spcAft>
-              <a:buNone/>
-              <a:tabLst>
-                <a:tab pos="0" algn="l"/>
-              </a:tabLst>
+              <a:buFont typeface="Arial" panose="020B0604020202020204" pitchFamily="34" charset="0"/>
+              <a:buChar char="•"/>
             </a:pPr>
             <a:r>
-              <a:rPr lang="en-US" sz="1200" dirty="0" smtClean="0">
+              <a:rPr lang="en-US" sz="1400" spc="-1" dirty="0" smtClean="0">
                 <a:solidFill>
                   <a:schemeClr val="bg1"/>
                 </a:solidFill>
-                <a:latin typeface="Fira Sans Condensed Light" charset="0"/>
-                <a:cs typeface="Fira Sans Condensed Light" charset="0"/>
-                <a:sym typeface="+mn-ea"/>
+                <a:latin typeface="Arial" panose="020B0604020202020204"/>
               </a:rPr>
-              <a:t>- Use-case Diagram</a:t>
+              <a:t>Data design (Database &amp; Dataset)</a:t>
             </a:r>
-            <a:endParaRPr lang="en-US" sz="1200" dirty="0" smtClean="0">
-              <a:solidFill>
-                <a:schemeClr val="bg1"/>
-              </a:solidFill>
-              <a:latin typeface="Fira Sans Condensed Light" charset="0"/>
-              <a:cs typeface="Fira Sans Condensed Light" charset="0"/>
-            </a:endParaRPr>
-          </a:p>
-          <a:p>
-            <a:pPr lvl="0" indent="0">
+          </a:p>
+          <a:p>
+            <a:pPr marL="285750" indent="-285750">
               <a:lnSpc>
                 <a:spcPct val="100000"/>
               </a:lnSpc>
-              <a:spcBef>
-                <a:spcPts val="1600"/>
-              </a:spcBef>
-              <a:spcAft>
-                <a:spcPts val="1600"/>
-              </a:spcAft>
-              <a:buNone/>
-              <a:tabLst>
-                <a:tab pos="0" algn="l"/>
-              </a:tabLst>
+              <a:buFont typeface="Arial" panose="020B0604020202020204" pitchFamily="34" charset="0"/>
+              <a:buChar char="•"/>
             </a:pPr>
             <a:r>
-              <a:rPr lang="en-US" sz="1200" dirty="0" smtClean="0">
+              <a:rPr lang="en-US" sz="1400" spc="-1" dirty="0" smtClean="0">
                 <a:solidFill>
                   <a:schemeClr val="bg1"/>
                 </a:solidFill>
-                <a:latin typeface="Fira Sans Condensed Light" charset="0"/>
-                <a:cs typeface="Fira Sans Condensed Light" charset="0"/>
-                <a:sym typeface="+mn-ea"/>
+                <a:latin typeface="Arial" panose="020B0604020202020204"/>
               </a:rPr>
-              <a:t>- Functional &amp; Non-Functional Requirements</a:t>
+              <a:t>Live Demo`</a:t>
             </a:r>
-            <a:endParaRPr lang="en-US" sz="1200" dirty="0" smtClean="0">
-              <a:solidFill>
-                <a:schemeClr val="bg1"/>
-              </a:solidFill>
-              <a:latin typeface="Fira Sans Condensed Light" charset="0"/>
-              <a:cs typeface="Fira Sans Condensed Light" charset="0"/>
-              <a:sym typeface="+mn-ea"/>
-            </a:endParaRPr>
-          </a:p>
-          <a:p>
-            <a:pPr lvl="0" indent="0">
-              <a:lnSpc>
-                <a:spcPct val="100000"/>
-              </a:lnSpc>
-              <a:spcBef>
-                <a:spcPts val="1600"/>
-              </a:spcBef>
-              <a:spcAft>
-                <a:spcPts val="1600"/>
-              </a:spcAft>
-              <a:buNone/>
-              <a:tabLst>
-                <a:tab pos="0" algn="l"/>
-              </a:tabLst>
-            </a:pPr>
-            <a:r>
-              <a:rPr lang="en-US" sz="1200" dirty="0" smtClean="0">
-                <a:solidFill>
-                  <a:schemeClr val="bg1"/>
-                </a:solidFill>
-                <a:latin typeface="Fira Sans Condensed Light" charset="0"/>
-                <a:cs typeface="Fira Sans Condensed Light" charset="0"/>
-                <a:sym typeface="+mn-ea"/>
-              </a:rPr>
-              <a:t>- Class diagram </a:t>
-            </a:r>
-            <a:endParaRPr lang="en-US" sz="1200" dirty="0" smtClean="0">
-              <a:solidFill>
-                <a:schemeClr val="bg1"/>
-              </a:solidFill>
-              <a:latin typeface="Fira Sans Condensed Light" charset="0"/>
-              <a:cs typeface="Fira Sans Condensed Light" charset="0"/>
-              <a:sym typeface="+mn-ea"/>
-            </a:endParaRPr>
-          </a:p>
-          <a:p>
-            <a:pPr lvl="0" indent="0">
-              <a:lnSpc>
-                <a:spcPct val="100000"/>
-              </a:lnSpc>
-              <a:spcBef>
-                <a:spcPts val="1600"/>
-              </a:spcBef>
-              <a:spcAft>
-                <a:spcPts val="1600"/>
-              </a:spcAft>
-              <a:buNone/>
-              <a:tabLst>
-                <a:tab pos="0" algn="l"/>
-              </a:tabLst>
-            </a:pPr>
-            <a:endParaRPr lang="en-US" sz="1200" dirty="0" smtClean="0">
-              <a:solidFill>
-                <a:schemeClr val="bg1"/>
-              </a:solidFill>
-              <a:latin typeface="Fira Sans Condensed Light" charset="0"/>
-              <a:cs typeface="Fira Sans Condensed Light" charset="0"/>
-            </a:endParaRPr>
-          </a:p>
-          <a:p>
-            <a:pPr lvl="0" indent="0">
-              <a:lnSpc>
-                <a:spcPct val="100000"/>
-              </a:lnSpc>
-              <a:spcBef>
-                <a:spcPts val="1600"/>
-              </a:spcBef>
-              <a:spcAft>
-                <a:spcPts val="1600"/>
-              </a:spcAft>
-              <a:buNone/>
-              <a:tabLst>
-                <a:tab pos="0" algn="l"/>
-              </a:tabLst>
-            </a:pPr>
-            <a:endParaRPr lang="en-US" sz="1200" b="0" strike="noStrike" spc="-1" dirty="0" smtClean="0">
-              <a:solidFill>
-                <a:schemeClr val="bg1"/>
-              </a:solidFill>
-              <a:latin typeface="Fira Sans Condensed Light" charset="0"/>
-              <a:cs typeface="Fira Sans Condensed Light" charset="0"/>
-              <a:sym typeface="+mn-ea"/>
-            </a:endParaRPr>
           </a:p>
         </p:txBody>
       </p:sp>
@@ -13819,6 +13434,7 @@
           <a:bodyPr lIns="90000" tIns="91440" rIns="90000" bIns="91440" anchor="ctr">
             <a:noAutofit/>
           </a:bodyPr>
+          <a:lstStyle/>
           <a:p>
             <a:pPr>
               <a:lnSpc>
@@ -13879,6 +13495,7 @@
           <a:bodyPr lIns="90000" tIns="45000" rIns="90000" bIns="45000">
             <a:spAutoFit/>
           </a:bodyPr>
+          <a:lstStyle/>
           <a:p>
             <a:pPr>
               <a:lnSpc>
@@ -13964,6 +13581,7 @@
           <a:bodyPr lIns="90000" tIns="91440" rIns="90000" bIns="91440" anchor="b">
             <a:noAutofit/>
           </a:bodyPr>
+          <a:lstStyle/>
           <a:p>
             <a:pPr algn="ctr">
               <a:lnSpc>
@@ -14021,6 +13639,7 @@
           <a:bodyPr lIns="90000" tIns="91440" rIns="90000" bIns="91440">
             <a:noAutofit/>
           </a:bodyPr>
+          <a:lstStyle/>
           <a:p>
             <a:pPr algn="ctr">
               <a:lnSpc>
@@ -14086,7 +13705,7 @@
     <p:bg>
       <p:bgPr>
         <a:blipFill rotWithShape="0">
-          <a:blip r:embed="rId1"/>
+          <a:blip r:embed="rId2"/>
           <a:stretch>
             <a:fillRect/>
           </a:stretch>
@@ -14143,6 +13762,7 @@
           <a:bodyPr lIns="90000" tIns="91440" rIns="90000" bIns="91440" anchor="ctr">
             <a:noAutofit/>
           </a:bodyPr>
+          <a:lstStyle/>
           <a:p>
             <a:pPr>
               <a:lnSpc>
@@ -14185,7 +13805,7 @@
           <p:nvPr/>
         </p:nvPicPr>
         <p:blipFill>
-          <a:blip r:embed="rId2"/>
+          <a:blip r:embed="rId3"/>
           <a:stretch>
             <a:fillRect/>
           </a:stretch>
@@ -14213,7 +13833,7 @@
           <p:nvPr/>
         </p:nvPicPr>
         <p:blipFill>
-          <a:blip r:embed="rId3"/>
+          <a:blip r:embed="rId4"/>
           <a:stretch>
             <a:fillRect/>
           </a:stretch>
@@ -14273,12 +13893,16 @@
           <a:bodyPr lIns="234000" tIns="234000" rIns="234000" bIns="91440">
             <a:noAutofit/>
           </a:bodyPr>
+          <a:lstStyle/>
           <a:p>
             <a:pPr>
               <a:lnSpc>
                 <a:spcPct val="100000"/>
               </a:lnSpc>
             </a:pPr>
+            <a:r>
+              <a:t/>
+            </a:r>
             <a:br/>
             <a:r>
               <a:rPr lang="en-US" sz="1400" b="0" strike="noStrike" spc="-1">
@@ -14421,6 +14045,7 @@
           <a:bodyPr lIns="90000" tIns="45000" rIns="90000" bIns="45000">
             <a:spAutoFit/>
           </a:bodyPr>
+          <a:lstStyle/>
           <a:p>
             <a:pPr>
               <a:lnSpc>
@@ -14506,6 +14131,7 @@
           <a:bodyPr lIns="90000" tIns="91440" rIns="90000" bIns="91440" anchor="ctr">
             <a:noAutofit/>
           </a:bodyPr>
+          <a:lstStyle/>
           <a:p>
             <a:pPr>
               <a:lnSpc>
@@ -14546,19 +14172,54 @@
             <a:tbl>
               <a:tblPr/>
               <a:tblGrid>
-                <a:gridCol w="1257120"/>
-                <a:gridCol w="1257120"/>
-                <a:gridCol w="1257120"/>
-                <a:gridCol w="1257120"/>
-                <a:gridCol w="1257120"/>
-                <a:gridCol w="1258560"/>
+                <a:gridCol w="1257120">
+                  <a:extLst>
+                    <a:ext uri="{9D8B030D-6E8A-4147-A177-3AD203B41FA5}">
+                      <a16:colId xmlns:a16="http://schemas.microsoft.com/office/drawing/2014/main" val="20000"/>
+                    </a:ext>
+                  </a:extLst>
+                </a:gridCol>
+                <a:gridCol w="1257120">
+                  <a:extLst>
+                    <a:ext uri="{9D8B030D-6E8A-4147-A177-3AD203B41FA5}">
+                      <a16:colId xmlns:a16="http://schemas.microsoft.com/office/drawing/2014/main" val="20001"/>
+                    </a:ext>
+                  </a:extLst>
+                </a:gridCol>
+                <a:gridCol w="1257120">
+                  <a:extLst>
+                    <a:ext uri="{9D8B030D-6E8A-4147-A177-3AD203B41FA5}">
+                      <a16:colId xmlns:a16="http://schemas.microsoft.com/office/drawing/2014/main" val="20002"/>
+                    </a:ext>
+                  </a:extLst>
+                </a:gridCol>
+                <a:gridCol w="1257120">
+                  <a:extLst>
+                    <a:ext uri="{9D8B030D-6E8A-4147-A177-3AD203B41FA5}">
+                      <a16:colId xmlns:a16="http://schemas.microsoft.com/office/drawing/2014/main" val="20003"/>
+                    </a:ext>
+                  </a:extLst>
+                </a:gridCol>
+                <a:gridCol w="1257120">
+                  <a:extLst>
+                    <a:ext uri="{9D8B030D-6E8A-4147-A177-3AD203B41FA5}">
+                      <a16:colId xmlns:a16="http://schemas.microsoft.com/office/drawing/2014/main" val="20004"/>
+                    </a:ext>
+                  </a:extLst>
+                </a:gridCol>
+                <a:gridCol w="1258560">
+                  <a:extLst>
+                    <a:ext uri="{9D8B030D-6E8A-4147-A177-3AD203B41FA5}">
+                      <a16:colId xmlns:a16="http://schemas.microsoft.com/office/drawing/2014/main" val="20005"/>
+                    </a:ext>
+                  </a:extLst>
+                </a:gridCol>
               </a:tblGrid>
               <a:tr h="370800">
                 <a:tc>
                   <a:txBody>
-                    <a:bodyPr>
-                      <a:spAutoFit/>
-                    </a:bodyPr>
+                    <a:bodyPr/>
+                    <a:lstStyle/>
                     <a:p>
                       <a:pPr>
                         <a:lnSpc>
@@ -14608,9 +14269,8 @@
                 </a:tc>
                 <a:tc>
                   <a:txBody>
-                    <a:bodyPr>
-                      <a:spAutoFit/>
-                    </a:bodyPr>
+                    <a:bodyPr/>
+                    <a:lstStyle/>
                     <a:p>
                       <a:pPr>
                         <a:lnSpc>
@@ -14660,9 +14320,8 @@
                 </a:tc>
                 <a:tc>
                   <a:txBody>
-                    <a:bodyPr>
-                      <a:spAutoFit/>
-                    </a:bodyPr>
+                    <a:bodyPr/>
+                    <a:lstStyle/>
                     <a:p>
                       <a:pPr>
                         <a:lnSpc>
@@ -14712,9 +14371,8 @@
                 </a:tc>
                 <a:tc>
                   <a:txBody>
-                    <a:bodyPr>
-                      <a:spAutoFit/>
-                    </a:bodyPr>
+                    <a:bodyPr/>
+                    <a:lstStyle/>
                     <a:p>
                       <a:pPr>
                         <a:lnSpc>
@@ -14764,9 +14422,8 @@
                 </a:tc>
                 <a:tc>
                   <a:txBody>
-                    <a:bodyPr>
-                      <a:spAutoFit/>
-                    </a:bodyPr>
+                    <a:bodyPr/>
+                    <a:lstStyle/>
                     <a:p>
                       <a:pPr>
                         <a:lnSpc>
@@ -14816,9 +14473,8 @@
                 </a:tc>
                 <a:tc>
                   <a:txBody>
-                    <a:bodyPr>
-                      <a:spAutoFit/>
-                    </a:bodyPr>
+                    <a:bodyPr/>
+                    <a:lstStyle/>
                     <a:p>
                       <a:pPr>
                         <a:lnSpc>
@@ -14866,13 +14522,17 @@
                     </a:solidFill>
                   </a:tcPr>
                 </a:tc>
+                <a:extLst>
+                  <a:ext uri="{0D108BD9-81ED-4DB2-BD59-A6C34878D82A}">
+                    <a16:rowId xmlns:a16="http://schemas.microsoft.com/office/drawing/2014/main" val="10000"/>
+                  </a:ext>
+                </a:extLst>
               </a:tr>
               <a:tr h="370800">
                 <a:tc>
                   <a:txBody>
-                    <a:bodyPr>
-                      <a:spAutoFit/>
-                    </a:bodyPr>
+                    <a:bodyPr/>
+                    <a:lstStyle/>
                     <a:p>
                       <a:pPr>
                         <a:lnSpc>
@@ -14922,9 +14582,8 @@
                 </a:tc>
                 <a:tc>
                   <a:txBody>
-                    <a:bodyPr>
-                      <a:spAutoFit/>
-                    </a:bodyPr>
+                    <a:bodyPr/>
+                    <a:lstStyle/>
                     <a:p>
                       <a:pPr>
                         <a:lnSpc>
@@ -14974,9 +14633,8 @@
                 </a:tc>
                 <a:tc>
                   <a:txBody>
-                    <a:bodyPr>
-                      <a:spAutoFit/>
-                    </a:bodyPr>
+                    <a:bodyPr/>
+                    <a:lstStyle/>
                     <a:p>
                       <a:pPr>
                         <a:lnSpc>
@@ -15026,9 +14684,8 @@
                 </a:tc>
                 <a:tc>
                   <a:txBody>
-                    <a:bodyPr>
-                      <a:spAutoFit/>
-                    </a:bodyPr>
+                    <a:bodyPr/>
+                    <a:lstStyle/>
                     <a:p>
                       <a:pPr>
                         <a:lnSpc>
@@ -15078,9 +14735,8 @@
                 </a:tc>
                 <a:tc>
                   <a:txBody>
-                    <a:bodyPr>
-                      <a:spAutoFit/>
-                    </a:bodyPr>
+                    <a:bodyPr/>
+                    <a:lstStyle/>
                     <a:p>
                       <a:pPr>
                         <a:lnSpc>
@@ -15130,9 +14786,8 @@
                 </a:tc>
                 <a:tc>
                   <a:txBody>
-                    <a:bodyPr>
-                      <a:spAutoFit/>
-                    </a:bodyPr>
+                    <a:bodyPr/>
+                    <a:lstStyle/>
                     <a:p>
                       <a:pPr>
                         <a:lnSpc>
@@ -15180,6 +14835,11 @@
                     </a:solidFill>
                   </a:tcPr>
                 </a:tc>
+                <a:extLst>
+                  <a:ext uri="{0D108BD9-81ED-4DB2-BD59-A6C34878D82A}">
+                    <a16:rowId xmlns:a16="http://schemas.microsoft.com/office/drawing/2014/main" val="10001"/>
+                  </a:ext>
+                </a:extLst>
               </a:tr>
             </a:tbl>
           </a:graphicData>
@@ -15202,7 +14862,7 @@
             </a:avLst>
           </a:prstGeom>
           <a:blipFill rotWithShape="0">
-            <a:blip r:embed="rId1"/>
+            <a:blip r:embed="rId2"/>
             <a:stretch>
               <a:fillRect/>
             </a:stretch>
@@ -15282,6 +14942,7 @@
           <a:bodyPr lIns="234000" tIns="234000" rIns="234000" bIns="91440">
             <a:noAutofit/>
           </a:bodyPr>
+          <a:lstStyle/>
           <a:p>
             <a:pPr marL="457200" indent="-302895">
               <a:lnSpc>
@@ -15382,6 +15043,16 @@
                 <a:ea typeface="DejaVu Sans"/>
               </a:rPr>
             </a:br>
+            <a:r>
+              <a:rPr lang="en-US" sz="1400" b="0" strike="noStrike" spc="-1">
+                <a:solidFill>
+                  <a:srgbClr val="DCDDDE"/>
+                </a:solidFill>
+                <a:latin typeface="Fira Sans Condensed Light"/>
+                <a:ea typeface="DejaVu Sans"/>
+              </a:rPr>
+              <a:t/>
+            </a:r>
             <a:br>
               <a:rPr lang="en-US" sz="1400" b="0" strike="noStrike" spc="-1">
                 <a:solidFill>
@@ -15410,6 +15081,16 @@
                 <a:ea typeface="DejaVu Sans"/>
               </a:rPr>
             </a:br>
+            <a:r>
+              <a:rPr lang="en-US" sz="1400" b="0" strike="noStrike" spc="-1">
+                <a:solidFill>
+                  <a:srgbClr val="DCDDDE"/>
+                </a:solidFill>
+                <a:latin typeface="Fira Sans Condensed Light"/>
+                <a:ea typeface="DejaVu Sans"/>
+              </a:rPr>
+              <a:t/>
+            </a:r>
             <a:br>
               <a:rPr lang="en-US" sz="1400" b="0" strike="noStrike" spc="-1">
                 <a:solidFill>
@@ -15473,6 +15154,7 @@
           <a:bodyPr lIns="90000" tIns="45000" rIns="90000" bIns="45000">
             <a:spAutoFit/>
           </a:bodyPr>
+          <a:lstStyle/>
           <a:p>
             <a:pPr marL="457200" indent="-302895">
               <a:lnSpc>
@@ -15533,6 +15215,7 @@
           <a:bodyPr lIns="90000" tIns="45000" rIns="90000" bIns="45000">
             <a:spAutoFit/>
           </a:bodyPr>
+          <a:lstStyle/>
           <a:p>
             <a:pPr>
               <a:lnSpc>
@@ -15618,6 +15301,7 @@
           <a:bodyPr lIns="90000" tIns="91440" rIns="90000" bIns="91440" anchor="ctr">
             <a:noAutofit/>
           </a:bodyPr>
+          <a:lstStyle/>
           <a:p>
             <a:pPr>
               <a:lnSpc>
@@ -15692,6 +15376,7 @@
           <a:bodyPr lIns="234000" tIns="234000" rIns="234000" bIns="91440">
             <a:noAutofit/>
           </a:bodyPr>
+          <a:lstStyle/>
           <a:p>
             <a:pPr>
               <a:lnSpc>
@@ -15834,6 +15519,9 @@
                 <a:tab pos="0" algn="l"/>
               </a:tabLst>
             </a:pPr>
+            <a:r>
+              <a:t/>
+            </a:r>
             <a:br/>
             <a:endParaRPr lang="en-US" sz="1400" b="0" strike="noStrike" spc="-1">
               <a:latin typeface="Arial" panose="020B0604020202020204"/>
@@ -15848,6 +15536,9 @@
                 <a:tab pos="0" algn="l"/>
               </a:tabLst>
             </a:pPr>
+            <a:r>
+              <a:t/>
+            </a:r>
             <a:br/>
             <a:endParaRPr lang="en-US" sz="1400" b="0" strike="noStrike" spc="-1">
               <a:latin typeface="Arial" panose="020B0604020202020204"/>
@@ -15862,6 +15553,9 @@
                 <a:tab pos="0" algn="l"/>
               </a:tabLst>
             </a:pPr>
+            <a:r>
+              <a:t/>
+            </a:r>
             <a:br/>
             <a:endParaRPr lang="en-US" sz="1400" b="0" strike="noStrike" spc="-1">
               <a:latin typeface="Arial" panose="020B0604020202020204"/>
@@ -15876,6 +15570,9 @@
                 <a:tab pos="0" algn="l"/>
               </a:tabLst>
             </a:pPr>
+            <a:r>
+              <a:t/>
+            </a:r>
             <a:br/>
             <a:endParaRPr lang="en-US" sz="1400" b="0" strike="noStrike" spc="-1">
               <a:latin typeface="Arial" panose="020B0604020202020204"/>
@@ -15890,6 +15587,9 @@
                 <a:tab pos="0" algn="l"/>
               </a:tabLst>
             </a:pPr>
+            <a:r>
+              <a:t/>
+            </a:r>
             <a:br/>
             <a:endParaRPr lang="en-US" sz="1400" b="0" strike="noStrike" spc="-1">
               <a:latin typeface="Arial" panose="020B0604020202020204"/>
@@ -15904,6 +15604,9 @@
                 <a:tab pos="0" algn="l"/>
               </a:tabLst>
             </a:pPr>
+            <a:r>
+              <a:t/>
+            </a:r>
             <a:br/>
             <a:endParaRPr lang="en-US" sz="1400" b="0" strike="noStrike" spc="-1">
               <a:latin typeface="Arial" panose="020B0604020202020204"/>
@@ -15918,6 +15621,9 @@
                 <a:tab pos="0" algn="l"/>
               </a:tabLst>
             </a:pPr>
+            <a:r>
+              <a:t/>
+            </a:r>
             <a:br/>
             <a:endParaRPr lang="en-US" sz="1400" b="0" strike="noStrike" spc="-1">
               <a:latin typeface="Arial" panose="020B0604020202020204"/>
@@ -15932,6 +15638,9 @@
                 <a:tab pos="0" algn="l"/>
               </a:tabLst>
             </a:pPr>
+            <a:r>
+              <a:t/>
+            </a:r>
             <a:br/>
             <a:endParaRPr lang="en-US" sz="1400" b="0" strike="noStrike" spc="-1">
               <a:latin typeface="Arial" panose="020B0604020202020204"/>
@@ -15946,6 +15655,9 @@
                 <a:tab pos="0" algn="l"/>
               </a:tabLst>
             </a:pPr>
+            <a:r>
+              <a:t/>
+            </a:r>
             <a:br/>
             <a:endParaRPr lang="en-US" sz="1400" b="0" strike="noStrike" spc="-1">
               <a:latin typeface="Arial" panose="020B0604020202020204"/>
@@ -15986,7 +15698,7 @@
           <p:nvPr/>
         </p:nvPicPr>
         <p:blipFill>
-          <a:blip r:embed="rId1"/>
+          <a:blip r:embed="rId2"/>
           <a:stretch>
             <a:fillRect/>
           </a:stretch>
@@ -16042,6 +15754,7 @@
           <a:bodyPr lIns="90000" tIns="45000" rIns="90000" bIns="45000">
             <a:spAutoFit/>
           </a:bodyPr>
+          <a:lstStyle/>
           <a:p>
             <a:pPr>
               <a:lnSpc>
@@ -16081,7 +15794,7 @@
     <p:bg>
       <p:bgPr>
         <a:blipFill rotWithShape="0">
-          <a:blip r:embed="rId1"/>
+          <a:blip r:embed="rId2"/>
           <a:stretch>
             <a:fillRect/>
           </a:stretch>
@@ -16138,6 +15851,7 @@
           <a:bodyPr lIns="90000" tIns="91440" rIns="90000" bIns="91440" anchor="ctr">
             <a:noAutofit/>
           </a:bodyPr>
+          <a:lstStyle/>
           <a:p>
             <a:pPr>
               <a:lnSpc>
@@ -16170,7 +15884,7 @@
           <p:nvPr/>
         </p:nvPicPr>
         <p:blipFill>
-          <a:blip r:embed="rId2">
+          <a:blip r:embed="rId3">
             <a:lum bright="70000" contrast="-70000"/>
           </a:blip>
           <a:stretch>
@@ -16229,6 +15943,7 @@
           <a:bodyPr lIns="234000" tIns="234000" rIns="234000" bIns="91440">
             <a:noAutofit/>
           </a:bodyPr>
+          <a:lstStyle/>
           <a:p>
             <a:pPr marL="457200" indent="-302895">
               <a:lnSpc>
@@ -16392,6 +16107,7 @@
           <a:bodyPr lIns="90000" tIns="45000" rIns="90000" bIns="45000">
             <a:spAutoFit/>
           </a:bodyPr>
+          <a:lstStyle/>
           <a:p>
             <a:pPr>
               <a:lnSpc>
@@ -16477,6 +16193,7 @@
           <a:bodyPr lIns="90000" tIns="91440" rIns="90000" bIns="91440" anchor="ctr">
             <a:noAutofit/>
           </a:bodyPr>
+          <a:lstStyle/>
           <a:p>
             <a:pPr>
               <a:lnSpc>
@@ -16504,23 +16221,19 @@
       </p:sp>
       <p:sp>
         <p:nvSpPr>
-          <p:cNvPr id="299" name="CustomShape 2"/>
+          <p:cNvPr id="300" name="CustomShape 3"/>
           <p:cNvSpPr/>
           <p:nvPr/>
         </p:nvSpPr>
         <p:spPr>
           <a:xfrm>
-            <a:off x="637560" y="1377360"/>
-            <a:ext cx="7500600" cy="3377520"/>
-          </a:xfrm>
-          <a:prstGeom prst="rect">
-            <a:avLst/>
-          </a:prstGeom>
-          <a:solidFill>
-            <a:srgbClr val="0C343D">
-              <a:alpha val="57000"/>
-            </a:srgbClr>
-          </a:solidFill>
+            <a:off x="74520" y="4622760"/>
+            <a:ext cx="712440" cy="363960"/>
+          </a:xfrm>
+          <a:prstGeom prst="rect">
+            <a:avLst/>
+          </a:prstGeom>
+          <a:noFill/>
           <a:ln>
             <a:noFill/>
           </a:ln>
@@ -16538,317 +16251,10 @@
           <a:fontRef idx="minor"/>
         </p:style>
         <p:txBody>
-          <a:bodyPr lIns="234000" tIns="234000" rIns="234000" bIns="91440">
-            <a:noAutofit/>
-          </a:bodyPr>
-          <a:p>
-            <a:pPr>
-              <a:lnSpc>
-                <a:spcPct val="100000"/>
-              </a:lnSpc>
-            </a:pPr>
-            <a:r>
-              <a:rPr lang="en-US" sz="1400" b="0" strike="noStrike" spc="-1">
-                <a:solidFill>
-                  <a:srgbClr val="F3F3F3"/>
-                </a:solidFill>
-                <a:latin typeface="Fira Sans Condensed Light"/>
-                <a:ea typeface="Fira Sans Condensed Light"/>
-              </a:rPr>
-              <a:t>1.  Enhance the short tandem repeat method in the whole genome.</a:t>
-            </a:r>
-            <a:br>
-              <a:rPr lang="en-US" sz="1400" b="0" strike="noStrike" spc="-1">
-                <a:solidFill>
-                  <a:srgbClr val="F3F3F3"/>
-                </a:solidFill>
-                <a:latin typeface="Fira Sans Condensed Light"/>
-                <a:ea typeface="Fira Sans Condensed Light"/>
-              </a:rPr>
-            </a:br>
-            <a:r>
-              <a:rPr lang="en-US" sz="1400" b="0" strike="noStrike" spc="-1">
-                <a:solidFill>
-                  <a:srgbClr val="F3F3F3"/>
-                </a:solidFill>
-                <a:latin typeface="Fira Sans Condensed Light"/>
-                <a:ea typeface="DejaVu Sans"/>
-              </a:rPr>
-              <a:t> </a:t>
-            </a:r>
-            <a:endParaRPr lang="en-US" sz="1400" b="0" strike="noStrike" spc="-1">
-              <a:latin typeface="Arial" panose="020B0604020202020204"/>
-            </a:endParaRPr>
-          </a:p>
-          <a:p>
-            <a:pPr>
-              <a:lnSpc>
-                <a:spcPct val="100000"/>
-              </a:lnSpc>
-            </a:pPr>
-            <a:endParaRPr lang="en-US" sz="1400" b="0" strike="noStrike" spc="-1">
-              <a:latin typeface="Arial" panose="020B0604020202020204"/>
-            </a:endParaRPr>
-          </a:p>
-          <a:p>
-            <a:pPr>
-              <a:lnSpc>
-                <a:spcPct val="100000"/>
-              </a:lnSpc>
-            </a:pPr>
-            <a:r>
-              <a:rPr lang="en-US" sz="1400" b="0" strike="noStrike" spc="-1">
-                <a:solidFill>
-                  <a:srgbClr val="F3F3F3"/>
-                </a:solidFill>
-                <a:latin typeface="Fira Sans Condensed Light"/>
-                <a:ea typeface="Fira Sans Condensed Light"/>
-              </a:rPr>
-              <a:t>2.  Implement relevance and kinship through rs numbers .</a:t>
-            </a:r>
-            <a:br>
-              <a:rPr lang="en-US" sz="1400" b="0" strike="noStrike" spc="-1">
-                <a:solidFill>
-                  <a:srgbClr val="F3F3F3"/>
-                </a:solidFill>
-                <a:latin typeface="Fira Sans Condensed Light"/>
-                <a:ea typeface="Fira Sans Condensed Light"/>
-              </a:rPr>
-            </a:br>
-            <a:endParaRPr lang="en-US" sz="1400" b="0" strike="noStrike" spc="-1">
-              <a:latin typeface="Arial" panose="020B0604020202020204"/>
-            </a:endParaRPr>
-          </a:p>
-          <a:p>
-            <a:pPr>
-              <a:lnSpc>
-                <a:spcPct val="100000"/>
-              </a:lnSpc>
-            </a:pPr>
-            <a:r>
-              <a:rPr lang="en-US" sz="1400" b="0" strike="noStrike" spc="-1">
-                <a:solidFill>
-                  <a:srgbClr val="F3F3F3"/>
-                </a:solidFill>
-                <a:latin typeface="Fira Sans Condensed Light"/>
-                <a:ea typeface="DejaVu Sans"/>
-              </a:rPr>
-              <a:t> </a:t>
-            </a:r>
-            <a:endParaRPr lang="en-US" sz="1400" b="0" strike="noStrike" spc="-1">
-              <a:latin typeface="Arial" panose="020B0604020202020204"/>
-            </a:endParaRPr>
-          </a:p>
-          <a:p>
-            <a:pPr>
-              <a:lnSpc>
-                <a:spcPct val="100000"/>
-              </a:lnSpc>
-            </a:pPr>
-            <a:r>
-              <a:rPr lang="en-US" sz="1400" b="0" strike="noStrike" spc="-1">
-                <a:solidFill>
-                  <a:srgbClr val="F3F3F3"/>
-                </a:solidFill>
-                <a:latin typeface="Fira Sans Condensed Light"/>
-                <a:ea typeface="DejaVu Sans"/>
-              </a:rPr>
-              <a:t>3.  Enhance and implement the mobile application and web application.</a:t>
-            </a:r>
-            <a:endParaRPr lang="en-US" sz="1400" b="0" strike="noStrike" spc="-1">
-              <a:latin typeface="Arial" panose="020B0604020202020204"/>
-            </a:endParaRPr>
-          </a:p>
-          <a:p>
-            <a:pPr>
-              <a:lnSpc>
-                <a:spcPct val="100000"/>
-              </a:lnSpc>
-            </a:pPr>
-            <a:endParaRPr lang="en-US" sz="1400" b="0" strike="noStrike" spc="-1">
-              <a:latin typeface="Arial" panose="020B0604020202020204"/>
-            </a:endParaRPr>
-          </a:p>
-          <a:p>
-            <a:pPr>
-              <a:lnSpc>
-                <a:spcPct val="100000"/>
-              </a:lnSpc>
-            </a:pPr>
-            <a:endParaRPr lang="en-US" sz="1400" b="0" strike="noStrike" spc="-1">
-              <a:latin typeface="Arial" panose="020B0604020202020204"/>
-            </a:endParaRPr>
-          </a:p>
-          <a:p>
-            <a:pPr>
-              <a:lnSpc>
-                <a:spcPct val="100000"/>
-              </a:lnSpc>
-            </a:pPr>
-            <a:r>
-              <a:rPr lang="en-US" sz="1800" b="0" strike="noStrike" spc="-1">
-                <a:solidFill>
-                  <a:srgbClr val="FFFFFF"/>
-                </a:solidFill>
-                <a:latin typeface="Arial" panose="020B0604020202020204"/>
-                <a:ea typeface="DejaVu Sans"/>
-              </a:rPr>
-              <a:t>4.</a:t>
-            </a:r>
-            <a:r>
-              <a:rPr lang="en-US" sz="1800" b="0" strike="noStrike" spc="-1">
-                <a:solidFill>
-                  <a:srgbClr val="000000"/>
-                </a:solidFill>
-                <a:latin typeface="Arial" panose="020B0604020202020204"/>
-                <a:ea typeface="DejaVu Sans"/>
-              </a:rPr>
-              <a:t> </a:t>
-            </a:r>
-            <a:r>
-              <a:rPr lang="en-US" sz="1400" b="0" strike="noStrike" spc="-1">
-                <a:solidFill>
-                  <a:srgbClr val="F3F3F3"/>
-                </a:solidFill>
-                <a:latin typeface="Fira Sans Condensed Light"/>
-                <a:ea typeface="Fira Sans Condensed Light"/>
-              </a:rPr>
-              <a:t>Implement relevance and kinship through whole genome.</a:t>
-            </a:r>
-            <a:endParaRPr lang="en-US" sz="1400" b="0" strike="noStrike" spc="-1">
-              <a:latin typeface="Arial" panose="020B0604020202020204"/>
-            </a:endParaRPr>
-          </a:p>
-          <a:p>
-            <a:pPr>
-              <a:lnSpc>
-                <a:spcPct val="100000"/>
-              </a:lnSpc>
-            </a:pPr>
-            <a:endParaRPr lang="en-US" sz="1400" b="0" strike="noStrike" spc="-1">
-              <a:latin typeface="Arial" panose="020B0604020202020204"/>
-            </a:endParaRPr>
-          </a:p>
-          <a:p>
-            <a:pPr>
-              <a:lnSpc>
-                <a:spcPct val="100000"/>
-              </a:lnSpc>
-            </a:pPr>
-            <a:endParaRPr lang="en-US" sz="1400" b="0" strike="noStrike" spc="-1">
-              <a:latin typeface="Arial" panose="020B0604020202020204"/>
-            </a:endParaRPr>
-          </a:p>
-          <a:p>
-            <a:pPr>
-              <a:lnSpc>
-                <a:spcPct val="100000"/>
-              </a:lnSpc>
-            </a:pPr>
-            <a:r>
-              <a:rPr lang="en-US" sz="1400" b="0" strike="noStrike" spc="-1">
-                <a:solidFill>
-                  <a:srgbClr val="F3F3F3"/>
-                </a:solidFill>
-                <a:latin typeface="Fira Sans Condensed Light"/>
-                <a:ea typeface="Fira Sans Condensed Light"/>
-              </a:rPr>
-              <a:t>5. Enhance Report of whole genome results.</a:t>
-            </a:r>
-            <a:endParaRPr lang="en-US" sz="1400" b="0" strike="noStrike" spc="-1">
-              <a:latin typeface="Arial" panose="020B0604020202020204"/>
-            </a:endParaRPr>
-          </a:p>
-          <a:p>
-            <a:pPr>
-              <a:lnSpc>
-                <a:spcPct val="100000"/>
-              </a:lnSpc>
-            </a:pPr>
-            <a:endParaRPr lang="en-US" sz="1400" b="0" strike="noStrike" spc="-1">
-              <a:latin typeface="Arial" panose="020B0604020202020204"/>
-            </a:endParaRPr>
-          </a:p>
-          <a:p>
-            <a:pPr>
-              <a:lnSpc>
-                <a:spcPct val="100000"/>
-              </a:lnSpc>
-            </a:pPr>
-            <a:endParaRPr lang="en-US" sz="1400" b="0" strike="noStrike" spc="-1">
-              <a:latin typeface="Arial" panose="020B0604020202020204"/>
-            </a:endParaRPr>
-          </a:p>
-          <a:p>
-            <a:pPr>
-              <a:lnSpc>
-                <a:spcPct val="100000"/>
-              </a:lnSpc>
-            </a:pPr>
-            <a:endParaRPr lang="en-US" sz="1400" b="0" strike="noStrike" spc="-1">
-              <a:latin typeface="Arial" panose="020B0604020202020204"/>
-            </a:endParaRPr>
-          </a:p>
-          <a:p>
-            <a:pPr marL="635">
-              <a:lnSpc>
-                <a:spcPct val="100000"/>
-              </a:lnSpc>
-            </a:pPr>
-            <a:endParaRPr lang="en-US" sz="1400" b="0" strike="noStrike" spc="-1">
-              <a:latin typeface="Arial" panose="020B0604020202020204"/>
-            </a:endParaRPr>
-          </a:p>
-          <a:p>
-            <a:pPr marL="635">
-              <a:lnSpc>
-                <a:spcPct val="100000"/>
-              </a:lnSpc>
-              <a:tabLst>
-                <a:tab pos="0" algn="l"/>
-              </a:tabLst>
-            </a:pPr>
-            <a:endParaRPr lang="en-US" sz="1400" b="0" strike="noStrike" spc="-1">
-              <a:latin typeface="Arial" panose="020B0604020202020204"/>
-            </a:endParaRPr>
-          </a:p>
-        </p:txBody>
-      </p:sp>
-      <p:sp>
-        <p:nvSpPr>
-          <p:cNvPr id="300" name="CustomShape 3"/>
-          <p:cNvSpPr/>
-          <p:nvPr/>
-        </p:nvSpPr>
-        <p:spPr>
-          <a:xfrm>
-            <a:off x="74520" y="4622760"/>
-            <a:ext cx="712440" cy="363960"/>
-          </a:xfrm>
-          <a:prstGeom prst="rect">
-            <a:avLst/>
-          </a:prstGeom>
-          <a:noFill/>
-          <a:ln>
-            <a:noFill/>
-          </a:ln>
-        </p:spPr>
-        <p:style>
-          <a:lnRef idx="0">
-            <a:srgbClr val="FFFFFF"/>
-          </a:lnRef>
-          <a:fillRef idx="0">
-            <a:srgbClr val="FFFFFF"/>
-          </a:fillRef>
-          <a:effectRef idx="0">
-            <a:srgbClr val="FFFFFF"/>
-          </a:effectRef>
-          <a:fontRef idx="minor"/>
-        </p:style>
-        <p:txBody>
           <a:bodyPr lIns="90000" tIns="45000" rIns="90000" bIns="45000">
             <a:spAutoFit/>
           </a:bodyPr>
+          <a:lstStyle/>
           <a:p>
             <a:pPr>
               <a:lnSpc>
@@ -16868,6 +16274,208 @@
             <a:endParaRPr lang="en-US" sz="1800" b="0" strike="noStrike" spc="-1">
               <a:latin typeface="Arial" panose="020B0604020202020204"/>
             </a:endParaRPr>
+          </a:p>
+        </p:txBody>
+      </p:sp>
+      <p:sp>
+        <p:nvSpPr>
+          <p:cNvPr id="5" name="CustomShape 2"/>
+          <p:cNvSpPr/>
+          <p:nvPr/>
+        </p:nvSpPr>
+        <p:spPr>
+          <a:xfrm>
+            <a:off x="786960" y="1289073"/>
+            <a:ext cx="7003274" cy="2764309"/>
+          </a:xfrm>
+          <a:prstGeom prst="rect">
+            <a:avLst/>
+          </a:prstGeom>
+          <a:solidFill>
+            <a:srgbClr val="0C343D">
+              <a:alpha val="57000"/>
+            </a:srgbClr>
+          </a:solidFill>
+          <a:ln>
+            <a:noFill/>
+          </a:ln>
+        </p:spPr>
+        <p:style>
+          <a:lnRef idx="0">
+            <a:srgbClr val="FFFFFF"/>
+          </a:lnRef>
+          <a:fillRef idx="0">
+            <a:srgbClr val="FFFFFF"/>
+          </a:fillRef>
+          <a:effectRef idx="0">
+            <a:srgbClr val="FFFFFF"/>
+          </a:effectRef>
+          <a:fontRef idx="minor"/>
+        </p:style>
+        <p:txBody>
+          <a:bodyPr lIns="234000" tIns="234000" rIns="234000" bIns="91440">
+            <a:noAutofit/>
+          </a:bodyPr>
+          <a:lstStyle/>
+          <a:p>
+            <a:pPr marL="285750" indent="-285750">
+              <a:lnSpc>
+                <a:spcPct val="100000"/>
+              </a:lnSpc>
+              <a:buFont typeface="Arial" panose="020B0604020202020204" pitchFamily="34" charset="0"/>
+              <a:buChar char="•"/>
+            </a:pPr>
+            <a:r>
+              <a:rPr lang="en-US" sz="1400" spc="-1" dirty="0" smtClean="0">
+                <a:solidFill>
+                  <a:schemeClr val="bg1"/>
+                </a:solidFill>
+                <a:latin typeface="Arial" panose="020B0604020202020204"/>
+              </a:rPr>
+              <a:t>Enhance the short tandem repeat method in the whole genome</a:t>
+            </a:r>
+          </a:p>
+          <a:p>
+            <a:pPr>
+              <a:lnSpc>
+                <a:spcPct val="100000"/>
+              </a:lnSpc>
+            </a:pPr>
+            <a:endParaRPr lang="en-US" sz="1400" spc="-1" dirty="0" smtClean="0">
+              <a:solidFill>
+                <a:schemeClr val="bg1"/>
+              </a:solidFill>
+              <a:latin typeface="Arial" panose="020B0604020202020204"/>
+            </a:endParaRPr>
+          </a:p>
+          <a:p>
+            <a:pPr marL="285750" indent="-285750">
+              <a:lnSpc>
+                <a:spcPct val="100000"/>
+              </a:lnSpc>
+              <a:buFont typeface="Arial" panose="020B0604020202020204" pitchFamily="34" charset="0"/>
+              <a:buChar char="•"/>
+            </a:pPr>
+            <a:r>
+              <a:rPr lang="en-US" sz="1400" spc="-1" dirty="0" smtClean="0">
+                <a:solidFill>
+                  <a:schemeClr val="bg1"/>
+                </a:solidFill>
+                <a:latin typeface="Arial" panose="020B0604020202020204"/>
+              </a:rPr>
+              <a:t>Implement relevance and kinship through </a:t>
+            </a:r>
+            <a:r>
+              <a:rPr lang="en-US" sz="1400" spc="-1" dirty="0" err="1" smtClean="0">
+                <a:solidFill>
+                  <a:schemeClr val="bg1"/>
+                </a:solidFill>
+                <a:latin typeface="Arial" panose="020B0604020202020204"/>
+              </a:rPr>
+              <a:t>rs</a:t>
+            </a:r>
+            <a:r>
+              <a:rPr lang="en-US" sz="1400" spc="-1" dirty="0" smtClean="0">
+                <a:solidFill>
+                  <a:schemeClr val="bg1"/>
+                </a:solidFill>
+                <a:latin typeface="Arial" panose="020B0604020202020204"/>
+              </a:rPr>
+              <a:t> numbers</a:t>
+            </a:r>
+          </a:p>
+          <a:p>
+            <a:pPr>
+              <a:lnSpc>
+                <a:spcPct val="100000"/>
+              </a:lnSpc>
+            </a:pPr>
+            <a:endParaRPr lang="en-US" sz="1400" spc="-1" dirty="0" smtClean="0">
+              <a:solidFill>
+                <a:schemeClr val="bg1"/>
+              </a:solidFill>
+              <a:latin typeface="Arial" panose="020B0604020202020204"/>
+            </a:endParaRPr>
+          </a:p>
+          <a:p>
+            <a:pPr marL="285750" indent="-285750">
+              <a:lnSpc>
+                <a:spcPct val="100000"/>
+              </a:lnSpc>
+              <a:buFont typeface="Arial" panose="020B0604020202020204" pitchFamily="34" charset="0"/>
+              <a:buChar char="•"/>
+            </a:pPr>
+            <a:r>
+              <a:rPr lang="en-US" sz="1400" spc="-1" dirty="0" smtClean="0">
+                <a:solidFill>
+                  <a:schemeClr val="bg1"/>
+                </a:solidFill>
+                <a:latin typeface="Arial" panose="020B0604020202020204"/>
+              </a:rPr>
+              <a:t>Enhance and implement the mobile application and web application</a:t>
+            </a:r>
+          </a:p>
+          <a:p>
+            <a:pPr>
+              <a:lnSpc>
+                <a:spcPct val="100000"/>
+              </a:lnSpc>
+            </a:pPr>
+            <a:endParaRPr lang="en-US" sz="1400" spc="-1" dirty="0" smtClean="0">
+              <a:solidFill>
+                <a:schemeClr val="bg1"/>
+              </a:solidFill>
+              <a:latin typeface="Arial" panose="020B0604020202020204"/>
+            </a:endParaRPr>
+          </a:p>
+          <a:p>
+            <a:pPr marL="285750" indent="-285750">
+              <a:lnSpc>
+                <a:spcPct val="100000"/>
+              </a:lnSpc>
+              <a:buFont typeface="Arial" panose="020B0604020202020204" pitchFamily="34" charset="0"/>
+              <a:buChar char="•"/>
+            </a:pPr>
+            <a:r>
+              <a:rPr lang="en-US" sz="1400" spc="-1" dirty="0" smtClean="0">
+                <a:solidFill>
+                  <a:schemeClr val="bg1"/>
+                </a:solidFill>
+                <a:latin typeface="Arial" panose="020B0604020202020204"/>
+              </a:rPr>
+              <a:t>Implement relevance and kinship through whole genome</a:t>
+            </a:r>
+          </a:p>
+          <a:p>
+            <a:pPr>
+              <a:lnSpc>
+                <a:spcPct val="100000"/>
+              </a:lnSpc>
+            </a:pPr>
+            <a:endParaRPr lang="en-US" sz="1400" spc="-1" dirty="0" smtClean="0">
+              <a:solidFill>
+                <a:schemeClr val="bg1"/>
+              </a:solidFill>
+              <a:latin typeface="Arial" panose="020B0604020202020204"/>
+            </a:endParaRPr>
+          </a:p>
+          <a:p>
+            <a:pPr marL="285750" indent="-285750">
+              <a:lnSpc>
+                <a:spcPct val="100000"/>
+              </a:lnSpc>
+              <a:buFont typeface="Arial" panose="020B0604020202020204" pitchFamily="34" charset="0"/>
+              <a:buChar char="•"/>
+            </a:pPr>
+            <a:r>
+              <a:rPr lang="en-US" sz="1400" spc="-1" dirty="0" smtClean="0">
+                <a:solidFill>
+                  <a:schemeClr val="bg1"/>
+                </a:solidFill>
+                <a:latin typeface="Arial" panose="020B0604020202020204"/>
+              </a:rPr>
+              <a:t>Enhance report of whole genome results</a:t>
+            </a:r>
           </a:p>
         </p:txBody>
       </p:sp>
@@ -16907,7 +16515,7 @@
         </p:nvSpPr>
         <p:spPr>
           <a:xfrm>
-            <a:off x="169560" y="171360"/>
+            <a:off x="430740" y="185215"/>
             <a:ext cx="4858560" cy="634320"/>
           </a:xfrm>
           <a:prstGeom prst="rect">
@@ -16934,6 +16542,7 @@
           <a:bodyPr lIns="90000" tIns="91440" rIns="90000" bIns="91440" anchor="ctr">
             <a:noAutofit/>
           </a:bodyPr>
+          <a:lstStyle/>
           <a:p>
             <a:pPr>
               <a:lnSpc>
@@ -16944,7 +16553,7 @@
               </a:tabLst>
             </a:pPr>
             <a:r>
-              <a:rPr lang="en-US" sz="3200" b="1" strike="noStrike" spc="-1">
+              <a:rPr lang="en-US" sz="3200" b="1" strike="noStrike" spc="-1" dirty="0">
                 <a:solidFill>
                   <a:srgbClr val="F3F3F3"/>
                 </a:solidFill>
@@ -16953,37 +16562,12 @@
               </a:rPr>
               <a:t>System overview</a:t>
             </a:r>
-            <a:endParaRPr lang="en-US" sz="3200" b="0" strike="noStrike" spc="-1">
-              <a:latin typeface="Arial" panose="020B0604020202020204"/>
-            </a:endParaRPr>
-          </a:p>
-        </p:txBody>
-      </p:sp>
-      <p:pic>
-        <p:nvPicPr>
-          <p:cNvPr id="302" name="Picture 1"/>
-          <p:cNvPicPr/>
-          <p:nvPr/>
-        </p:nvPicPr>
-        <p:blipFill>
-          <a:blip r:embed="rId1"/>
-          <a:stretch>
-            <a:fillRect/>
-          </a:stretch>
-        </p:blipFill>
-        <p:spPr>
-          <a:xfrm>
-            <a:off x="431280" y="806760"/>
-            <a:ext cx="8002440" cy="3860640"/>
-          </a:xfrm>
-          <a:prstGeom prst="rect">
-            <a:avLst/>
-          </a:prstGeom>
-          <a:ln>
-            <a:noFill/>
-          </a:ln>
-        </p:spPr>
-      </p:pic>
+            <a:endParaRPr lang="en-US" sz="3200" b="0" strike="noStrike" spc="-1" dirty="0">
+              <a:latin typeface="Arial" panose="020B0604020202020204"/>
+            </a:endParaRPr>
+          </a:p>
+        </p:txBody>
+      </p:sp>
       <p:sp>
         <p:nvSpPr>
           <p:cNvPr id="303" name="CustomShape 2"/>
@@ -17019,6 +16603,7 @@
           <a:bodyPr lIns="90000" tIns="45000" rIns="90000" bIns="45000">
             <a:spAutoFit/>
           </a:bodyPr>
+          <a:lstStyle/>
           <a:p>
             <a:pPr>
               <a:lnSpc>
@@ -17041,6 +16626,36 @@
           </a:p>
         </p:txBody>
       </p:sp>
+      <p:pic>
+        <p:nvPicPr>
+          <p:cNvPr id="2" name="Picture 1"/>
+          <p:cNvPicPr>
+            <a:picLocks noChangeAspect="1"/>
+          </p:cNvPicPr>
+          <p:nvPr/>
+        </p:nvPicPr>
+        <p:blipFill>
+          <a:blip r:embed="rId2">
+            <a:extLst>
+              <a:ext uri="{28A0092B-C50C-407E-A947-70E740481C1C}">
+                <a14:useLocalDpi xmlns:a14="http://schemas.microsoft.com/office/drawing/2010/main" val="0"/>
+              </a:ext>
+            </a:extLst>
+          </a:blip>
+          <a:stretch>
+            <a:fillRect/>
+          </a:stretch>
+        </p:blipFill>
+        <p:spPr>
+          <a:xfrm>
+            <a:off x="678874" y="819535"/>
+            <a:ext cx="8250382" cy="4240869"/>
+          </a:xfrm>
+          <a:prstGeom prst="rect">
+            <a:avLst/>
+          </a:prstGeom>
+        </p:spPr>
+      </p:pic>
     </p:spTree>
   </p:cSld>
   <p:clrMapOvr>
@@ -17104,6 +16719,7 @@
           <a:bodyPr lIns="90000" tIns="91440" rIns="90000" bIns="91440" anchor="ctr">
             <a:noAutofit/>
           </a:bodyPr>
+          <a:lstStyle/>
           <a:p>
             <a:pPr>
               <a:lnSpc>
@@ -17136,7 +16752,7 @@
           <p:nvPr/>
         </p:nvPicPr>
         <p:blipFill>
-          <a:blip r:embed="rId1"/>
+          <a:blip r:embed="rId2"/>
           <a:stretch>
             <a:fillRect/>
           </a:stretch>
@@ -17193,6 +16809,7 @@
           <a:bodyPr lIns="234000" tIns="234000" rIns="234000" bIns="91440">
             <a:noAutofit/>
           </a:bodyPr>
+          <a:lstStyle/>
           <a:p>
             <a:pPr marL="457200" indent="-302895">
               <a:lnSpc>
@@ -17355,6 +16972,7 @@
           <a:bodyPr lIns="90000" tIns="45000" rIns="90000" bIns="45000">
             <a:spAutoFit/>
           </a:bodyPr>
+          <a:lstStyle/>
           <a:p>
             <a:pPr>
               <a:lnSpc>
@@ -17611,6 +17229,8 @@
       </a:bgFillStyleLst>
     </a:fmtScheme>
   </a:themeElements>
+  <a:objectDefaults/>
+  <a:extraClrSchemeLst/>
   <a:extLst>
     <a:ext uri="{05A4C25C-085E-4340-85A3-A5531E510DB2}">
       <thm15:themeFamily xmlns:thm15="http://schemas.microsoft.com/office/thememl/2012/main" name="Office Theme" id="{62F939B6-93AF-4DB8-9C6B-D6C7DFDC589F}" vid="{4A3C46E8-61CC-4603-A589-7422A47A8E4A}"/>
@@ -17842,6 +17462,8 @@
       </a:bgFillStyleLst>
     </a:fmtScheme>
   </a:themeElements>
+  <a:objectDefaults/>
+  <a:extraClrSchemeLst/>
   <a:extLst>
     <a:ext uri="{05A4C25C-085E-4340-85A3-A5531E510DB2}">
       <thm15:themeFamily xmlns:thm15="http://schemas.microsoft.com/office/thememl/2012/main" name="Office Theme" id="{62F939B6-93AF-4DB8-9C6B-D6C7DFDC589F}" vid="{4A3C46E8-61CC-4603-A589-7422A47A8E4A}"/>
@@ -18073,6 +17695,8 @@
       </a:bgFillStyleLst>
     </a:fmtScheme>
   </a:themeElements>
+  <a:objectDefaults/>
+  <a:extraClrSchemeLst/>
   <a:extLst>
     <a:ext uri="{05A4C25C-085E-4340-85A3-A5531E510DB2}">
       <thm15:themeFamily xmlns:thm15="http://schemas.microsoft.com/office/thememl/2012/main" name="Office Theme" id="{62F939B6-93AF-4DB8-9C6B-D6C7DFDC589F}" vid="{4A3C46E8-61CC-4603-A589-7422A47A8E4A}"/>
@@ -18304,6 +17928,8 @@
       </a:bgFillStyleLst>
     </a:fmtScheme>
   </a:themeElements>
+  <a:objectDefaults/>
+  <a:extraClrSchemeLst/>
   <a:extLst>
     <a:ext uri="{05A4C25C-085E-4340-85A3-A5531E510DB2}">
       <thm15:themeFamily xmlns:thm15="http://schemas.microsoft.com/office/thememl/2012/main" name="Office Theme" id="{62F939B6-93AF-4DB8-9C6B-D6C7DFDC589F}" vid="{4A3C46E8-61CC-4603-A589-7422A47A8E4A}"/>
@@ -18535,6 +18161,8 @@
       </a:bgFillStyleLst>
     </a:fmtScheme>
   </a:themeElements>
+  <a:objectDefaults/>
+  <a:extraClrSchemeLst/>
   <a:extLst>
     <a:ext uri="{05A4C25C-085E-4340-85A3-A5531E510DB2}">
       <thm15:themeFamily xmlns:thm15="http://schemas.microsoft.com/office/thememl/2012/main" name="Office Theme" id="{62F939B6-93AF-4DB8-9C6B-D6C7DFDC589F}" vid="{4A3C46E8-61CC-4603-A589-7422A47A8E4A}"/>
@@ -18766,6 +18394,8 @@
       </a:bgFillStyleLst>
     </a:fmtScheme>
   </a:themeElements>
+  <a:objectDefaults/>
+  <a:extraClrSchemeLst/>
   <a:extLst>
     <a:ext uri="{05A4C25C-085E-4340-85A3-A5531E510DB2}">
       <thm15:themeFamily xmlns:thm15="http://schemas.microsoft.com/office/thememl/2012/main" name="Office Theme" id="{62F939B6-93AF-4DB8-9C6B-D6C7DFDC589F}" vid="{4A3C46E8-61CC-4603-A589-7422A47A8E4A}"/>

--- a/E-Genetics/presentations/SRS (2).pptx
+++ b/E-Genetics/presentations/SRS (2).pptx
@@ -3,34 +3,34 @@
 <p:presentation xmlns:a="http://schemas.openxmlformats.org/drawingml/2006/main" xmlns:r="http://schemas.openxmlformats.org/officeDocument/2006/relationships" xmlns:p="http://schemas.openxmlformats.org/presentationml/2006/main">
   <p:sldMasterIdLst>
     <p:sldMasterId id="2147483648" r:id="rId1"/>
-    <p:sldMasterId id="2147483661" r:id="rId2"/>
-    <p:sldMasterId id="2147483674" r:id="rId3"/>
-    <p:sldMasterId id="2147483687" r:id="rId4"/>
-    <p:sldMasterId id="2147483700" r:id="rId5"/>
-    <p:sldMasterId id="2147483713" r:id="rId6"/>
+    <p:sldMasterId id="2147483661" r:id="rId3"/>
+    <p:sldMasterId id="2147483674" r:id="rId4"/>
+    <p:sldMasterId id="2147483687" r:id="rId5"/>
+    <p:sldMasterId id="2147483700" r:id="rId6"/>
+    <p:sldMasterId id="2147483713" r:id="rId7"/>
   </p:sldMasterIdLst>
   <p:sldIdLst>
-    <p:sldId id="256" r:id="rId7"/>
-    <p:sldId id="257" r:id="rId8"/>
-    <p:sldId id="258" r:id="rId9"/>
-    <p:sldId id="260" r:id="rId10"/>
-    <p:sldId id="261" r:id="rId11"/>
-    <p:sldId id="262" r:id="rId12"/>
-    <p:sldId id="263" r:id="rId13"/>
-    <p:sldId id="264" r:id="rId14"/>
-    <p:sldId id="266" r:id="rId15"/>
-    <p:sldId id="278" r:id="rId16"/>
-    <p:sldId id="279" r:id="rId17"/>
-    <p:sldId id="280" r:id="rId18"/>
+    <p:sldId id="256" r:id="rId8"/>
+    <p:sldId id="257" r:id="rId9"/>
+    <p:sldId id="258" r:id="rId10"/>
+    <p:sldId id="260" r:id="rId11"/>
+    <p:sldId id="261" r:id="rId12"/>
+    <p:sldId id="262" r:id="rId13"/>
+    <p:sldId id="263" r:id="rId14"/>
+    <p:sldId id="264" r:id="rId15"/>
+    <p:sldId id="266" r:id="rId16"/>
+    <p:sldId id="278" r:id="rId17"/>
+    <p:sldId id="279" r:id="rId18"/>
     <p:sldId id="281" r:id="rId19"/>
-    <p:sldId id="282" r:id="rId20"/>
-    <p:sldId id="283" r:id="rId21"/>
-    <p:sldId id="269" r:id="rId22"/>
-    <p:sldId id="270" r:id="rId23"/>
-    <p:sldId id="271" r:id="rId24"/>
-    <p:sldId id="275" r:id="rId25"/>
-    <p:sldId id="276" r:id="rId26"/>
-    <p:sldId id="277" r:id="rId27"/>
+    <p:sldId id="290" r:id="rId20"/>
+    <p:sldId id="282" r:id="rId21"/>
+    <p:sldId id="283" r:id="rId22"/>
+    <p:sldId id="269" r:id="rId23"/>
+    <p:sldId id="270" r:id="rId24"/>
+    <p:sldId id="271" r:id="rId25"/>
+    <p:sldId id="275" r:id="rId26"/>
+    <p:sldId id="276" r:id="rId27"/>
+    <p:sldId id="277" r:id="rId28"/>
   </p:sldIdLst>
   <p:sldSz cx="9144000" cy="5143500" type="screen16x9"/>
   <p:notesSz cx="7772400" cy="10058400"/>
@@ -8703,7 +8703,7 @@
     <p:bg>
       <p:bgPr>
         <a:blipFill rotWithShape="0">
-          <a:blip r:embed="rId14"/>
+          <a:blip r:embed="rId13"/>
           <a:stretch>
             <a:fillRect/>
           </a:stretch>
@@ -8757,6 +8757,9 @@
               </a:rPr>
               <a:t>Click to edit the title text format</a:t>
             </a:r>
+            <a:endParaRPr lang="en-US" sz="4400" b="0" strike="noStrike" spc="-1">
+              <a:latin typeface="Arial" panose="020B0604020202020204"/>
+            </a:endParaRPr>
           </a:p>
         </p:txBody>
       </p:sp>
@@ -8802,6 +8805,9 @@
               </a:rPr>
               <a:t>Click to edit the outline text format</a:t>
             </a:r>
+            <a:endParaRPr lang="en-US" sz="3200" b="0" strike="noStrike" spc="-1">
+              <a:latin typeface="Arial" panose="020B0604020202020204"/>
+            </a:endParaRPr>
           </a:p>
           <a:p>
             <a:pPr marL="864235" lvl="1" indent="-323850">
@@ -8821,6 +8827,9 @@
               </a:rPr>
               <a:t>Second Outline Level</a:t>
             </a:r>
+            <a:endParaRPr lang="en-US" sz="2800" b="0" strike="noStrike" spc="-1">
+              <a:latin typeface="Arial" panose="020B0604020202020204"/>
+            </a:endParaRPr>
           </a:p>
           <a:p>
             <a:pPr marL="1296035" lvl="2" indent="-288290">
@@ -8840,6 +8849,9 @@
               </a:rPr>
               <a:t>Third Outline Level</a:t>
             </a:r>
+            <a:endParaRPr lang="en-US" sz="2400" b="0" strike="noStrike" spc="-1">
+              <a:latin typeface="Arial" panose="020B0604020202020204"/>
+            </a:endParaRPr>
           </a:p>
           <a:p>
             <a:pPr marL="1727835" lvl="3" indent="-215900">
@@ -8859,6 +8871,9 @@
               </a:rPr>
               <a:t>Fourth Outline Level</a:t>
             </a:r>
+            <a:endParaRPr lang="en-US" sz="2000" b="0" strike="noStrike" spc="-1">
+              <a:latin typeface="Arial" panose="020B0604020202020204"/>
+            </a:endParaRPr>
           </a:p>
           <a:p>
             <a:pPr marL="2160270" lvl="4" indent="-215900">
@@ -8878,6 +8893,9 @@
               </a:rPr>
               <a:t>Fifth Outline Level</a:t>
             </a:r>
+            <a:endParaRPr lang="en-US" sz="2000" b="0" strike="noStrike" spc="-1">
+              <a:latin typeface="Arial" panose="020B0604020202020204"/>
+            </a:endParaRPr>
           </a:p>
           <a:p>
             <a:pPr marL="2592070" lvl="5" indent="-215900">
@@ -8897,6 +8915,9 @@
               </a:rPr>
               <a:t>Sixth Outline Level</a:t>
             </a:r>
+            <a:endParaRPr lang="en-US" sz="2000" b="0" strike="noStrike" spc="-1">
+              <a:latin typeface="Arial" panose="020B0604020202020204"/>
+            </a:endParaRPr>
           </a:p>
           <a:p>
             <a:pPr marL="3023870" lvl="6" indent="-215900">
@@ -8916,6 +8937,9 @@
               </a:rPr>
               <a:t>Seventh Outline Level</a:t>
             </a:r>
+            <a:endParaRPr lang="en-US" sz="2000" b="0" strike="noStrike" spc="-1">
+              <a:latin typeface="Arial" panose="020B0604020202020204"/>
+            </a:endParaRPr>
           </a:p>
         </p:txBody>
       </p:sp>
@@ -8950,7 +8974,7 @@
     <p:bg>
       <p:bgPr>
         <a:blipFill rotWithShape="0">
-          <a:blip r:embed="rId14"/>
+          <a:blip r:embed="rId13"/>
           <a:stretch>
             <a:fillRect/>
           </a:stretch>
@@ -9004,6 +9028,9 @@
               </a:rPr>
               <a:t>Click to edit the title text format</a:t>
             </a:r>
+            <a:endParaRPr lang="en-US" sz="4400" b="0" strike="noStrike" spc="-1">
+              <a:latin typeface="Arial" panose="020B0604020202020204"/>
+            </a:endParaRPr>
           </a:p>
         </p:txBody>
       </p:sp>
@@ -9049,6 +9076,9 @@
               </a:rPr>
               <a:t>Click to edit the outline text format</a:t>
             </a:r>
+            <a:endParaRPr lang="en-US" sz="3200" b="0" strike="noStrike" spc="-1">
+              <a:latin typeface="Arial" panose="020B0604020202020204"/>
+            </a:endParaRPr>
           </a:p>
           <a:p>
             <a:pPr marL="864235" lvl="1" indent="-323850">
@@ -9068,6 +9098,9 @@
               </a:rPr>
               <a:t>Second Outline Level</a:t>
             </a:r>
+            <a:endParaRPr lang="en-US" sz="2800" b="0" strike="noStrike" spc="-1">
+              <a:latin typeface="Arial" panose="020B0604020202020204"/>
+            </a:endParaRPr>
           </a:p>
           <a:p>
             <a:pPr marL="1296035" lvl="2" indent="-288290">
@@ -9087,6 +9120,9 @@
               </a:rPr>
               <a:t>Third Outline Level</a:t>
             </a:r>
+            <a:endParaRPr lang="en-US" sz="2400" b="0" strike="noStrike" spc="-1">
+              <a:latin typeface="Arial" panose="020B0604020202020204"/>
+            </a:endParaRPr>
           </a:p>
           <a:p>
             <a:pPr marL="1727835" lvl="3" indent="-215900">
@@ -9106,6 +9142,9 @@
               </a:rPr>
               <a:t>Fourth Outline Level</a:t>
             </a:r>
+            <a:endParaRPr lang="en-US" sz="2000" b="0" strike="noStrike" spc="-1">
+              <a:latin typeface="Arial" panose="020B0604020202020204"/>
+            </a:endParaRPr>
           </a:p>
           <a:p>
             <a:pPr marL="2160270" lvl="4" indent="-215900">
@@ -9125,6 +9164,9 @@
               </a:rPr>
               <a:t>Fifth Outline Level</a:t>
             </a:r>
+            <a:endParaRPr lang="en-US" sz="2000" b="0" strike="noStrike" spc="-1">
+              <a:latin typeface="Arial" panose="020B0604020202020204"/>
+            </a:endParaRPr>
           </a:p>
           <a:p>
             <a:pPr marL="2592070" lvl="5" indent="-215900">
@@ -9144,6 +9186,9 @@
               </a:rPr>
               <a:t>Sixth Outline Level</a:t>
             </a:r>
+            <a:endParaRPr lang="en-US" sz="2000" b="0" strike="noStrike" spc="-1">
+              <a:latin typeface="Arial" panose="020B0604020202020204"/>
+            </a:endParaRPr>
           </a:p>
           <a:p>
             <a:pPr marL="3023870" lvl="6" indent="-215900">
@@ -9163,6 +9208,9 @@
               </a:rPr>
               <a:t>Seventh Outline Level</a:t>
             </a:r>
+            <a:endParaRPr lang="en-US" sz="2000" b="0" strike="noStrike" spc="-1">
+              <a:latin typeface="Arial" panose="020B0604020202020204"/>
+            </a:endParaRPr>
           </a:p>
         </p:txBody>
       </p:sp>
@@ -9197,7 +9245,7 @@
     <p:bg>
       <p:bgPr>
         <a:blipFill rotWithShape="0">
-          <a:blip r:embed="rId14"/>
+          <a:blip r:embed="rId13"/>
           <a:stretch>
             <a:fillRect/>
           </a:stretch>
@@ -9251,6 +9299,9 @@
               </a:rPr>
               <a:t>Click to edit the title text format</a:t>
             </a:r>
+            <a:endParaRPr lang="en-US" sz="4400" b="0" strike="noStrike" spc="-1">
+              <a:latin typeface="Arial" panose="020B0604020202020204"/>
+            </a:endParaRPr>
           </a:p>
         </p:txBody>
       </p:sp>
@@ -9296,6 +9347,9 @@
               </a:rPr>
               <a:t>Click to edit the outline text format</a:t>
             </a:r>
+            <a:endParaRPr lang="en-US" sz="3200" b="0" strike="noStrike" spc="-1">
+              <a:latin typeface="Arial" panose="020B0604020202020204"/>
+            </a:endParaRPr>
           </a:p>
           <a:p>
             <a:pPr marL="864235" lvl="1" indent="-323850">
@@ -9315,6 +9369,9 @@
               </a:rPr>
               <a:t>Second Outline Level</a:t>
             </a:r>
+            <a:endParaRPr lang="en-US" sz="2800" b="0" strike="noStrike" spc="-1">
+              <a:latin typeface="Arial" panose="020B0604020202020204"/>
+            </a:endParaRPr>
           </a:p>
           <a:p>
             <a:pPr marL="1296035" lvl="2" indent="-288290">
@@ -9334,6 +9391,9 @@
               </a:rPr>
               <a:t>Third Outline Level</a:t>
             </a:r>
+            <a:endParaRPr lang="en-US" sz="2400" b="0" strike="noStrike" spc="-1">
+              <a:latin typeface="Arial" panose="020B0604020202020204"/>
+            </a:endParaRPr>
           </a:p>
           <a:p>
             <a:pPr marL="1727835" lvl="3" indent="-215900">
@@ -9353,6 +9413,9 @@
               </a:rPr>
               <a:t>Fourth Outline Level</a:t>
             </a:r>
+            <a:endParaRPr lang="en-US" sz="2000" b="0" strike="noStrike" spc="-1">
+              <a:latin typeface="Arial" panose="020B0604020202020204"/>
+            </a:endParaRPr>
           </a:p>
           <a:p>
             <a:pPr marL="2160270" lvl="4" indent="-215900">
@@ -9372,6 +9435,9 @@
               </a:rPr>
               <a:t>Fifth Outline Level</a:t>
             </a:r>
+            <a:endParaRPr lang="en-US" sz="2000" b="0" strike="noStrike" spc="-1">
+              <a:latin typeface="Arial" panose="020B0604020202020204"/>
+            </a:endParaRPr>
           </a:p>
           <a:p>
             <a:pPr marL="2592070" lvl="5" indent="-215900">
@@ -9391,6 +9457,9 @@
               </a:rPr>
               <a:t>Sixth Outline Level</a:t>
             </a:r>
+            <a:endParaRPr lang="en-US" sz="2000" b="0" strike="noStrike" spc="-1">
+              <a:latin typeface="Arial" panose="020B0604020202020204"/>
+            </a:endParaRPr>
           </a:p>
           <a:p>
             <a:pPr marL="3023870" lvl="6" indent="-215900">
@@ -9410,6 +9479,9 @@
               </a:rPr>
               <a:t>Seventh Outline Level</a:t>
             </a:r>
+            <a:endParaRPr lang="en-US" sz="2000" b="0" strike="noStrike" spc="-1">
+              <a:latin typeface="Arial" panose="020B0604020202020204"/>
+            </a:endParaRPr>
           </a:p>
         </p:txBody>
       </p:sp>
@@ -9444,7 +9516,7 @@
     <p:bg>
       <p:bgPr>
         <a:blipFill rotWithShape="0">
-          <a:blip r:embed="rId14"/>
+          <a:blip r:embed="rId13"/>
           <a:stretch>
             <a:fillRect/>
           </a:stretch>
@@ -9498,6 +9570,9 @@
               </a:rPr>
               <a:t>Click to edit the title text format</a:t>
             </a:r>
+            <a:endParaRPr lang="en-US" sz="4400" b="0" strike="noStrike" spc="-1">
+              <a:latin typeface="Arial" panose="020B0604020202020204"/>
+            </a:endParaRPr>
           </a:p>
         </p:txBody>
       </p:sp>
@@ -9543,6 +9618,9 @@
               </a:rPr>
               <a:t>Click to edit the outline text format</a:t>
             </a:r>
+            <a:endParaRPr lang="en-US" sz="3200" b="0" strike="noStrike" spc="-1">
+              <a:latin typeface="Arial" panose="020B0604020202020204"/>
+            </a:endParaRPr>
           </a:p>
           <a:p>
             <a:pPr marL="864235" lvl="1" indent="-323850">
@@ -9562,6 +9640,9 @@
               </a:rPr>
               <a:t>Second Outline Level</a:t>
             </a:r>
+            <a:endParaRPr lang="en-US" sz="2800" b="0" strike="noStrike" spc="-1">
+              <a:latin typeface="Arial" panose="020B0604020202020204"/>
+            </a:endParaRPr>
           </a:p>
           <a:p>
             <a:pPr marL="1296035" lvl="2" indent="-288290">
@@ -9581,6 +9662,9 @@
               </a:rPr>
               <a:t>Third Outline Level</a:t>
             </a:r>
+            <a:endParaRPr lang="en-US" sz="2400" b="0" strike="noStrike" spc="-1">
+              <a:latin typeface="Arial" panose="020B0604020202020204"/>
+            </a:endParaRPr>
           </a:p>
           <a:p>
             <a:pPr marL="1727835" lvl="3" indent="-215900">
@@ -9600,6 +9684,9 @@
               </a:rPr>
               <a:t>Fourth Outline Level</a:t>
             </a:r>
+            <a:endParaRPr lang="en-US" sz="2000" b="0" strike="noStrike" spc="-1">
+              <a:latin typeface="Arial" panose="020B0604020202020204"/>
+            </a:endParaRPr>
           </a:p>
           <a:p>
             <a:pPr marL="2160270" lvl="4" indent="-215900">
@@ -9619,6 +9706,9 @@
               </a:rPr>
               <a:t>Fifth Outline Level</a:t>
             </a:r>
+            <a:endParaRPr lang="en-US" sz="2000" b="0" strike="noStrike" spc="-1">
+              <a:latin typeface="Arial" panose="020B0604020202020204"/>
+            </a:endParaRPr>
           </a:p>
           <a:p>
             <a:pPr marL="2592070" lvl="5" indent="-215900">
@@ -9638,6 +9728,9 @@
               </a:rPr>
               <a:t>Sixth Outline Level</a:t>
             </a:r>
+            <a:endParaRPr lang="en-US" sz="2000" b="0" strike="noStrike" spc="-1">
+              <a:latin typeface="Arial" panose="020B0604020202020204"/>
+            </a:endParaRPr>
           </a:p>
           <a:p>
             <a:pPr marL="3023870" lvl="6" indent="-215900">
@@ -9657,6 +9750,9 @@
               </a:rPr>
               <a:t>Seventh Outline Level</a:t>
             </a:r>
+            <a:endParaRPr lang="en-US" sz="2000" b="0" strike="noStrike" spc="-1">
+              <a:latin typeface="Arial" panose="020B0604020202020204"/>
+            </a:endParaRPr>
           </a:p>
         </p:txBody>
       </p:sp>
@@ -9691,7 +9787,7 @@
     <p:bg>
       <p:bgPr>
         <a:blipFill rotWithShape="0">
-          <a:blip r:embed="rId14"/>
+          <a:blip r:embed="rId13"/>
           <a:stretch>
             <a:fillRect/>
           </a:stretch>
@@ -9745,6 +9841,9 @@
               </a:rPr>
               <a:t>Click to edit the title text format</a:t>
             </a:r>
+            <a:endParaRPr lang="en-US" sz="4400" b="0" strike="noStrike" spc="-1">
+              <a:latin typeface="Arial" panose="020B0604020202020204"/>
+            </a:endParaRPr>
           </a:p>
         </p:txBody>
       </p:sp>
@@ -9790,6 +9889,9 @@
               </a:rPr>
               <a:t>Click to edit the outline text format</a:t>
             </a:r>
+            <a:endParaRPr lang="en-US" sz="3200" b="0" strike="noStrike" spc="-1">
+              <a:latin typeface="Arial" panose="020B0604020202020204"/>
+            </a:endParaRPr>
           </a:p>
           <a:p>
             <a:pPr marL="864235" lvl="1" indent="-323850">
@@ -9809,6 +9911,9 @@
               </a:rPr>
               <a:t>Second Outline Level</a:t>
             </a:r>
+            <a:endParaRPr lang="en-US" sz="2800" b="0" strike="noStrike" spc="-1">
+              <a:latin typeface="Arial" panose="020B0604020202020204"/>
+            </a:endParaRPr>
           </a:p>
           <a:p>
             <a:pPr marL="1296035" lvl="2" indent="-288290">
@@ -9828,6 +9933,9 @@
               </a:rPr>
               <a:t>Third Outline Level</a:t>
             </a:r>
+            <a:endParaRPr lang="en-US" sz="2400" b="0" strike="noStrike" spc="-1">
+              <a:latin typeface="Arial" panose="020B0604020202020204"/>
+            </a:endParaRPr>
           </a:p>
           <a:p>
             <a:pPr marL="1727835" lvl="3" indent="-215900">
@@ -9847,6 +9955,9 @@
               </a:rPr>
               <a:t>Fourth Outline Level</a:t>
             </a:r>
+            <a:endParaRPr lang="en-US" sz="2000" b="0" strike="noStrike" spc="-1">
+              <a:latin typeface="Arial" panose="020B0604020202020204"/>
+            </a:endParaRPr>
           </a:p>
           <a:p>
             <a:pPr marL="2160270" lvl="4" indent="-215900">
@@ -9866,6 +9977,9 @@
               </a:rPr>
               <a:t>Fifth Outline Level</a:t>
             </a:r>
+            <a:endParaRPr lang="en-US" sz="2000" b="0" strike="noStrike" spc="-1">
+              <a:latin typeface="Arial" panose="020B0604020202020204"/>
+            </a:endParaRPr>
           </a:p>
           <a:p>
             <a:pPr marL="2592070" lvl="5" indent="-215900">
@@ -9885,6 +9999,9 @@
               </a:rPr>
               <a:t>Sixth Outline Level</a:t>
             </a:r>
+            <a:endParaRPr lang="en-US" sz="2000" b="0" strike="noStrike" spc="-1">
+              <a:latin typeface="Arial" panose="020B0604020202020204"/>
+            </a:endParaRPr>
           </a:p>
           <a:p>
             <a:pPr marL="3023870" lvl="6" indent="-215900">
@@ -9904,6 +10021,9 @@
               </a:rPr>
               <a:t>Seventh Outline Level</a:t>
             </a:r>
+            <a:endParaRPr lang="en-US" sz="2000" b="0" strike="noStrike" spc="-1">
+              <a:latin typeface="Arial" panose="020B0604020202020204"/>
+            </a:endParaRPr>
           </a:p>
         </p:txBody>
       </p:sp>
@@ -9938,7 +10058,7 @@
     <p:bg>
       <p:bgPr>
         <a:blipFill rotWithShape="0">
-          <a:blip r:embed="rId14"/>
+          <a:blip r:embed="rId13"/>
           <a:stretch>
             <a:fillRect/>
           </a:stretch>
@@ -9992,6 +10112,9 @@
               </a:rPr>
               <a:t>Click to edit the title text format</a:t>
             </a:r>
+            <a:endParaRPr lang="en-US" sz="4400" b="0" strike="noStrike" spc="-1">
+              <a:latin typeface="Arial" panose="020B0604020202020204"/>
+            </a:endParaRPr>
           </a:p>
         </p:txBody>
       </p:sp>
@@ -10037,6 +10160,9 @@
               </a:rPr>
               <a:t>Click to edit the outline text format</a:t>
             </a:r>
+            <a:endParaRPr lang="en-US" sz="3200" b="0" strike="noStrike" spc="-1">
+              <a:latin typeface="Arial" panose="020B0604020202020204"/>
+            </a:endParaRPr>
           </a:p>
           <a:p>
             <a:pPr marL="864235" lvl="1" indent="-323850">
@@ -10056,6 +10182,9 @@
               </a:rPr>
               <a:t>Second Outline Level</a:t>
             </a:r>
+            <a:endParaRPr lang="en-US" sz="2800" b="0" strike="noStrike" spc="-1">
+              <a:latin typeface="Arial" panose="020B0604020202020204"/>
+            </a:endParaRPr>
           </a:p>
           <a:p>
             <a:pPr marL="1296035" lvl="2" indent="-288290">
@@ -10075,6 +10204,9 @@
               </a:rPr>
               <a:t>Third Outline Level</a:t>
             </a:r>
+            <a:endParaRPr lang="en-US" sz="2400" b="0" strike="noStrike" spc="-1">
+              <a:latin typeface="Arial" panose="020B0604020202020204"/>
+            </a:endParaRPr>
           </a:p>
           <a:p>
             <a:pPr marL="1727835" lvl="3" indent="-215900">
@@ -10094,6 +10226,9 @@
               </a:rPr>
               <a:t>Fourth Outline Level</a:t>
             </a:r>
+            <a:endParaRPr lang="en-US" sz="2000" b="0" strike="noStrike" spc="-1">
+              <a:latin typeface="Arial" panose="020B0604020202020204"/>
+            </a:endParaRPr>
           </a:p>
           <a:p>
             <a:pPr marL="2160270" lvl="4" indent="-215900">
@@ -10113,6 +10248,9 @@
               </a:rPr>
               <a:t>Fifth Outline Level</a:t>
             </a:r>
+            <a:endParaRPr lang="en-US" sz="2000" b="0" strike="noStrike" spc="-1">
+              <a:latin typeface="Arial" panose="020B0604020202020204"/>
+            </a:endParaRPr>
           </a:p>
           <a:p>
             <a:pPr marL="2592070" lvl="5" indent="-215900">
@@ -10132,6 +10270,9 @@
               </a:rPr>
               <a:t>Sixth Outline Level</a:t>
             </a:r>
+            <a:endParaRPr lang="en-US" sz="2000" b="0" strike="noStrike" spc="-1">
+              <a:latin typeface="Arial" panose="020B0604020202020204"/>
+            </a:endParaRPr>
           </a:p>
           <a:p>
             <a:pPr marL="3023870" lvl="6" indent="-215900">
@@ -10151,6 +10292,9 @@
               </a:rPr>
               <a:t>Seventh Outline Level</a:t>
             </a:r>
+            <a:endParaRPr lang="en-US" sz="2000" b="0" strike="noStrike" spc="-1">
+              <a:latin typeface="Arial" panose="020B0604020202020204"/>
+            </a:endParaRPr>
           </a:p>
         </p:txBody>
       </p:sp>
@@ -10185,7 +10329,7 @@
     <p:bg>
       <p:bgPr>
         <a:blipFill rotWithShape="0">
-          <a:blip r:embed="rId2"/>
+          <a:blip r:embed="rId1"/>
           <a:stretch>
             <a:fillRect/>
           </a:stretch>
@@ -10346,7 +10490,7 @@
           <p:nvPr/>
         </p:nvPicPr>
         <p:blipFill>
-          <a:blip r:embed="rId3"/>
+          <a:blip r:embed="rId2"/>
           <a:srcRect l="6663" t="4856" r="6220" b="5494"/>
           <a:stretch>
             <a:fillRect/>
@@ -10493,33 +10637,99 @@
               </a:rPr>
               <a:t>Functional requirements</a:t>
             </a:r>
+            <a:endParaRPr lang="en-US" dirty="0" smtClean="0">
+              <a:solidFill>
+                <a:schemeClr val="bg1"/>
+              </a:solidFill>
+              <a:latin typeface="Fira Sans Condensed Light" charset="0"/>
+              <a:cs typeface="Fira Sans Condensed Light" charset="0"/>
+            </a:endParaRPr>
           </a:p>
         </p:txBody>
       </p:sp>
       <p:pic>
         <p:nvPicPr>
-          <p:cNvPr id="8" name="Picture 7" descr="normaluser"/>
+          <p:cNvPr id="2" name="Picture 1" descr="Blank diagram - Page 1"/>
           <p:cNvPicPr>
             <a:picLocks noChangeAspect="1"/>
           </p:cNvPicPr>
           <p:nvPr/>
         </p:nvPicPr>
         <p:blipFill>
-          <a:blip r:embed="rId2"/>
+          <a:blip r:embed="rId1"/>
           <a:stretch>
             <a:fillRect/>
           </a:stretch>
         </p:blipFill>
         <p:spPr>
           <a:xfrm>
-            <a:off x="3923665" y="843280"/>
-            <a:ext cx="2247265" cy="3971290"/>
+            <a:off x="3276600" y="866775"/>
+            <a:ext cx="2453005" cy="4064000"/>
           </a:xfrm>
           <a:prstGeom prst="rect">
             <a:avLst/>
           </a:prstGeom>
         </p:spPr>
       </p:pic>
+      <p:sp>
+        <p:nvSpPr>
+          <p:cNvPr id="321" name="CustomShape 3"/>
+          <p:cNvSpPr/>
+          <p:nvPr/>
+        </p:nvSpPr>
+        <p:spPr>
+          <a:xfrm>
+            <a:off x="74520" y="4622760"/>
+            <a:ext cx="712440" cy="365760"/>
+          </a:xfrm>
+          <a:prstGeom prst="rect">
+            <a:avLst/>
+          </a:prstGeom>
+          <a:noFill/>
+          <a:ln>
+            <a:noFill/>
+          </a:ln>
+        </p:spPr>
+        <p:style>
+          <a:lnRef idx="0">
+            <a:srgbClr val="FFFFFF"/>
+          </a:lnRef>
+          <a:fillRef idx="0">
+            <a:srgbClr val="FFFFFF"/>
+          </a:fillRef>
+          <a:effectRef idx="0">
+            <a:srgbClr val="FFFFFF"/>
+          </a:effectRef>
+          <a:fontRef idx="minor"/>
+        </p:style>
+        <p:txBody>
+          <a:bodyPr lIns="90000" tIns="45000" rIns="90000" bIns="45000">
+            <a:spAutoFit/>
+          </a:bodyPr>
+          <a:p>
+            <a:pPr>
+              <a:lnSpc>
+                <a:spcPct val="100000"/>
+              </a:lnSpc>
+            </a:pPr>
+            <a:r>
+              <a:rPr lang="en-US" sz="1800" b="0" strike="noStrike" spc="-1">
+                <a:solidFill>
+                  <a:schemeClr val="bg1"/>
+                </a:solidFill>
+                <a:latin typeface="Arial" panose="020B0604020202020204"/>
+              </a:rPr>
+              <a:t>9</a:t>
+            </a:r>
+            <a:endParaRPr lang="en-US" sz="1800" b="0" strike="noStrike" spc="-1">
+              <a:solidFill>
+                <a:schemeClr val="bg1"/>
+              </a:solidFill>
+              <a:latin typeface="Arial" panose="020B0604020202020204"/>
+            </a:endParaRPr>
+          </a:p>
+        </p:txBody>
+      </p:sp>
     </p:spTree>
   </p:cSld>
   <p:clrMapOvr>
@@ -10571,59 +10781,66 @@
               </a:rPr>
               <a:t>Functional requirements</a:t>
             </a:r>
+            <a:endParaRPr lang="en-US" dirty="0" smtClean="0">
+              <a:solidFill>
+                <a:schemeClr val="bg1"/>
+              </a:solidFill>
+              <a:latin typeface="Fira Sans Condensed Light" charset="0"/>
+              <a:cs typeface="Fira Sans Condensed Light" charset="0"/>
+            </a:endParaRPr>
+          </a:p>
+        </p:txBody>
+      </p:sp>
+      <p:sp>
+        <p:nvSpPr>
+          <p:cNvPr id="9" name="Text Box 8"/>
+          <p:cNvSpPr txBox="1"/>
+          <p:nvPr/>
+        </p:nvSpPr>
+        <p:spPr>
+          <a:xfrm>
+            <a:off x="5268595" y="3033395"/>
+            <a:ext cx="250825" cy="368300"/>
+          </a:xfrm>
+          <a:prstGeom prst="rect">
+            <a:avLst/>
+          </a:prstGeom>
+          <a:noFill/>
+        </p:spPr>
+        <p:txBody>
+          <a:bodyPr wrap="square" rtlCol="0">
+            <a:spAutoFit/>
+          </a:bodyPr>
+          <a:lstStyle/>
+          <a:p>
+            <a:endParaRPr lang="en-US"/>
           </a:p>
         </p:txBody>
       </p:sp>
       <p:pic>
         <p:nvPicPr>
-          <p:cNvPr id="7" name="Picture 6" descr="adminuser"/>
+          <p:cNvPr id="2" name="Picture 1" descr="Blank diagram - Page 2"/>
           <p:cNvPicPr>
             <a:picLocks noChangeAspect="1"/>
           </p:cNvPicPr>
           <p:nvPr/>
         </p:nvPicPr>
         <p:blipFill>
-          <a:blip r:embed="rId2"/>
+          <a:blip r:embed="rId1"/>
           <a:stretch>
             <a:fillRect/>
           </a:stretch>
         </p:blipFill>
         <p:spPr>
           <a:xfrm>
-            <a:off x="2628265" y="1063625"/>
-            <a:ext cx="4073525" cy="3773170"/>
+            <a:off x="2197735" y="852170"/>
+            <a:ext cx="5029200" cy="4229100"/>
           </a:xfrm>
           <a:prstGeom prst="rect">
             <a:avLst/>
           </a:prstGeom>
         </p:spPr>
       </p:pic>
-      <p:sp>
-        <p:nvSpPr>
-          <p:cNvPr id="9" name="Text Box 8"/>
-          <p:cNvSpPr txBox="1"/>
-          <p:nvPr/>
-        </p:nvSpPr>
-        <p:spPr>
-          <a:xfrm>
-            <a:off x="5268595" y="3033395"/>
-            <a:ext cx="250825" cy="368300"/>
-          </a:xfrm>
-          <a:prstGeom prst="rect">
-            <a:avLst/>
-          </a:prstGeom>
-          <a:noFill/>
-        </p:spPr>
-        <p:txBody>
-          <a:bodyPr wrap="square" rtlCol="0">
-            <a:spAutoFit/>
-          </a:bodyPr>
-          <a:lstStyle/>
-          <a:p>
-            <a:endParaRPr lang="en-US"/>
-          </a:p>
-        </p:txBody>
-      </p:sp>
     </p:spTree>
   </p:cSld>
   <p:clrMapOvr>
@@ -10649,30 +10866,6 @@
           <a:chExt cx="0" cy="0"/>
         </a:xfrm>
       </p:grpSpPr>
-      <p:pic>
-        <p:nvPicPr>
-          <p:cNvPr id="6" name="Picture 5" descr="database"/>
-          <p:cNvPicPr>
-            <a:picLocks noChangeAspect="1"/>
-          </p:cNvPicPr>
-          <p:nvPr/>
-        </p:nvPicPr>
-        <p:blipFill>
-          <a:blip r:embed="rId2"/>
-          <a:stretch>
-            <a:fillRect/>
-          </a:stretch>
-        </p:blipFill>
-        <p:spPr>
-          <a:xfrm>
-            <a:off x="2844165" y="1924050"/>
-            <a:ext cx="3429000" cy="1485900"/>
-          </a:xfrm>
-          <a:prstGeom prst="rect">
-            <a:avLst/>
-          </a:prstGeom>
-        </p:spPr>
-      </p:pic>
       <p:sp>
         <p:nvSpPr>
           <p:cNvPr id="4" name="Title 3"/>
@@ -10699,6 +10892,97 @@
               </a:rPr>
               <a:t>Functional requirements</a:t>
             </a:r>
+            <a:endParaRPr lang="en-US" dirty="0" smtClean="0">
+              <a:solidFill>
+                <a:schemeClr val="bg1"/>
+              </a:solidFill>
+              <a:latin typeface="Fira Sans Condensed Light" charset="0"/>
+              <a:cs typeface="Fira Sans Condensed Light" charset="0"/>
+            </a:endParaRPr>
+          </a:p>
+        </p:txBody>
+      </p:sp>
+      <p:pic>
+        <p:nvPicPr>
+          <p:cNvPr id="2" name="Picture 1" descr="Blank diagram - Page 4"/>
+          <p:cNvPicPr>
+            <a:picLocks noChangeAspect="1"/>
+          </p:cNvPicPr>
+          <p:nvPr/>
+        </p:nvPicPr>
+        <p:blipFill>
+          <a:blip r:embed="rId1"/>
+          <a:stretch>
+            <a:fillRect/>
+          </a:stretch>
+        </p:blipFill>
+        <p:spPr>
+          <a:xfrm>
+            <a:off x="2411730" y="1430655"/>
+            <a:ext cx="3783330" cy="2571750"/>
+          </a:xfrm>
+          <a:prstGeom prst="rect">
+            <a:avLst/>
+          </a:prstGeom>
+        </p:spPr>
+      </p:pic>
+      <p:sp>
+        <p:nvSpPr>
+          <p:cNvPr id="321" name="CustomShape 3"/>
+          <p:cNvSpPr/>
+          <p:nvPr/>
+        </p:nvSpPr>
+        <p:spPr>
+          <a:xfrm>
+            <a:off x="74520" y="4622760"/>
+            <a:ext cx="712440" cy="365760"/>
+          </a:xfrm>
+          <a:prstGeom prst="rect">
+            <a:avLst/>
+          </a:prstGeom>
+          <a:noFill/>
+          <a:ln>
+            <a:noFill/>
+          </a:ln>
+        </p:spPr>
+        <p:style>
+          <a:lnRef idx="0">
+            <a:srgbClr val="FFFFFF"/>
+          </a:lnRef>
+          <a:fillRef idx="0">
+            <a:srgbClr val="FFFFFF"/>
+          </a:fillRef>
+          <a:effectRef idx="0">
+            <a:srgbClr val="FFFFFF"/>
+          </a:effectRef>
+          <a:fontRef idx="minor"/>
+        </p:style>
+        <p:txBody>
+          <a:bodyPr lIns="90000" tIns="45000" rIns="90000" bIns="45000">
+            <a:spAutoFit/>
+          </a:bodyPr>
+          <a:lstStyle/>
+          <a:p>
+            <a:pPr>
+              <a:lnSpc>
+                <a:spcPct val="100000"/>
+              </a:lnSpc>
+            </a:pPr>
+            <a:r>
+              <a:rPr lang="en-US" sz="1800" b="0" strike="noStrike" spc="-1">
+                <a:solidFill>
+                  <a:schemeClr val="bg1"/>
+                </a:solidFill>
+                <a:latin typeface="Arial" panose="020B0604020202020204"/>
+              </a:rPr>
+              <a:t>9</a:t>
+            </a:r>
+            <a:endParaRPr lang="en-US" sz="1800" b="0" strike="noStrike" spc="-1">
+              <a:solidFill>
+                <a:schemeClr val="bg1"/>
+              </a:solidFill>
+              <a:latin typeface="Arial" panose="020B0604020202020204"/>
+            </a:endParaRPr>
           </a:p>
         </p:txBody>
       </p:sp>
@@ -10719,17 +11003,34 @@
         <p:cNvGrpSpPr/>
         <p:nvPr/>
       </p:nvGrpSpPr>
-      <p:grpSpPr>
-        <a:xfrm>
-          <a:off x="0" y="0"/>
-          <a:ext cx="0" cy="0"/>
-          <a:chOff x="0" y="0"/>
-          <a:chExt cx="0" cy="0"/>
-        </a:xfrm>
-      </p:grpSpPr>
-      <p:sp>
-        <p:nvSpPr>
-          <p:cNvPr id="4" name="Title 3"/>
+      <p:grpSpPr/>
+      <p:pic>
+        <p:nvPicPr>
+          <p:cNvPr id="4" name="Picture 3" descr="Blank diagram - Page 3(1)"/>
+          <p:cNvPicPr>
+            <a:picLocks noChangeAspect="1"/>
+          </p:cNvPicPr>
+          <p:nvPr/>
+        </p:nvPicPr>
+        <p:blipFill>
+          <a:blip r:embed="rId1"/>
+          <a:stretch>
+            <a:fillRect/>
+          </a:stretch>
+        </p:blipFill>
+        <p:spPr>
+          <a:xfrm>
+            <a:off x="2608580" y="2092325"/>
+            <a:ext cx="3543300" cy="1485900"/>
+          </a:xfrm>
+          <a:prstGeom prst="rect">
+            <a:avLst/>
+          </a:prstGeom>
+        </p:spPr>
+      </p:pic>
+      <p:sp>
+        <p:nvSpPr>
+          <p:cNvPr id="5" name="Title 4"/>
           <p:cNvSpPr>
             <a:spLocks noGrp="1"/>
           </p:cNvSpPr>
@@ -10740,7 +11041,6 @@
         <p:spPr/>
         <p:txBody>
           <a:bodyPr/>
-          <a:lstStyle/>
           <a:p>
             <a:pPr algn="l"/>
             <a:r>
@@ -10753,33 +11053,76 @@
               </a:rPr>
               <a:t>Functional requirements</a:t>
             </a:r>
-          </a:p>
-        </p:txBody>
-      </p:sp>
-      <p:pic>
-        <p:nvPicPr>
-          <p:cNvPr id="5" name="Picture 4" descr="system (2)"/>
-          <p:cNvPicPr>
-            <a:picLocks noChangeAspect="1"/>
-          </p:cNvPicPr>
+            <a:endParaRPr lang="en-US" dirty="0" smtClean="0">
+              <a:solidFill>
+                <a:schemeClr val="bg1"/>
+              </a:solidFill>
+              <a:latin typeface="Fira Sans Condensed Light" charset="0"/>
+              <a:cs typeface="Fira Sans Condensed Light" charset="0"/>
+            </a:endParaRPr>
+          </a:p>
+        </p:txBody>
+      </p:sp>
+      <p:sp>
+        <p:nvSpPr>
+          <p:cNvPr id="321" name="CustomShape 3"/>
+          <p:cNvSpPr/>
           <p:nvPr/>
-        </p:nvPicPr>
-        <p:blipFill>
-          <a:blip r:embed="rId2"/>
-          <a:stretch>
-            <a:fillRect/>
-          </a:stretch>
-        </p:blipFill>
-        <p:spPr>
-          <a:xfrm>
-            <a:off x="1835785" y="987425"/>
-            <a:ext cx="5434965" cy="3714750"/>
-          </a:xfrm>
-          <a:prstGeom prst="rect">
-            <a:avLst/>
-          </a:prstGeom>
-        </p:spPr>
-      </p:pic>
+        </p:nvSpPr>
+        <p:spPr>
+          <a:xfrm>
+            <a:off x="74520" y="4622760"/>
+            <a:ext cx="712440" cy="365760"/>
+          </a:xfrm>
+          <a:prstGeom prst="rect">
+            <a:avLst/>
+          </a:prstGeom>
+          <a:noFill/>
+          <a:ln>
+            <a:noFill/>
+          </a:ln>
+        </p:spPr>
+        <p:style>
+          <a:lnRef idx="0">
+            <a:srgbClr val="FFFFFF"/>
+          </a:lnRef>
+          <a:fillRef idx="0">
+            <a:srgbClr val="FFFFFF"/>
+          </a:fillRef>
+          <a:effectRef idx="0">
+            <a:srgbClr val="FFFFFF"/>
+          </a:effectRef>
+          <a:fontRef idx="minor"/>
+        </p:style>
+        <p:txBody>
+          <a:bodyPr lIns="90000" tIns="45000" rIns="90000" bIns="45000">
+            <a:spAutoFit/>
+          </a:bodyPr>
+          <a:lstStyle/>
+          <a:p>
+            <a:pPr>
+              <a:lnSpc>
+                <a:spcPct val="100000"/>
+              </a:lnSpc>
+            </a:pPr>
+            <a:r>
+              <a:rPr lang="en-US" sz="1800" b="0" strike="noStrike" spc="-1">
+                <a:solidFill>
+                  <a:schemeClr val="bg1"/>
+                </a:solidFill>
+                <a:latin typeface="Arial" panose="020B0604020202020204"/>
+              </a:rPr>
+              <a:t>10</a:t>
+            </a:r>
+            <a:endParaRPr lang="en-US" sz="1800" b="0" strike="noStrike" spc="-1">
+              <a:solidFill>
+                <a:schemeClr val="bg1"/>
+              </a:solidFill>
+              <a:latin typeface="Arial" panose="020B0604020202020204"/>
+            </a:endParaRPr>
+          </a:p>
+        </p:txBody>
+      </p:sp>
     </p:spTree>
   </p:cSld>
   <p:clrMapOvr>
@@ -10830,16 +11173,6 @@
                 <a:sym typeface="+mn-ea"/>
               </a:rPr>
               <a:t>Functional requirements</a:t>
-            </a:r>
-            <a:r>
-              <a:rPr lang="en-US" dirty="0" smtClean="0">
-                <a:solidFill>
-                  <a:schemeClr val="bg1"/>
-                </a:solidFill>
-                <a:latin typeface="Fira Sans Condensed Light" charset="0"/>
-                <a:cs typeface="Fira Sans Condensed Light" charset="0"/>
-              </a:rPr>
-              <a:t/>
             </a:r>
             <a:br>
               <a:rPr lang="en-US" dirty="0" smtClean="0">
@@ -11141,6 +11474,66 @@
           </a:p>
         </p:txBody>
       </p:sp>
+      <p:sp>
+        <p:nvSpPr>
+          <p:cNvPr id="321" name="CustomShape 3"/>
+          <p:cNvSpPr/>
+          <p:nvPr/>
+        </p:nvSpPr>
+        <p:spPr>
+          <a:xfrm>
+            <a:off x="74520" y="4622760"/>
+            <a:ext cx="712440" cy="365760"/>
+          </a:xfrm>
+          <a:prstGeom prst="rect">
+            <a:avLst/>
+          </a:prstGeom>
+          <a:noFill/>
+          <a:ln>
+            <a:noFill/>
+          </a:ln>
+        </p:spPr>
+        <p:style>
+          <a:lnRef idx="0">
+            <a:srgbClr val="FFFFFF"/>
+          </a:lnRef>
+          <a:fillRef idx="0">
+            <a:srgbClr val="FFFFFF"/>
+          </a:fillRef>
+          <a:effectRef idx="0">
+            <a:srgbClr val="FFFFFF"/>
+          </a:effectRef>
+          <a:fontRef idx="minor"/>
+        </p:style>
+        <p:txBody>
+          <a:bodyPr lIns="90000" tIns="45000" rIns="90000" bIns="45000">
+            <a:spAutoFit/>
+          </a:bodyPr>
+          <a:lstStyle/>
+          <a:p>
+            <a:pPr>
+              <a:lnSpc>
+                <a:spcPct val="100000"/>
+              </a:lnSpc>
+            </a:pPr>
+            <a:r>
+              <a:rPr lang="en-US" sz="1800" b="0" strike="noStrike" spc="-1">
+                <a:solidFill>
+                  <a:schemeClr val="bg1"/>
+                </a:solidFill>
+                <a:latin typeface="Arial" panose="020B0604020202020204"/>
+              </a:rPr>
+              <a:t>11</a:t>
+            </a:r>
+            <a:endParaRPr lang="en-US" sz="1800" b="0" strike="noStrike" spc="-1">
+              <a:solidFill>
+                <a:schemeClr val="bg1"/>
+              </a:solidFill>
+              <a:latin typeface="Arial" panose="020B0604020202020204"/>
+            </a:endParaRPr>
+          </a:p>
+        </p:txBody>
+      </p:sp>
     </p:spTree>
   </p:cSld>
   <p:clrMapOvr>
@@ -11202,16 +11595,6 @@
               </a:rPr>
               <a:t>Functional requirements</a:t>
             </a:r>
-            <a:r>
-              <a:rPr lang="en-US" dirty="0" smtClean="0">
-                <a:solidFill>
-                  <a:schemeClr val="bg1"/>
-                </a:solidFill>
-                <a:latin typeface="Fira Sans Condensed Light" charset="0"/>
-                <a:cs typeface="Fira Sans Condensed Light" charset="0"/>
-              </a:rPr>
-              <a:t/>
-            </a:r>
             <a:br>
               <a:rPr lang="en-US" dirty="0" smtClean="0">
                 <a:solidFill>
@@ -11354,6 +11737,65 @@
               <a:t>Performance</a:t>
             </a:r>
             <a:endParaRPr lang="en-US" sz="1600" b="0" strike="noStrike" spc="-1">
+              <a:latin typeface="Arial" panose="020B0604020202020204"/>
+            </a:endParaRPr>
+          </a:p>
+        </p:txBody>
+      </p:sp>
+      <p:sp>
+        <p:nvSpPr>
+          <p:cNvPr id="321" name="CustomShape 3"/>
+          <p:cNvSpPr/>
+          <p:nvPr/>
+        </p:nvSpPr>
+        <p:spPr>
+          <a:xfrm>
+            <a:off x="74520" y="4622760"/>
+            <a:ext cx="712440" cy="365760"/>
+          </a:xfrm>
+          <a:prstGeom prst="rect">
+            <a:avLst/>
+          </a:prstGeom>
+          <a:noFill/>
+          <a:ln>
+            <a:noFill/>
+          </a:ln>
+        </p:spPr>
+        <p:style>
+          <a:lnRef idx="0">
+            <a:srgbClr val="FFFFFF"/>
+          </a:lnRef>
+          <a:fillRef idx="0">
+            <a:srgbClr val="FFFFFF"/>
+          </a:fillRef>
+          <a:effectRef idx="0">
+            <a:srgbClr val="FFFFFF"/>
+          </a:effectRef>
+          <a:fontRef idx="minor"/>
+        </p:style>
+        <p:txBody>
+          <a:bodyPr lIns="90000" tIns="45000" rIns="90000" bIns="45000">
+            <a:spAutoFit/>
+          </a:bodyPr>
+          <a:p>
+            <a:pPr>
+              <a:lnSpc>
+                <a:spcPct val="100000"/>
+              </a:lnSpc>
+            </a:pPr>
+            <a:r>
+              <a:rPr lang="en-US" sz="1800" b="0" strike="noStrike" spc="-1">
+                <a:solidFill>
+                  <a:schemeClr val="bg1"/>
+                </a:solidFill>
+                <a:latin typeface="Arial" panose="020B0604020202020204"/>
+              </a:rPr>
+              <a:t>12</a:t>
+            </a:r>
+            <a:endParaRPr lang="en-US" sz="1800" b="0" strike="noStrike" spc="-1">
+              <a:solidFill>
+                <a:schemeClr val="bg1"/>
+              </a:solidFill>
               <a:latin typeface="Arial" panose="020B0604020202020204"/>
             </a:endParaRPr>
           </a:p>
@@ -11475,7 +11917,7 @@
           <p:nvPr/>
         </p:nvPicPr>
         <p:blipFill>
-          <a:blip r:embed="rId2"/>
+          <a:blip r:embed="rId1"/>
           <a:stretch>
             <a:fillRect/>
           </a:stretch>
@@ -11502,7 +11944,7 @@
         <p:spPr>
           <a:xfrm>
             <a:off x="74520" y="4622760"/>
-            <a:ext cx="712440" cy="363960"/>
+            <a:ext cx="712440" cy="365760"/>
           </a:xfrm>
           <a:prstGeom prst="rect">
             <a:avLst/>
@@ -11543,7 +11985,7 @@
                 <a:latin typeface="Arial" panose="020B0604020202020204"/>
                 <a:ea typeface="DejaVu Sans"/>
               </a:rPr>
-              <a:t>12</a:t>
+              <a:t>13</a:t>
             </a:r>
             <a:endParaRPr lang="en-US" sz="1800" b="0" strike="noStrike" spc="-1">
               <a:latin typeface="Arial" panose="020B0604020202020204"/>
@@ -11647,7 +12089,7 @@
           <p:nvPr/>
         </p:nvPicPr>
         <p:blipFill>
-          <a:blip r:embed="rId2"/>
+          <a:blip r:embed="rId1"/>
           <a:stretch>
             <a:fillRect/>
           </a:stretch>
@@ -11736,7 +12178,7 @@
         <p:spPr>
           <a:xfrm>
             <a:off x="74520" y="4622760"/>
-            <a:ext cx="712440" cy="363960"/>
+            <a:ext cx="712440" cy="365760"/>
           </a:xfrm>
           <a:prstGeom prst="rect">
             <a:avLst/>
@@ -11777,7 +12219,7 @@
                 <a:latin typeface="Arial" panose="020B0604020202020204"/>
                 <a:ea typeface="DejaVu Sans"/>
               </a:rPr>
-              <a:t>13</a:t>
+              <a:t>14</a:t>
             </a:r>
             <a:endParaRPr lang="en-US" sz="1800" b="0" strike="noStrike" spc="-1">
               <a:latin typeface="Arial" panose="020B0604020202020204"/>
@@ -11949,7 +12391,7 @@
           <p:nvPr/>
         </p:nvPicPr>
         <p:blipFill>
-          <a:blip r:embed="rId2"/>
+          <a:blip r:embed="rId1"/>
           <a:stretch>
             <a:fillRect/>
           </a:stretch>
@@ -11976,7 +12418,7 @@
         <p:spPr>
           <a:xfrm>
             <a:off x="74520" y="4622760"/>
-            <a:ext cx="712440" cy="363960"/>
+            <a:ext cx="712440" cy="365760"/>
           </a:xfrm>
           <a:prstGeom prst="rect">
             <a:avLst/>
@@ -12017,7 +12459,7 @@
                 <a:latin typeface="Arial" panose="020B0604020202020204"/>
                 <a:ea typeface="DejaVu Sans"/>
               </a:rPr>
-              <a:t>14</a:t>
+              <a:t>15</a:t>
             </a:r>
             <a:endParaRPr lang="en-US" sz="1800" b="0" strike="noStrike" spc="-1">
               <a:latin typeface="Arial" panose="020B0604020202020204"/>
@@ -12042,7 +12484,7 @@
     <p:bg>
       <p:bgPr>
         <a:blipFill rotWithShape="0">
-          <a:blip r:embed="rId2"/>
+          <a:blip r:embed="rId1"/>
           <a:stretch>
             <a:fillRect/>
           </a:stretch>
@@ -12119,6 +12561,13 @@
               </a:rPr>
               <a:t>TIME PLAN</a:t>
             </a:r>
+            <a:endParaRPr lang="en-GB" sz="2200" b="1" strike="noStrike" spc="-1">
+              <a:solidFill>
+                <a:schemeClr val="bg1"/>
+              </a:solidFill>
+              <a:latin typeface="Rajdhani"/>
+              <a:ea typeface="Rajdhani"/>
+            </a:endParaRPr>
           </a:p>
         </p:txBody>
       </p:sp>
@@ -12225,6 +12674,13 @@
               </a:rPr>
               <a:t>Whole genome processing from the sources we gathered</a:t>
             </a:r>
+            <a:endParaRPr lang="en-US" sz="1400" b="0" strike="noStrike" spc="-1">
+              <a:solidFill>
+                <a:schemeClr val="bg1"/>
+              </a:solidFill>
+              <a:latin typeface="Fira Sans Condensed Light"/>
+              <a:ea typeface="Fira Sans Condensed Light"/>
+            </a:endParaRPr>
           </a:p>
         </p:txBody>
       </p:sp>
@@ -12300,6 +12756,13 @@
               </a:rPr>
               <a:t>January</a:t>
             </a:r>
+            <a:endParaRPr lang="en-US" sz="1800" b="1" strike="noStrike" spc="-1">
+              <a:solidFill>
+                <a:schemeClr val="bg1"/>
+              </a:solidFill>
+              <a:latin typeface="Rajdhani"/>
+              <a:ea typeface="Rajdhani"/>
+            </a:endParaRPr>
           </a:p>
         </p:txBody>
       </p:sp>
@@ -12355,6 +12818,13 @@
               </a:rPr>
               <a:t>Potentially add Whole genome in our system based on the information we gathered</a:t>
             </a:r>
+            <a:endParaRPr lang="en-US" sz="1400" b="0" strike="noStrike" spc="-1">
+              <a:solidFill>
+                <a:schemeClr val="bg1"/>
+              </a:solidFill>
+              <a:latin typeface="Fira Sans Condensed Light"/>
+              <a:ea typeface="Fira Sans Condensed Light"/>
+            </a:endParaRPr>
           </a:p>
         </p:txBody>
       </p:sp>
@@ -12413,6 +12883,13 @@
               </a:rPr>
               <a:t>Implement at least 60 % of the GUI application and mobile application</a:t>
             </a:r>
+            <a:endParaRPr lang="en-US" sz="1400" b="0" strike="noStrike" spc="-1">
+              <a:solidFill>
+                <a:schemeClr val="bg1"/>
+              </a:solidFill>
+              <a:latin typeface="Fira Sans Condensed Light"/>
+              <a:ea typeface="Fira Sans Condensed Light"/>
+            </a:endParaRPr>
           </a:p>
         </p:txBody>
       </p:sp>
@@ -12468,6 +12945,13 @@
               </a:rPr>
               <a:t>Prove that if is at least a relevance or kinship degree </a:t>
             </a:r>
+            <a:endParaRPr lang="en-US" sz="1400" b="0" strike="noStrike" spc="-1">
+              <a:solidFill>
+                <a:schemeClr val="bg1"/>
+              </a:solidFill>
+              <a:latin typeface="Fira Sans Condensed Light"/>
+              <a:ea typeface="Fira Sans Condensed Light"/>
+            </a:endParaRPr>
           </a:p>
         </p:txBody>
       </p:sp>
@@ -12533,6 +13017,13 @@
               </a:rPr>
               <a:t>February</a:t>
             </a:r>
+            <a:endParaRPr lang="en-US" sz="1800" b="1" strike="noStrike" spc="-1">
+              <a:solidFill>
+                <a:schemeClr val="bg1"/>
+              </a:solidFill>
+              <a:latin typeface="Rajdhani"/>
+              <a:ea typeface="Rajdhani"/>
+            </a:endParaRPr>
           </a:p>
         </p:txBody>
       </p:sp>
@@ -12601,6 +13092,13 @@
               </a:rPr>
               <a:t>efore the end of Februrary </a:t>
             </a:r>
+            <a:endParaRPr lang="en-GB" sz="1800" b="1" strike="noStrike" spc="-1">
+              <a:solidFill>
+                <a:schemeClr val="bg1"/>
+              </a:solidFill>
+              <a:latin typeface="Rajdhani"/>
+              <a:ea typeface="Rajdhani"/>
+            </a:endParaRPr>
           </a:p>
         </p:txBody>
       </p:sp>
@@ -12656,6 +13154,13 @@
               </a:rPr>
               <a:t>Start by the end of February</a:t>
             </a:r>
+            <a:endParaRPr lang="en-US" sz="1800" b="1" strike="noStrike" spc="-1">
+              <a:solidFill>
+                <a:schemeClr val="bg1"/>
+              </a:solidFill>
+              <a:latin typeface="Rajdhani"/>
+              <a:ea typeface="Rajdhani"/>
+            </a:endParaRPr>
           </a:p>
         </p:txBody>
       </p:sp>
@@ -12907,6 +13412,13 @@
               </a:rPr>
               <a:t>13/1/2022</a:t>
             </a:r>
+            <a:endParaRPr lang="en-US" sz="1600" b="1" strike="noStrike" spc="-1">
+              <a:solidFill>
+                <a:schemeClr val="bg1"/>
+              </a:solidFill>
+              <a:latin typeface="Rajdhani"/>
+              <a:ea typeface="Rajdhani"/>
+            </a:endParaRPr>
           </a:p>
         </p:txBody>
       </p:sp>
@@ -12962,6 +13474,13 @@
               </a:rPr>
               <a:t>Enhance everything we implemented so far</a:t>
             </a:r>
+            <a:endParaRPr lang="en-US" sz="1400" b="0" strike="noStrike" spc="-1">
+              <a:solidFill>
+                <a:schemeClr val="bg1"/>
+              </a:solidFill>
+              <a:latin typeface="Fira Sans Condensed Light"/>
+              <a:ea typeface="Fira Sans Condensed Light"/>
+            </a:endParaRPr>
           </a:p>
         </p:txBody>
       </p:sp>
@@ -13023,7 +13542,7 @@
         <p:spPr>
           <a:xfrm>
             <a:off x="323440" y="4660225"/>
-            <a:ext cx="712440" cy="363960"/>
+            <a:ext cx="712440" cy="365760"/>
           </a:xfrm>
           <a:prstGeom prst="rect">
             <a:avLst/>
@@ -13064,8 +13583,15 @@
                 <a:latin typeface="Arial" panose="020B0604020202020204"/>
                 <a:ea typeface="DejaVu Sans"/>
               </a:rPr>
-              <a:t>18</a:t>
+              <a:t>16</a:t>
             </a:r>
+            <a:endParaRPr lang="en-US" sz="1800" b="0" strike="noStrike" spc="-1">
+              <a:solidFill>
+                <a:schemeClr val="bg1"/>
+              </a:solidFill>
+              <a:latin typeface="Arial" panose="020B0604020202020204"/>
+              <a:ea typeface="DejaVu Sans"/>
+            </a:endParaRPr>
           </a:p>
         </p:txBody>
       </p:sp>
@@ -13086,7 +13612,7 @@
     <p:bg>
       <p:bgPr>
         <a:blipFill rotWithShape="0">
-          <a:blip r:embed="rId2"/>
+          <a:blip r:embed="rId1"/>
           <a:stretch>
             <a:fillRect/>
           </a:stretch>
@@ -13164,6 +13690,14 @@
               </a:rPr>
               <a:t>Agenda</a:t>
             </a:r>
+            <a:endParaRPr lang="en-GB" sz="3000" b="1" strike="noStrike" spc="-1">
+              <a:solidFill>
+                <a:srgbClr val="F3F3F3"/>
+              </a:solidFill>
+              <a:latin typeface="Arial" panose="020B0604020202020204" pitchFamily="34" charset="0"/>
+              <a:ea typeface="Rajdhani"/>
+              <a:cs typeface="Arial" panose="020B0604020202020204" pitchFamily="34" charset="0"/>
+            </a:endParaRPr>
           </a:p>
         </p:txBody>
       </p:sp>
@@ -13224,6 +13758,12 @@
               </a:rPr>
               <a:t>Introduction</a:t>
             </a:r>
+            <a:endParaRPr lang="en-US" sz="1400" spc="-1" dirty="0" smtClean="0">
+              <a:solidFill>
+                <a:schemeClr val="bg1"/>
+              </a:solidFill>
+              <a:latin typeface="Arial" panose="020B0604020202020204"/>
+            </a:endParaRPr>
           </a:p>
           <a:p>
             <a:pPr marL="285750" indent="-285750">
@@ -13242,6 +13782,12 @@
               </a:rPr>
               <a:t>Problem Statement</a:t>
             </a:r>
+            <a:endParaRPr lang="en-US" sz="1400" b="0" strike="noStrike" spc="-1" dirty="0" smtClean="0">
+              <a:solidFill>
+                <a:schemeClr val="bg1"/>
+              </a:solidFill>
+              <a:latin typeface="Arial" panose="020B0604020202020204"/>
+            </a:endParaRPr>
           </a:p>
           <a:p>
             <a:pPr marL="285750" indent="-285750">
@@ -13260,6 +13806,12 @@
               </a:rPr>
               <a:t>Objectives</a:t>
             </a:r>
+            <a:endParaRPr lang="en-US" sz="1400" spc="-1" dirty="0" smtClean="0">
+              <a:solidFill>
+                <a:schemeClr val="bg1"/>
+              </a:solidFill>
+              <a:latin typeface="Arial" panose="020B0604020202020204"/>
+            </a:endParaRPr>
           </a:p>
           <a:p>
             <a:pPr marL="285750" indent="-285750">
@@ -13278,6 +13830,12 @@
               </a:rPr>
               <a:t>System Overview</a:t>
             </a:r>
+            <a:endParaRPr lang="en-US" sz="1400" b="0" strike="noStrike" spc="-1" dirty="0" smtClean="0">
+              <a:solidFill>
+                <a:schemeClr val="bg1"/>
+              </a:solidFill>
+              <a:latin typeface="Arial" panose="020B0604020202020204"/>
+            </a:endParaRPr>
           </a:p>
           <a:p>
             <a:pPr marL="285750" indent="-285750">
@@ -13296,6 +13854,12 @@
               </a:rPr>
               <a:t>Use Cases</a:t>
             </a:r>
+            <a:endParaRPr lang="en-US" sz="1400" spc="-1" dirty="0" smtClean="0">
+              <a:solidFill>
+                <a:schemeClr val="bg1"/>
+              </a:solidFill>
+              <a:latin typeface="Arial" panose="020B0604020202020204"/>
+            </a:endParaRPr>
           </a:p>
           <a:p>
             <a:pPr marL="285750" indent="-285750">
@@ -13314,6 +13878,12 @@
               </a:rPr>
               <a:t>Functional &amp; Non functional Requirements </a:t>
             </a:r>
+            <a:endParaRPr lang="en-US" sz="1400" b="0" strike="noStrike" spc="-1" dirty="0" smtClean="0">
+              <a:solidFill>
+                <a:schemeClr val="bg1"/>
+              </a:solidFill>
+              <a:latin typeface="Arial" panose="020B0604020202020204"/>
+            </a:endParaRPr>
           </a:p>
           <a:p>
             <a:pPr marL="285750" indent="-285750">
@@ -13332,6 +13902,12 @@
               </a:rPr>
               <a:t>Class Diagram</a:t>
             </a:r>
+            <a:endParaRPr lang="en-US" sz="1400" spc="-1" dirty="0" smtClean="0">
+              <a:solidFill>
+                <a:schemeClr val="bg1"/>
+              </a:solidFill>
+              <a:latin typeface="Arial" panose="020B0604020202020204"/>
+            </a:endParaRPr>
           </a:p>
           <a:p>
             <a:pPr marL="285750" indent="-285750">
@@ -13350,6 +13926,12 @@
               </a:rPr>
               <a:t>Data design (Database &amp; Dataset)</a:t>
             </a:r>
+            <a:endParaRPr lang="en-US" sz="1400" spc="-1" dirty="0" smtClean="0">
+              <a:solidFill>
+                <a:schemeClr val="bg1"/>
+              </a:solidFill>
+              <a:latin typeface="Arial" panose="020B0604020202020204"/>
+            </a:endParaRPr>
           </a:p>
           <a:p>
             <a:pPr marL="285750" indent="-285750">
@@ -13368,6 +13950,12 @@
               </a:rPr>
               <a:t>Live Demo`</a:t>
             </a:r>
+            <a:endParaRPr lang="en-US" sz="1400" spc="-1" dirty="0" smtClean="0">
+              <a:solidFill>
+                <a:schemeClr val="bg1"/>
+              </a:solidFill>
+              <a:latin typeface="Arial" panose="020B0604020202020204"/>
+            </a:endParaRPr>
           </a:p>
         </p:txBody>
       </p:sp>
@@ -13705,7 +14293,7 @@
     <p:bg>
       <p:bgPr>
         <a:blipFill rotWithShape="0">
-          <a:blip r:embed="rId2"/>
+          <a:blip r:embed="rId1"/>
           <a:stretch>
             <a:fillRect/>
           </a:stretch>
@@ -13805,7 +14393,7 @@
           <p:nvPr/>
         </p:nvPicPr>
         <p:blipFill>
-          <a:blip r:embed="rId3"/>
+          <a:blip r:embed="rId2"/>
           <a:stretch>
             <a:fillRect/>
           </a:stretch>
@@ -13833,7 +14421,7 @@
           <p:nvPr/>
         </p:nvPicPr>
         <p:blipFill>
-          <a:blip r:embed="rId4"/>
+          <a:blip r:embed="rId3"/>
           <a:stretch>
             <a:fillRect/>
           </a:stretch>
@@ -13900,9 +14488,6 @@
                 <a:spcPct val="100000"/>
               </a:lnSpc>
             </a:pPr>
-            <a:r>
-              <a:t/>
-            </a:r>
             <a:br/>
             <a:r>
               <a:rPr lang="en-US" sz="1400" b="0" strike="noStrike" spc="-1">
@@ -14172,48 +14757,12 @@
             <a:tbl>
               <a:tblPr/>
               <a:tblGrid>
-                <a:gridCol w="1257120">
-                  <a:extLst>
-                    <a:ext uri="{9D8B030D-6E8A-4147-A177-3AD203B41FA5}">
-                      <a16:colId xmlns:a16="http://schemas.microsoft.com/office/drawing/2014/main" val="20000"/>
-                    </a:ext>
-                  </a:extLst>
-                </a:gridCol>
-                <a:gridCol w="1257120">
-                  <a:extLst>
-                    <a:ext uri="{9D8B030D-6E8A-4147-A177-3AD203B41FA5}">
-                      <a16:colId xmlns:a16="http://schemas.microsoft.com/office/drawing/2014/main" val="20001"/>
-                    </a:ext>
-                  </a:extLst>
-                </a:gridCol>
-                <a:gridCol w="1257120">
-                  <a:extLst>
-                    <a:ext uri="{9D8B030D-6E8A-4147-A177-3AD203B41FA5}">
-                      <a16:colId xmlns:a16="http://schemas.microsoft.com/office/drawing/2014/main" val="20002"/>
-                    </a:ext>
-                  </a:extLst>
-                </a:gridCol>
-                <a:gridCol w="1257120">
-                  <a:extLst>
-                    <a:ext uri="{9D8B030D-6E8A-4147-A177-3AD203B41FA5}">
-                      <a16:colId xmlns:a16="http://schemas.microsoft.com/office/drawing/2014/main" val="20003"/>
-                    </a:ext>
-                  </a:extLst>
-                </a:gridCol>
-                <a:gridCol w="1257120">
-                  <a:extLst>
-                    <a:ext uri="{9D8B030D-6E8A-4147-A177-3AD203B41FA5}">
-                      <a16:colId xmlns:a16="http://schemas.microsoft.com/office/drawing/2014/main" val="20004"/>
-                    </a:ext>
-                  </a:extLst>
-                </a:gridCol>
-                <a:gridCol w="1258560">
-                  <a:extLst>
-                    <a:ext uri="{9D8B030D-6E8A-4147-A177-3AD203B41FA5}">
-                      <a16:colId xmlns:a16="http://schemas.microsoft.com/office/drawing/2014/main" val="20005"/>
-                    </a:ext>
-                  </a:extLst>
-                </a:gridCol>
+                <a:gridCol w="1257120"/>
+                <a:gridCol w="1257120"/>
+                <a:gridCol w="1257120"/>
+                <a:gridCol w="1257120"/>
+                <a:gridCol w="1257120"/>
+                <a:gridCol w="1258560"/>
               </a:tblGrid>
               <a:tr h="370800">
                 <a:tc>
@@ -14522,11 +15071,6 @@
                     </a:solidFill>
                   </a:tcPr>
                 </a:tc>
-                <a:extLst>
-                  <a:ext uri="{0D108BD9-81ED-4DB2-BD59-A6C34878D82A}">
-                    <a16:rowId xmlns:a16="http://schemas.microsoft.com/office/drawing/2014/main" val="10000"/>
-                  </a:ext>
-                </a:extLst>
               </a:tr>
               <a:tr h="370800">
                 <a:tc>
@@ -14835,11 +15379,6 @@
                     </a:solidFill>
                   </a:tcPr>
                 </a:tc>
-                <a:extLst>
-                  <a:ext uri="{0D108BD9-81ED-4DB2-BD59-A6C34878D82A}">
-                    <a16:rowId xmlns:a16="http://schemas.microsoft.com/office/drawing/2014/main" val="10001"/>
-                  </a:ext>
-                </a:extLst>
               </a:tr>
             </a:tbl>
           </a:graphicData>
@@ -14862,7 +15401,7 @@
             </a:avLst>
           </a:prstGeom>
           <a:blipFill rotWithShape="0">
-            <a:blip r:embed="rId2"/>
+            <a:blip r:embed="rId1"/>
             <a:stretch>
               <a:fillRect/>
             </a:stretch>
@@ -15043,16 +15582,6 @@
                 <a:ea typeface="DejaVu Sans"/>
               </a:rPr>
             </a:br>
-            <a:r>
-              <a:rPr lang="en-US" sz="1400" b="0" strike="noStrike" spc="-1">
-                <a:solidFill>
-                  <a:srgbClr val="DCDDDE"/>
-                </a:solidFill>
-                <a:latin typeface="Fira Sans Condensed Light"/>
-                <a:ea typeface="DejaVu Sans"/>
-              </a:rPr>
-              <a:t/>
-            </a:r>
             <a:br>
               <a:rPr lang="en-US" sz="1400" b="0" strike="noStrike" spc="-1">
                 <a:solidFill>
@@ -15081,16 +15610,6 @@
                 <a:ea typeface="DejaVu Sans"/>
               </a:rPr>
             </a:br>
-            <a:r>
-              <a:rPr lang="en-US" sz="1400" b="0" strike="noStrike" spc="-1">
-                <a:solidFill>
-                  <a:srgbClr val="DCDDDE"/>
-                </a:solidFill>
-                <a:latin typeface="Fira Sans Condensed Light"/>
-                <a:ea typeface="DejaVu Sans"/>
-              </a:rPr>
-              <a:t/>
-            </a:r>
             <a:br>
               <a:rPr lang="en-US" sz="1400" b="0" strike="noStrike" spc="-1">
                 <a:solidFill>
@@ -15189,7 +15708,7 @@
         <p:spPr>
           <a:xfrm>
             <a:off x="74520" y="4622760"/>
-            <a:ext cx="712440" cy="363960"/>
+            <a:ext cx="712440" cy="365760"/>
           </a:xfrm>
           <a:prstGeom prst="rect">
             <a:avLst/>
@@ -15225,14 +15744,16 @@
             <a:r>
               <a:rPr lang="en-US" sz="1800" b="0" strike="noStrike" spc="-1">
                 <a:solidFill>
-                  <a:srgbClr val="F3F3F3"/>
+                  <a:schemeClr val="bg1"/>
                 </a:solidFill>
                 <a:latin typeface="Arial" panose="020B0604020202020204"/>
-                <a:ea typeface="DejaVu Sans"/>
               </a:rPr>
-              <a:t>3</a:t>
+              <a:t>2</a:t>
             </a:r>
             <a:endParaRPr lang="en-US" sz="1800" b="0" strike="noStrike" spc="-1">
+              <a:solidFill>
+                <a:schemeClr val="bg1"/>
+              </a:solidFill>
               <a:latin typeface="Arial" panose="020B0604020202020204"/>
             </a:endParaRPr>
           </a:p>
@@ -15519,9 +16040,6 @@
                 <a:tab pos="0" algn="l"/>
               </a:tabLst>
             </a:pPr>
-            <a:r>
-              <a:t/>
-            </a:r>
             <a:br/>
             <a:endParaRPr lang="en-US" sz="1400" b="0" strike="noStrike" spc="-1">
               <a:latin typeface="Arial" panose="020B0604020202020204"/>
@@ -15536,9 +16054,6 @@
                 <a:tab pos="0" algn="l"/>
               </a:tabLst>
             </a:pPr>
-            <a:r>
-              <a:t/>
-            </a:r>
             <a:br/>
             <a:endParaRPr lang="en-US" sz="1400" b="0" strike="noStrike" spc="-1">
               <a:latin typeface="Arial" panose="020B0604020202020204"/>
@@ -15553,9 +16068,6 @@
                 <a:tab pos="0" algn="l"/>
               </a:tabLst>
             </a:pPr>
-            <a:r>
-              <a:t/>
-            </a:r>
             <a:br/>
             <a:endParaRPr lang="en-US" sz="1400" b="0" strike="noStrike" spc="-1">
               <a:latin typeface="Arial" panose="020B0604020202020204"/>
@@ -15570,9 +16082,6 @@
                 <a:tab pos="0" algn="l"/>
               </a:tabLst>
             </a:pPr>
-            <a:r>
-              <a:t/>
-            </a:r>
             <a:br/>
             <a:endParaRPr lang="en-US" sz="1400" b="0" strike="noStrike" spc="-1">
               <a:latin typeface="Arial" panose="020B0604020202020204"/>
@@ -15587,9 +16096,6 @@
                 <a:tab pos="0" algn="l"/>
               </a:tabLst>
             </a:pPr>
-            <a:r>
-              <a:t/>
-            </a:r>
             <a:br/>
             <a:endParaRPr lang="en-US" sz="1400" b="0" strike="noStrike" spc="-1">
               <a:latin typeface="Arial" panose="020B0604020202020204"/>
@@ -15604,9 +16110,6 @@
                 <a:tab pos="0" algn="l"/>
               </a:tabLst>
             </a:pPr>
-            <a:r>
-              <a:t/>
-            </a:r>
             <a:br/>
             <a:endParaRPr lang="en-US" sz="1400" b="0" strike="noStrike" spc="-1">
               <a:latin typeface="Arial" panose="020B0604020202020204"/>
@@ -15621,9 +16124,6 @@
                 <a:tab pos="0" algn="l"/>
               </a:tabLst>
             </a:pPr>
-            <a:r>
-              <a:t/>
-            </a:r>
             <a:br/>
             <a:endParaRPr lang="en-US" sz="1400" b="0" strike="noStrike" spc="-1">
               <a:latin typeface="Arial" panose="020B0604020202020204"/>
@@ -15638,9 +16138,6 @@
                 <a:tab pos="0" algn="l"/>
               </a:tabLst>
             </a:pPr>
-            <a:r>
-              <a:t/>
-            </a:r>
             <a:br/>
             <a:endParaRPr lang="en-US" sz="1400" b="0" strike="noStrike" spc="-1">
               <a:latin typeface="Arial" panose="020B0604020202020204"/>
@@ -15655,9 +16152,6 @@
                 <a:tab pos="0" algn="l"/>
               </a:tabLst>
             </a:pPr>
-            <a:r>
-              <a:t/>
-            </a:r>
             <a:br/>
             <a:endParaRPr lang="en-US" sz="1400" b="0" strike="noStrike" spc="-1">
               <a:latin typeface="Arial" panose="020B0604020202020204"/>
@@ -15698,7 +16192,7 @@
           <p:nvPr/>
         </p:nvPicPr>
         <p:blipFill>
-          <a:blip r:embed="rId2"/>
+          <a:blip r:embed="rId1"/>
           <a:stretch>
             <a:fillRect/>
           </a:stretch>
@@ -15728,7 +16222,7 @@
         <p:spPr>
           <a:xfrm>
             <a:off x="74520" y="4622760"/>
-            <a:ext cx="712440" cy="363960"/>
+            <a:ext cx="712440" cy="365760"/>
           </a:xfrm>
           <a:prstGeom prst="rect">
             <a:avLst/>
@@ -15764,14 +16258,16 @@
             <a:r>
               <a:rPr lang="en-US" sz="1800" b="0" strike="noStrike" spc="-1">
                 <a:solidFill>
-                  <a:srgbClr val="F3F3F3"/>
+                  <a:schemeClr val="bg1"/>
                 </a:solidFill>
                 <a:latin typeface="Arial" panose="020B0604020202020204"/>
-                <a:ea typeface="DejaVu Sans"/>
               </a:rPr>
-              <a:t>4</a:t>
+              <a:t>3</a:t>
             </a:r>
             <a:endParaRPr lang="en-US" sz="1800" b="0" strike="noStrike" spc="-1">
+              <a:solidFill>
+                <a:schemeClr val="bg1"/>
+              </a:solidFill>
               <a:latin typeface="Arial" panose="020B0604020202020204"/>
             </a:endParaRPr>
           </a:p>
@@ -15794,7 +16290,7 @@
     <p:bg>
       <p:bgPr>
         <a:blipFill rotWithShape="0">
-          <a:blip r:embed="rId2"/>
+          <a:blip r:embed="rId1"/>
           <a:stretch>
             <a:fillRect/>
           </a:stretch>
@@ -15884,7 +16380,7 @@
           <p:nvPr/>
         </p:nvPicPr>
         <p:blipFill>
-          <a:blip r:embed="rId3">
+          <a:blip r:embed="rId2">
             <a:lum bright="70000" contrast="-70000"/>
           </a:blip>
           <a:stretch>
@@ -16081,7 +16577,7 @@
         <p:spPr>
           <a:xfrm>
             <a:off x="74520" y="4622760"/>
-            <a:ext cx="712440" cy="363960"/>
+            <a:ext cx="712440" cy="365760"/>
           </a:xfrm>
           <a:prstGeom prst="rect">
             <a:avLst/>
@@ -16117,14 +16613,16 @@
             <a:r>
               <a:rPr lang="en-US" sz="1800" b="0" strike="noStrike" spc="-1">
                 <a:solidFill>
-                  <a:srgbClr val="F3F3F3"/>
+                  <a:schemeClr val="bg1"/>
                 </a:solidFill>
                 <a:latin typeface="Arial" panose="020B0604020202020204"/>
-                <a:ea typeface="DejaVu Sans"/>
               </a:rPr>
-              <a:t>5</a:t>
+              <a:t>4</a:t>
             </a:r>
             <a:endParaRPr lang="en-US" sz="1800" b="0" strike="noStrike" spc="-1">
+              <a:solidFill>
+                <a:schemeClr val="bg1"/>
+              </a:solidFill>
               <a:latin typeface="Arial" panose="020B0604020202020204"/>
             </a:endParaRPr>
           </a:p>
@@ -16228,7 +16726,7 @@
         <p:spPr>
           <a:xfrm>
             <a:off x="74520" y="4622760"/>
-            <a:ext cx="712440" cy="363960"/>
+            <a:ext cx="712440" cy="365760"/>
           </a:xfrm>
           <a:prstGeom prst="rect">
             <a:avLst/>
@@ -16264,14 +16762,16 @@
             <a:r>
               <a:rPr lang="en-US" sz="1800" b="0" strike="noStrike" spc="-1">
                 <a:solidFill>
-                  <a:srgbClr val="F3F3F3"/>
+                  <a:schemeClr val="bg1"/>
                 </a:solidFill>
                 <a:latin typeface="Arial" panose="020B0604020202020204"/>
-                <a:ea typeface="DejaVu Sans"/>
               </a:rPr>
-              <a:t>6</a:t>
+              <a:t>5</a:t>
             </a:r>
             <a:endParaRPr lang="en-US" sz="1800" b="0" strike="noStrike" spc="-1">
+              <a:solidFill>
+                <a:schemeClr val="bg1"/>
+              </a:solidFill>
               <a:latin typeface="Arial" panose="020B0604020202020204"/>
             </a:endParaRPr>
           </a:p>
@@ -16334,6 +16834,12 @@
               </a:rPr>
               <a:t>Enhance the short tandem repeat method in the whole genome</a:t>
             </a:r>
+            <a:endParaRPr lang="en-US" sz="1400" spc="-1" dirty="0" smtClean="0">
+              <a:solidFill>
+                <a:schemeClr val="bg1"/>
+              </a:solidFill>
+              <a:latin typeface="Arial" panose="020B0604020202020204"/>
+            </a:endParaRPr>
           </a:p>
           <a:p>
             <a:pPr>
@@ -16383,6 +16889,12 @@
               </a:rPr>
               <a:t> numbers</a:t>
             </a:r>
+            <a:endParaRPr lang="en-US" sz="1400" spc="-1" dirty="0" smtClean="0">
+              <a:solidFill>
+                <a:schemeClr val="bg1"/>
+              </a:solidFill>
+              <a:latin typeface="Arial" panose="020B0604020202020204"/>
+            </a:endParaRPr>
           </a:p>
           <a:p>
             <a:pPr>
@@ -16414,6 +16926,12 @@
               </a:rPr>
               <a:t>Enhance and implement the mobile application and web application</a:t>
             </a:r>
+            <a:endParaRPr lang="en-US" sz="1400" spc="-1" dirty="0" smtClean="0">
+              <a:solidFill>
+                <a:schemeClr val="bg1"/>
+              </a:solidFill>
+              <a:latin typeface="Arial" panose="020B0604020202020204"/>
+            </a:endParaRPr>
           </a:p>
           <a:p>
             <a:pPr>
@@ -16445,6 +16963,12 @@
               </a:rPr>
               <a:t>Implement relevance and kinship through whole genome</a:t>
             </a:r>
+            <a:endParaRPr lang="en-US" sz="1400" spc="-1" dirty="0" smtClean="0">
+              <a:solidFill>
+                <a:schemeClr val="bg1"/>
+              </a:solidFill>
+              <a:latin typeface="Arial" panose="020B0604020202020204"/>
+            </a:endParaRPr>
           </a:p>
           <a:p>
             <a:pPr>
@@ -16476,6 +17000,12 @@
               </a:rPr>
               <a:t>Enhance report of whole genome results</a:t>
             </a:r>
+            <a:endParaRPr lang="en-US" sz="1400" spc="-1" dirty="0" smtClean="0">
+              <a:solidFill>
+                <a:schemeClr val="bg1"/>
+              </a:solidFill>
+              <a:latin typeface="Arial" panose="020B0604020202020204"/>
+            </a:endParaRPr>
           </a:p>
         </p:txBody>
       </p:sp>
@@ -16568,64 +17098,6 @@
           </a:p>
         </p:txBody>
       </p:sp>
-      <p:sp>
-        <p:nvSpPr>
-          <p:cNvPr id="303" name="CustomShape 2"/>
-          <p:cNvSpPr/>
-          <p:nvPr/>
-        </p:nvSpPr>
-        <p:spPr>
-          <a:xfrm>
-            <a:off x="74520" y="4622760"/>
-            <a:ext cx="712440" cy="363960"/>
-          </a:xfrm>
-          <a:prstGeom prst="rect">
-            <a:avLst/>
-          </a:prstGeom>
-          <a:noFill/>
-          <a:ln>
-            <a:noFill/>
-          </a:ln>
-        </p:spPr>
-        <p:style>
-          <a:lnRef idx="0">
-            <a:srgbClr val="FFFFFF"/>
-          </a:lnRef>
-          <a:fillRef idx="0">
-            <a:srgbClr val="FFFFFF"/>
-          </a:fillRef>
-          <a:effectRef idx="0">
-            <a:srgbClr val="FFFFFF"/>
-          </a:effectRef>
-          <a:fontRef idx="minor"/>
-        </p:style>
-        <p:txBody>
-          <a:bodyPr lIns="90000" tIns="45000" rIns="90000" bIns="45000">
-            <a:spAutoFit/>
-          </a:bodyPr>
-          <a:lstStyle/>
-          <a:p>
-            <a:pPr>
-              <a:lnSpc>
-                <a:spcPct val="100000"/>
-              </a:lnSpc>
-            </a:pPr>
-            <a:r>
-              <a:rPr lang="en-US" sz="1800" b="0" strike="noStrike" spc="-1">
-                <a:solidFill>
-                  <a:srgbClr val="F3F3F3"/>
-                </a:solidFill>
-                <a:latin typeface="Arial" panose="020B0604020202020204"/>
-                <a:ea typeface="DejaVu Sans"/>
-              </a:rPr>
-              <a:t>7</a:t>
-            </a:r>
-            <a:endParaRPr lang="en-US" sz="1800" b="0" strike="noStrike" spc="-1">
-              <a:latin typeface="Arial" panose="020B0604020202020204"/>
-            </a:endParaRPr>
-          </a:p>
-        </p:txBody>
-      </p:sp>
       <p:pic>
         <p:nvPicPr>
           <p:cNvPr id="2" name="Picture 1"/>
@@ -16635,7 +17107,7 @@
           <p:nvPr/>
         </p:nvPicPr>
         <p:blipFill>
-          <a:blip r:embed="rId2">
+          <a:blip r:embed="rId1">
             <a:extLst>
               <a:ext uri="{28A0092B-C50C-407E-A947-70E740481C1C}">
                 <a14:useLocalDpi xmlns:a14="http://schemas.microsoft.com/office/drawing/2010/main" val="0"/>
@@ -16656,6 +17128,43 @@
           </a:prstGeom>
         </p:spPr>
       </p:pic>
+      <p:sp>
+        <p:nvSpPr>
+          <p:cNvPr id="3" name="Text Box 2"/>
+          <p:cNvSpPr txBox="1"/>
+          <p:nvPr/>
+        </p:nvSpPr>
+        <p:spPr>
+          <a:xfrm>
+            <a:off x="205105" y="4761865"/>
+            <a:ext cx="309880" cy="368300"/>
+          </a:xfrm>
+          <a:prstGeom prst="rect">
+            <a:avLst/>
+          </a:prstGeom>
+          <a:noFill/>
+        </p:spPr>
+        <p:txBody>
+          <a:bodyPr wrap="none" rtlCol="0">
+            <a:spAutoFit/>
+          </a:bodyPr>
+          <a:p>
+            <a:r>
+              <a:rPr lang="en-US">
+                <a:solidFill>
+                  <a:schemeClr val="bg1"/>
+                </a:solidFill>
+              </a:rPr>
+              <a:t>6</a:t>
+            </a:r>
+            <a:endParaRPr lang="en-US">
+              <a:solidFill>
+                <a:schemeClr val="bg1"/>
+              </a:solidFill>
+            </a:endParaRPr>
+          </a:p>
+        </p:txBody>
+      </p:sp>
     </p:spTree>
   </p:cSld>
   <p:clrMapOvr>
@@ -16752,7 +17261,7 @@
           <p:nvPr/>
         </p:nvPicPr>
         <p:blipFill>
-          <a:blip r:embed="rId2"/>
+          <a:blip r:embed="rId1"/>
           <a:stretch>
             <a:fillRect/>
           </a:stretch>
@@ -16946,7 +17455,7 @@
         <p:spPr>
           <a:xfrm>
             <a:off x="74520" y="4622760"/>
-            <a:ext cx="712440" cy="363960"/>
+            <a:ext cx="712440" cy="365760"/>
           </a:xfrm>
           <a:prstGeom prst="rect">
             <a:avLst/>
@@ -16982,14 +17491,16 @@
             <a:r>
               <a:rPr lang="en-US" sz="1800" b="0" strike="noStrike" spc="-1">
                 <a:solidFill>
-                  <a:srgbClr val="F3F3F3"/>
+                  <a:schemeClr val="bg1"/>
                 </a:solidFill>
                 <a:latin typeface="Arial" panose="020B0604020202020204"/>
-                <a:ea typeface="DejaVu Sans"/>
               </a:rPr>
-              <a:t>9</a:t>
+              <a:t>8</a:t>
             </a:r>
             <a:endParaRPr lang="en-US" sz="1800" b="0" strike="noStrike" spc="-1">
+              <a:solidFill>
+                <a:schemeClr val="bg1"/>
+              </a:solidFill>
               <a:latin typeface="Arial" panose="020B0604020202020204"/>
             </a:endParaRPr>
           </a:p>
@@ -17229,8 +17740,6 @@
       </a:bgFillStyleLst>
     </a:fmtScheme>
   </a:themeElements>
-  <a:objectDefaults/>
-  <a:extraClrSchemeLst/>
   <a:extLst>
     <a:ext uri="{05A4C25C-085E-4340-85A3-A5531E510DB2}">
       <thm15:themeFamily xmlns:thm15="http://schemas.microsoft.com/office/thememl/2012/main" name="Office Theme" id="{62F939B6-93AF-4DB8-9C6B-D6C7DFDC589F}" vid="{4A3C46E8-61CC-4603-A589-7422A47A8E4A}"/>
@@ -17462,8 +17971,6 @@
       </a:bgFillStyleLst>
     </a:fmtScheme>
   </a:themeElements>
-  <a:objectDefaults/>
-  <a:extraClrSchemeLst/>
   <a:extLst>
     <a:ext uri="{05A4C25C-085E-4340-85A3-A5531E510DB2}">
       <thm15:themeFamily xmlns:thm15="http://schemas.microsoft.com/office/thememl/2012/main" name="Office Theme" id="{62F939B6-93AF-4DB8-9C6B-D6C7DFDC589F}" vid="{4A3C46E8-61CC-4603-A589-7422A47A8E4A}"/>
@@ -17695,8 +18202,6 @@
       </a:bgFillStyleLst>
     </a:fmtScheme>
   </a:themeElements>
-  <a:objectDefaults/>
-  <a:extraClrSchemeLst/>
   <a:extLst>
     <a:ext uri="{05A4C25C-085E-4340-85A3-A5531E510DB2}">
       <thm15:themeFamily xmlns:thm15="http://schemas.microsoft.com/office/thememl/2012/main" name="Office Theme" id="{62F939B6-93AF-4DB8-9C6B-D6C7DFDC589F}" vid="{4A3C46E8-61CC-4603-A589-7422A47A8E4A}"/>
@@ -17928,8 +18433,6 @@
       </a:bgFillStyleLst>
     </a:fmtScheme>
   </a:themeElements>
-  <a:objectDefaults/>
-  <a:extraClrSchemeLst/>
   <a:extLst>
     <a:ext uri="{05A4C25C-085E-4340-85A3-A5531E510DB2}">
       <thm15:themeFamily xmlns:thm15="http://schemas.microsoft.com/office/thememl/2012/main" name="Office Theme" id="{62F939B6-93AF-4DB8-9C6B-D6C7DFDC589F}" vid="{4A3C46E8-61CC-4603-A589-7422A47A8E4A}"/>
@@ -18161,8 +18664,6 @@
       </a:bgFillStyleLst>
     </a:fmtScheme>
   </a:themeElements>
-  <a:objectDefaults/>
-  <a:extraClrSchemeLst/>
   <a:extLst>
     <a:ext uri="{05A4C25C-085E-4340-85A3-A5531E510DB2}">
       <thm15:themeFamily xmlns:thm15="http://schemas.microsoft.com/office/thememl/2012/main" name="Office Theme" id="{62F939B6-93AF-4DB8-9C6B-D6C7DFDC589F}" vid="{4A3C46E8-61CC-4603-A589-7422A47A8E4A}"/>
@@ -18394,8 +18895,6 @@
       </a:bgFillStyleLst>
     </a:fmtScheme>
   </a:themeElements>
-  <a:objectDefaults/>
-  <a:extraClrSchemeLst/>
   <a:extLst>
     <a:ext uri="{05A4C25C-085E-4340-85A3-A5531E510DB2}">
       <thm15:themeFamily xmlns:thm15="http://schemas.microsoft.com/office/thememl/2012/main" name="Office Theme" id="{62F939B6-93AF-4DB8-9C6B-D6C7DFDC589F}" vid="{4A3C46E8-61CC-4603-A589-7422A47A8E4A}"/>

--- a/E-Genetics/presentations/SRS (2).pptx
+++ b/E-Genetics/presentations/SRS (2).pptx
@@ -10819,7 +10819,7 @@
       </p:sp>
       <p:pic>
         <p:nvPicPr>
-          <p:cNvPr id="2" name="Picture 1" descr="Blank diagram - Page 2"/>
+          <p:cNvPr id="3" name="Picture 2" descr="Blank diagram - Page 2(1)"/>
           <p:cNvPicPr>
             <a:picLocks noChangeAspect="1"/>
           </p:cNvPicPr>
@@ -10833,7 +10833,7 @@
         </p:blipFill>
         <p:spPr>
           <a:xfrm>
-            <a:off x="2197735" y="852170"/>
+            <a:off x="1969770" y="814705"/>
             <a:ext cx="5029200" cy="4229100"/>
           </a:xfrm>
           <a:prstGeom prst="rect">
@@ -17098,36 +17098,6 @@
           </a:p>
         </p:txBody>
       </p:sp>
-      <p:pic>
-        <p:nvPicPr>
-          <p:cNvPr id="2" name="Picture 1"/>
-          <p:cNvPicPr>
-            <a:picLocks noChangeAspect="1"/>
-          </p:cNvPicPr>
-          <p:nvPr/>
-        </p:nvPicPr>
-        <p:blipFill>
-          <a:blip r:embed="rId1">
-            <a:extLst>
-              <a:ext uri="{28A0092B-C50C-407E-A947-70E740481C1C}">
-                <a14:useLocalDpi xmlns:a14="http://schemas.microsoft.com/office/drawing/2010/main" val="0"/>
-              </a:ext>
-            </a:extLst>
-          </a:blip>
-          <a:stretch>
-            <a:fillRect/>
-          </a:stretch>
-        </p:blipFill>
-        <p:spPr>
-          <a:xfrm>
-            <a:off x="678874" y="819535"/>
-            <a:ext cx="8250382" cy="4240869"/>
-          </a:xfrm>
-          <a:prstGeom prst="rect">
-            <a:avLst/>
-          </a:prstGeom>
-        </p:spPr>
-      </p:pic>
       <p:sp>
         <p:nvSpPr>
           <p:cNvPr id="3" name="Text Box 2"/>
@@ -17165,6 +17135,30 @@
           </a:p>
         </p:txBody>
       </p:sp>
+      <p:pic>
+        <p:nvPicPr>
+          <p:cNvPr id="4" name="Picture 3" descr="System Overview - Page 2"/>
+          <p:cNvPicPr>
+            <a:picLocks noChangeAspect="1"/>
+          </p:cNvPicPr>
+          <p:nvPr/>
+        </p:nvPicPr>
+        <p:blipFill>
+          <a:blip r:embed="rId1"/>
+          <a:stretch>
+            <a:fillRect/>
+          </a:stretch>
+        </p:blipFill>
+        <p:spPr>
+          <a:xfrm>
+            <a:off x="831850" y="749300"/>
+            <a:ext cx="7480300" cy="4265930"/>
+          </a:xfrm>
+          <a:prstGeom prst="rect">
+            <a:avLst/>
+          </a:prstGeom>
+        </p:spPr>
+      </p:pic>
     </p:spTree>
   </p:cSld>
   <p:clrMapOvr>
@@ -17254,31 +17248,6 @@
           </a:p>
         </p:txBody>
       </p:sp>
-      <p:pic>
-        <p:nvPicPr>
-          <p:cNvPr id="319" name="Picture 1"/>
-          <p:cNvPicPr/>
-          <p:nvPr/>
-        </p:nvPicPr>
-        <p:blipFill>
-          <a:blip r:embed="rId1"/>
-          <a:stretch>
-            <a:fillRect/>
-          </a:stretch>
-        </p:blipFill>
-        <p:spPr>
-          <a:xfrm>
-            <a:off x="4689720" y="526320"/>
-            <a:ext cx="4258800" cy="4418280"/>
-          </a:xfrm>
-          <a:prstGeom prst="rect">
-            <a:avLst/>
-          </a:prstGeom>
-          <a:ln>
-            <a:noFill/>
-          </a:ln>
-        </p:spPr>
-      </p:pic>
       <p:sp>
         <p:nvSpPr>
           <p:cNvPr id="320" name="CustomShape 2"/>
@@ -17506,6 +17475,30 @@
           </a:p>
         </p:txBody>
       </p:sp>
+      <p:pic>
+        <p:nvPicPr>
+          <p:cNvPr id="2" name="Picture 1" descr="Copy of Blank diagram(2)"/>
+          <p:cNvPicPr>
+            <a:picLocks noChangeAspect="1"/>
+          </p:cNvPicPr>
+          <p:nvPr/>
+        </p:nvPicPr>
+        <p:blipFill>
+          <a:blip r:embed="rId1"/>
+          <a:stretch>
+            <a:fillRect/>
+          </a:stretch>
+        </p:blipFill>
+        <p:spPr>
+          <a:xfrm>
+            <a:off x="4476115" y="863600"/>
+            <a:ext cx="4500880" cy="4124960"/>
+          </a:xfrm>
+          <a:prstGeom prst="rect">
+            <a:avLst/>
+          </a:prstGeom>
+        </p:spPr>
+      </p:pic>
     </p:spTree>
   </p:cSld>
   <p:clrMapOvr>
